--- a/CMQA/Risk Assessment/Risk Assessment.pptx
+++ b/CMQA/Risk Assessment/Risk Assessment.pptx
@@ -6,6 +6,8 @@
   </p:sldMasterIdLst>
   <p:sldIdLst>
     <p:sldId id="256" r:id="rId2"/>
+    <p:sldId id="257" r:id="rId3"/>
+    <p:sldId id="258" r:id="rId4"/>
   </p:sldIdLst>
   <p:sldSz cx="9144000" cy="6858000" type="screen4x3"/>
   <p:notesSz cx="6858000" cy="9144000"/>
@@ -8550,6 +8552,6022 @@
 </p:sld>
 </file>
 
+<file path=ppt/slides/slide2.xml><?xml version="1.0" encoding="utf-8"?>
+<p:sld xmlns:a="http://schemas.openxmlformats.org/drawingml/2006/main" xmlns:r="http://schemas.openxmlformats.org/officeDocument/2006/relationships" xmlns:p="http://schemas.openxmlformats.org/presentationml/2006/main">
+  <p:cSld>
+    <p:spTree>
+      <p:nvGrpSpPr>
+        <p:cNvPr id="1" name=""/>
+        <p:cNvGrpSpPr/>
+        <p:nvPr/>
+      </p:nvGrpSpPr>
+      <p:grpSpPr>
+        <a:xfrm>
+          <a:off x="0" y="0"/>
+          <a:ext cx="0" cy="0"/>
+          <a:chOff x="0" y="0"/>
+          <a:chExt cx="0" cy="0"/>
+        </a:xfrm>
+      </p:grpSpPr>
+      <p:sp>
+        <p:nvSpPr>
+          <p:cNvPr id="2" name="Title 1"/>
+          <p:cNvSpPr>
+            <a:spLocks noGrp="1"/>
+          </p:cNvSpPr>
+          <p:nvPr>
+            <p:ph type="title"/>
+          </p:nvPr>
+        </p:nvSpPr>
+        <p:spPr/>
+        <p:txBody>
+          <a:bodyPr/>
+          <a:lstStyle/>
+          <a:p>
+            <a:r>
+              <a:rPr lang="en-US" dirty="0" smtClean="0"/>
+              <a:t>Risks</a:t>
+            </a:r>
+            <a:endParaRPr lang="en-US" dirty="0"/>
+          </a:p>
+        </p:txBody>
+      </p:sp>
+      <p:graphicFrame>
+        <p:nvGraphicFramePr>
+          <p:cNvPr id="8" name="Table 7"/>
+          <p:cNvGraphicFramePr>
+            <a:graphicFrameLocks noGrp="1"/>
+          </p:cNvGraphicFramePr>
+          <p:nvPr>
+            <p:extLst>
+              <p:ext uri="{D42A27DB-BD31-4B8C-83A1-F6EECF244321}">
+                <p14:modId xmlns:p14="http://schemas.microsoft.com/office/powerpoint/2010/main" val="1030734933"/>
+              </p:ext>
+            </p:extLst>
+          </p:nvPr>
+        </p:nvGraphicFramePr>
+        <p:xfrm>
+          <a:off x="1981200" y="1295400"/>
+          <a:ext cx="5524979" cy="2270760"/>
+        </p:xfrm>
+        <a:graphic>
+          <a:graphicData uri="http://schemas.openxmlformats.org/drawingml/2006/table">
+            <a:tbl>
+              <a:tblPr firstRow="1" bandRow="1">
+                <a:tableStyleId>{E929F9F4-4A8F-4326-A1B4-22849713DDAB}</a:tableStyleId>
+              </a:tblPr>
+              <a:tblGrid>
+                <a:gridCol w="145760"/>
+                <a:gridCol w="2839092"/>
+                <a:gridCol w="1079627"/>
+                <a:gridCol w="1460500"/>
+              </a:tblGrid>
+              <a:tr h="316654">
+                <a:tc>
+                  <a:txBody>
+                    <a:bodyPr/>
+                    <a:lstStyle/>
+                    <a:p>
+                      <a:pPr algn="ctr" rtl="0" fontAlgn="b"/>
+                      <a:endParaRPr lang="en-US" dirty="0">
+                        <a:solidFill>
+                          <a:srgbClr val="000000"/>
+                        </a:solidFill>
+                        <a:effectLst/>
+                      </a:endParaRPr>
+                    </a:p>
+                  </a:txBody>
+                  <a:tcPr marL="28575" marR="28575" marT="0" marB="0" anchor="ctr"/>
+                </a:tc>
+                <a:tc>
+                  <a:txBody>
+                    <a:bodyPr/>
+                    <a:lstStyle/>
+                    <a:p>
+                      <a:pPr algn="ctr" rtl="0" fontAlgn="b"/>
+                      <a:r>
+                        <a:rPr lang="en-US" dirty="0">
+                          <a:effectLst/>
+                        </a:rPr>
+                        <a:t>Risk</a:t>
+                      </a:r>
+                      <a:endParaRPr lang="en-US" dirty="0">
+                        <a:solidFill>
+                          <a:srgbClr val="000000"/>
+                        </a:solidFill>
+                        <a:effectLst/>
+                      </a:endParaRPr>
+                    </a:p>
+                  </a:txBody>
+                  <a:tcPr marL="28575" marR="28575" marT="0" marB="0" anchor="ctr"/>
+                </a:tc>
+                <a:tc>
+                  <a:txBody>
+                    <a:bodyPr/>
+                    <a:lstStyle/>
+                    <a:p>
+                      <a:pPr algn="ctr" rtl="0" fontAlgn="b"/>
+                      <a:r>
+                        <a:rPr lang="en-US" dirty="0" smtClean="0">
+                          <a:effectLst/>
+                        </a:rPr>
+                        <a:t>Likelihood</a:t>
+                      </a:r>
+                      <a:endParaRPr lang="en-US" dirty="0">
+                        <a:solidFill>
+                          <a:srgbClr val="000000"/>
+                        </a:solidFill>
+                        <a:effectLst/>
+                      </a:endParaRPr>
+                    </a:p>
+                  </a:txBody>
+                  <a:tcPr marL="28575" marR="28575" marT="0" marB="0" anchor="ctr"/>
+                </a:tc>
+                <a:tc>
+                  <a:txBody>
+                    <a:bodyPr/>
+                    <a:lstStyle/>
+                    <a:p>
+                      <a:pPr algn="ctr" rtl="0" fontAlgn="b"/>
+                      <a:r>
+                        <a:rPr lang="en-US" dirty="0">
+                          <a:effectLst/>
+                        </a:rPr>
+                        <a:t>Consequences</a:t>
+                      </a:r>
+                      <a:endParaRPr lang="en-US" dirty="0">
+                        <a:solidFill>
+                          <a:srgbClr val="000000"/>
+                        </a:solidFill>
+                        <a:effectLst/>
+                      </a:endParaRPr>
+                    </a:p>
+                  </a:txBody>
+                  <a:tcPr marL="28575" marR="28575" marT="0" marB="0" anchor="ctr"/>
+                </a:tc>
+              </a:tr>
+              <a:tr h="262466">
+                <a:tc>
+                  <a:txBody>
+                    <a:bodyPr/>
+                    <a:lstStyle/>
+                    <a:p>
+                      <a:pPr algn="ctr" rtl="0" fontAlgn="b"/>
+                      <a:r>
+                        <a:rPr lang="en-US" sz="1200" dirty="0" smtClean="0">
+                          <a:solidFill>
+                            <a:schemeClr val="bg1"/>
+                          </a:solidFill>
+                          <a:effectLst/>
+                        </a:rPr>
+                        <a:t>1</a:t>
+                      </a:r>
+                      <a:endParaRPr lang="en-US" sz="1200" dirty="0">
+                        <a:solidFill>
+                          <a:schemeClr val="bg1"/>
+                        </a:solidFill>
+                        <a:effectLst/>
+                      </a:endParaRPr>
+                    </a:p>
+                  </a:txBody>
+                  <a:tcPr marL="28575" marR="28575" marT="0" marB="0" anchor="ctr"/>
+                </a:tc>
+                <a:tc>
+                  <a:txBody>
+                    <a:bodyPr/>
+                    <a:lstStyle/>
+                    <a:p>
+                      <a:pPr algn="ctr" rtl="0" fontAlgn="b"/>
+                      <a:r>
+                        <a:rPr lang="en-US" sz="1200" dirty="0">
+                          <a:effectLst/>
+                        </a:rPr>
+                        <a:t>Loss of Communication</a:t>
+                      </a:r>
+                      <a:endParaRPr lang="en-US" sz="1200" dirty="0">
+                        <a:solidFill>
+                          <a:srgbClr val="000000"/>
+                        </a:solidFill>
+                        <a:effectLst/>
+                      </a:endParaRPr>
+                    </a:p>
+                  </a:txBody>
+                  <a:tcPr marL="28575" marR="28575" marT="0" marB="0" anchor="ctr"/>
+                </a:tc>
+                <a:tc>
+                  <a:txBody>
+                    <a:bodyPr/>
+                    <a:lstStyle/>
+                    <a:p>
+                      <a:pPr algn="ctr" rtl="0" fontAlgn="b"/>
+                      <a:r>
+                        <a:rPr lang="en-US" sz="1200" dirty="0">
+                          <a:effectLst/>
+                        </a:rPr>
+                        <a:t>2</a:t>
+                      </a:r>
+                      <a:endParaRPr lang="en-US" sz="1200" dirty="0">
+                        <a:solidFill>
+                          <a:srgbClr val="000000"/>
+                        </a:solidFill>
+                        <a:effectLst/>
+                      </a:endParaRPr>
+                    </a:p>
+                  </a:txBody>
+                  <a:tcPr marL="28575" marR="28575" marT="0" marB="0" anchor="ctr"/>
+                </a:tc>
+                <a:tc>
+                  <a:txBody>
+                    <a:bodyPr/>
+                    <a:lstStyle/>
+                    <a:p>
+                      <a:pPr algn="ctr" rtl="0" fontAlgn="b"/>
+                      <a:r>
+                        <a:rPr lang="en-US" sz="1200">
+                          <a:effectLst/>
+                        </a:rPr>
+                        <a:t>5</a:t>
+                      </a:r>
+                      <a:endParaRPr lang="en-US" sz="1200">
+                        <a:solidFill>
+                          <a:srgbClr val="000000"/>
+                        </a:solidFill>
+                        <a:effectLst/>
+                      </a:endParaRPr>
+                    </a:p>
+                  </a:txBody>
+                  <a:tcPr marL="28575" marR="28575" marT="0" marB="0" anchor="ctr"/>
+                </a:tc>
+              </a:tr>
+              <a:tr h="228600">
+                <a:tc>
+                  <a:txBody>
+                    <a:bodyPr/>
+                    <a:lstStyle/>
+                    <a:p>
+                      <a:pPr algn="ctr" rtl="0" fontAlgn="b"/>
+                      <a:r>
+                        <a:rPr lang="en-US" sz="1200" dirty="0" smtClean="0">
+                          <a:solidFill>
+                            <a:schemeClr val="bg1"/>
+                          </a:solidFill>
+                          <a:effectLst/>
+                        </a:rPr>
+                        <a:t>2</a:t>
+                      </a:r>
+                      <a:endParaRPr lang="en-US" sz="1200" dirty="0">
+                        <a:solidFill>
+                          <a:schemeClr val="bg1"/>
+                        </a:solidFill>
+                        <a:effectLst/>
+                      </a:endParaRPr>
+                    </a:p>
+                  </a:txBody>
+                  <a:tcPr marL="28575" marR="28575" marT="0" marB="0" anchor="ctr"/>
+                </a:tc>
+                <a:tc>
+                  <a:txBody>
+                    <a:bodyPr/>
+                    <a:lstStyle/>
+                    <a:p>
+                      <a:pPr algn="ctr" rtl="0" fontAlgn="b"/>
+                      <a:r>
+                        <a:rPr lang="en-US" sz="1200" dirty="0">
+                          <a:effectLst/>
+                        </a:rPr>
+                        <a:t>Collision between </a:t>
+                      </a:r>
+                      <a:r>
+                        <a:rPr lang="en-US" sz="1200" dirty="0" smtClean="0">
+                          <a:effectLst/>
+                        </a:rPr>
+                        <a:t>spacecraft</a:t>
+                      </a:r>
+                      <a:endParaRPr lang="en-US" sz="1200" dirty="0">
+                        <a:solidFill>
+                          <a:srgbClr val="000000"/>
+                        </a:solidFill>
+                        <a:effectLst/>
+                      </a:endParaRPr>
+                    </a:p>
+                  </a:txBody>
+                  <a:tcPr marL="28575" marR="28575" marT="0" marB="0" anchor="ctr"/>
+                </a:tc>
+                <a:tc>
+                  <a:txBody>
+                    <a:bodyPr/>
+                    <a:lstStyle/>
+                    <a:p>
+                      <a:pPr algn="ctr" rtl="0" fontAlgn="b"/>
+                      <a:r>
+                        <a:rPr lang="en-US" sz="1200">
+                          <a:effectLst/>
+                        </a:rPr>
+                        <a:t>3</a:t>
+                      </a:r>
+                      <a:endParaRPr lang="en-US" sz="1200">
+                        <a:solidFill>
+                          <a:srgbClr val="000000"/>
+                        </a:solidFill>
+                        <a:effectLst/>
+                      </a:endParaRPr>
+                    </a:p>
+                  </a:txBody>
+                  <a:tcPr marL="28575" marR="28575" marT="0" marB="0" anchor="ctr"/>
+                </a:tc>
+                <a:tc>
+                  <a:txBody>
+                    <a:bodyPr/>
+                    <a:lstStyle/>
+                    <a:p>
+                      <a:pPr algn="ctr" rtl="0" fontAlgn="b"/>
+                      <a:r>
+                        <a:rPr lang="en-US" sz="1200">
+                          <a:effectLst/>
+                        </a:rPr>
+                        <a:t>3</a:t>
+                      </a:r>
+                      <a:endParaRPr lang="en-US" sz="1200">
+                        <a:solidFill>
+                          <a:srgbClr val="000000"/>
+                        </a:solidFill>
+                        <a:effectLst/>
+                      </a:endParaRPr>
+                    </a:p>
+                  </a:txBody>
+                  <a:tcPr marL="28575" marR="28575" marT="0" marB="0" anchor="ctr"/>
+                </a:tc>
+              </a:tr>
+              <a:tr h="228600">
+                <a:tc>
+                  <a:txBody>
+                    <a:bodyPr/>
+                    <a:lstStyle/>
+                    <a:p>
+                      <a:pPr algn="ctr" rtl="0" fontAlgn="b"/>
+                      <a:r>
+                        <a:rPr lang="en-US" sz="1200" dirty="0" smtClean="0">
+                          <a:solidFill>
+                            <a:schemeClr val="bg1"/>
+                          </a:solidFill>
+                          <a:effectLst/>
+                        </a:rPr>
+                        <a:t>3</a:t>
+                      </a:r>
+                      <a:endParaRPr lang="en-US" sz="1200" dirty="0">
+                        <a:solidFill>
+                          <a:schemeClr val="bg1"/>
+                        </a:solidFill>
+                        <a:effectLst/>
+                      </a:endParaRPr>
+                    </a:p>
+                  </a:txBody>
+                  <a:tcPr marL="28575" marR="28575" marT="0" marB="0" anchor="ctr"/>
+                </a:tc>
+                <a:tc>
+                  <a:txBody>
+                    <a:bodyPr/>
+                    <a:lstStyle/>
+                    <a:p>
+                      <a:pPr algn="ctr" rtl="0" fontAlgn="b"/>
+                      <a:r>
+                        <a:rPr lang="en-US" sz="1200" dirty="0">
+                          <a:effectLst/>
+                        </a:rPr>
+                        <a:t>The spacecraft did not separate properly </a:t>
+                      </a:r>
+                      <a:endParaRPr lang="en-US" sz="1200" dirty="0">
+                        <a:solidFill>
+                          <a:srgbClr val="000000"/>
+                        </a:solidFill>
+                        <a:effectLst/>
+                      </a:endParaRPr>
+                    </a:p>
+                  </a:txBody>
+                  <a:tcPr marL="28575" marR="28575" marT="0" marB="0" anchor="ctr"/>
+                </a:tc>
+                <a:tc>
+                  <a:txBody>
+                    <a:bodyPr/>
+                    <a:lstStyle/>
+                    <a:p>
+                      <a:pPr algn="ctr" rtl="0" fontAlgn="b"/>
+                      <a:r>
+                        <a:rPr lang="en-US" sz="1200">
+                          <a:effectLst/>
+                        </a:rPr>
+                        <a:t>3</a:t>
+                      </a:r>
+                      <a:endParaRPr lang="en-US" sz="1200">
+                        <a:solidFill>
+                          <a:srgbClr val="000000"/>
+                        </a:solidFill>
+                        <a:effectLst/>
+                      </a:endParaRPr>
+                    </a:p>
+                  </a:txBody>
+                  <a:tcPr marL="28575" marR="28575" marT="0" marB="0" anchor="ctr"/>
+                </a:tc>
+                <a:tc>
+                  <a:txBody>
+                    <a:bodyPr/>
+                    <a:lstStyle/>
+                    <a:p>
+                      <a:pPr algn="ctr" rtl="0" fontAlgn="b"/>
+                      <a:r>
+                        <a:rPr lang="en-US" sz="1200" dirty="0">
+                          <a:effectLst/>
+                        </a:rPr>
+                        <a:t>2</a:t>
+                      </a:r>
+                      <a:endParaRPr lang="en-US" sz="1200" dirty="0">
+                        <a:solidFill>
+                          <a:srgbClr val="000000"/>
+                        </a:solidFill>
+                        <a:effectLst/>
+                      </a:endParaRPr>
+                    </a:p>
+                  </a:txBody>
+                  <a:tcPr marL="28575" marR="28575" marT="0" marB="0" anchor="ctr"/>
+                </a:tc>
+              </a:tr>
+              <a:tr h="228600">
+                <a:tc>
+                  <a:txBody>
+                    <a:bodyPr/>
+                    <a:lstStyle/>
+                    <a:p>
+                      <a:pPr algn="ctr" rtl="0" fontAlgn="b"/>
+                      <a:r>
+                        <a:rPr lang="en-US" sz="1200" dirty="0" smtClean="0">
+                          <a:solidFill>
+                            <a:schemeClr val="bg1"/>
+                          </a:solidFill>
+                          <a:effectLst/>
+                        </a:rPr>
+                        <a:t>4</a:t>
+                      </a:r>
+                      <a:endParaRPr lang="en-US" sz="1200" dirty="0">
+                        <a:solidFill>
+                          <a:schemeClr val="bg1"/>
+                        </a:solidFill>
+                        <a:effectLst/>
+                      </a:endParaRPr>
+                    </a:p>
+                  </a:txBody>
+                  <a:tcPr marL="28575" marR="28575" marT="0" marB="0" anchor="ctr"/>
+                </a:tc>
+                <a:tc>
+                  <a:txBody>
+                    <a:bodyPr/>
+                    <a:lstStyle/>
+                    <a:p>
+                      <a:pPr algn="ctr" rtl="0" fontAlgn="b"/>
+                      <a:r>
+                        <a:rPr lang="en-US" sz="1200" dirty="0">
+                          <a:effectLst/>
+                        </a:rPr>
+                        <a:t>Spacecraft unable to locate each other</a:t>
+                      </a:r>
+                      <a:endParaRPr lang="en-US" sz="1200" dirty="0">
+                        <a:solidFill>
+                          <a:srgbClr val="000000"/>
+                        </a:solidFill>
+                        <a:effectLst/>
+                      </a:endParaRPr>
+                    </a:p>
+                  </a:txBody>
+                  <a:tcPr marL="28575" marR="28575" marT="0" marB="0" anchor="ctr"/>
+                </a:tc>
+                <a:tc>
+                  <a:txBody>
+                    <a:bodyPr/>
+                    <a:lstStyle/>
+                    <a:p>
+                      <a:pPr algn="ctr" rtl="0" fontAlgn="b"/>
+                      <a:r>
+                        <a:rPr lang="en-US" sz="1200" dirty="0">
+                          <a:effectLst/>
+                        </a:rPr>
+                        <a:t>3</a:t>
+                      </a:r>
+                      <a:endParaRPr lang="en-US" sz="1200" dirty="0">
+                        <a:solidFill>
+                          <a:srgbClr val="000000"/>
+                        </a:solidFill>
+                        <a:effectLst/>
+                      </a:endParaRPr>
+                    </a:p>
+                  </a:txBody>
+                  <a:tcPr marL="28575" marR="28575" marT="0" marB="0" anchor="ctr"/>
+                </a:tc>
+                <a:tc>
+                  <a:txBody>
+                    <a:bodyPr/>
+                    <a:lstStyle/>
+                    <a:p>
+                      <a:pPr algn="ctr" rtl="0" fontAlgn="b"/>
+                      <a:r>
+                        <a:rPr lang="en-US" sz="1200">
+                          <a:effectLst/>
+                        </a:rPr>
+                        <a:t>4</a:t>
+                      </a:r>
+                      <a:endParaRPr lang="en-US" sz="1200">
+                        <a:solidFill>
+                          <a:srgbClr val="000000"/>
+                        </a:solidFill>
+                        <a:effectLst/>
+                      </a:endParaRPr>
+                    </a:p>
+                  </a:txBody>
+                  <a:tcPr marL="28575" marR="28575" marT="0" marB="0" anchor="ctr"/>
+                </a:tc>
+              </a:tr>
+              <a:tr h="228600">
+                <a:tc>
+                  <a:txBody>
+                    <a:bodyPr/>
+                    <a:lstStyle/>
+                    <a:p>
+                      <a:pPr algn="ctr" rtl="0" fontAlgn="b"/>
+                      <a:r>
+                        <a:rPr lang="en-US" sz="1200" dirty="0" smtClean="0">
+                          <a:solidFill>
+                            <a:schemeClr val="bg1"/>
+                          </a:solidFill>
+                          <a:effectLst/>
+                        </a:rPr>
+                        <a:t>5</a:t>
+                      </a:r>
+                      <a:endParaRPr lang="en-US" sz="1200" dirty="0">
+                        <a:solidFill>
+                          <a:schemeClr val="bg1"/>
+                        </a:solidFill>
+                        <a:effectLst/>
+                      </a:endParaRPr>
+                    </a:p>
+                  </a:txBody>
+                  <a:tcPr marL="28575" marR="28575" marT="0" marB="0" anchor="ctr"/>
+                </a:tc>
+                <a:tc>
+                  <a:txBody>
+                    <a:bodyPr/>
+                    <a:lstStyle/>
+                    <a:p>
+                      <a:pPr algn="ctr" rtl="0" fontAlgn="b"/>
+                      <a:r>
+                        <a:rPr lang="en-US" sz="1200" dirty="0">
+                          <a:effectLst/>
+                        </a:rPr>
+                        <a:t>Unable to generate enough power</a:t>
+                      </a:r>
+                      <a:endParaRPr lang="en-US" sz="1200" dirty="0">
+                        <a:solidFill>
+                          <a:srgbClr val="000000"/>
+                        </a:solidFill>
+                        <a:effectLst/>
+                      </a:endParaRPr>
+                    </a:p>
+                  </a:txBody>
+                  <a:tcPr marL="28575" marR="28575" marT="0" marB="0" anchor="ctr"/>
+                </a:tc>
+                <a:tc>
+                  <a:txBody>
+                    <a:bodyPr/>
+                    <a:lstStyle/>
+                    <a:p>
+                      <a:pPr algn="ctr" rtl="0" fontAlgn="b"/>
+                      <a:r>
+                        <a:rPr lang="en-US" sz="1200">
+                          <a:effectLst/>
+                        </a:rPr>
+                        <a:t>2</a:t>
+                      </a:r>
+                      <a:endParaRPr lang="en-US" sz="1200">
+                        <a:solidFill>
+                          <a:srgbClr val="000000"/>
+                        </a:solidFill>
+                        <a:effectLst/>
+                      </a:endParaRPr>
+                    </a:p>
+                  </a:txBody>
+                  <a:tcPr marL="28575" marR="28575" marT="0" marB="0" anchor="ctr"/>
+                </a:tc>
+                <a:tc>
+                  <a:txBody>
+                    <a:bodyPr/>
+                    <a:lstStyle/>
+                    <a:p>
+                      <a:pPr algn="ctr" rtl="0" fontAlgn="b"/>
+                      <a:r>
+                        <a:rPr lang="en-US" sz="1200">
+                          <a:effectLst/>
+                        </a:rPr>
+                        <a:t>3</a:t>
+                      </a:r>
+                      <a:endParaRPr lang="en-US" sz="1200">
+                        <a:solidFill>
+                          <a:srgbClr val="000000"/>
+                        </a:solidFill>
+                        <a:effectLst/>
+                      </a:endParaRPr>
+                    </a:p>
+                  </a:txBody>
+                  <a:tcPr marL="28575" marR="28575" marT="0" marB="0" anchor="ctr"/>
+                </a:tc>
+              </a:tr>
+              <a:tr h="228600">
+                <a:tc>
+                  <a:txBody>
+                    <a:bodyPr/>
+                    <a:lstStyle/>
+                    <a:p>
+                      <a:pPr algn="ctr" rtl="0" fontAlgn="b"/>
+                      <a:r>
+                        <a:rPr lang="en-US" sz="1200" dirty="0" smtClean="0">
+                          <a:solidFill>
+                            <a:schemeClr val="bg1"/>
+                          </a:solidFill>
+                          <a:effectLst/>
+                        </a:rPr>
+                        <a:t>6</a:t>
+                      </a:r>
+                      <a:endParaRPr lang="en-US" sz="1200" dirty="0">
+                        <a:solidFill>
+                          <a:schemeClr val="bg1"/>
+                        </a:solidFill>
+                        <a:effectLst/>
+                      </a:endParaRPr>
+                    </a:p>
+                  </a:txBody>
+                  <a:tcPr marL="28575" marR="28575" marT="0" marB="0" anchor="ctr"/>
+                </a:tc>
+                <a:tc>
+                  <a:txBody>
+                    <a:bodyPr/>
+                    <a:lstStyle/>
+                    <a:p>
+                      <a:pPr algn="ctr" rtl="0" fontAlgn="b"/>
+                      <a:r>
+                        <a:rPr lang="en-US" sz="1200" dirty="0">
+                          <a:effectLst/>
+                        </a:rPr>
+                        <a:t>Spacecraft separate too fast from each other</a:t>
+                      </a:r>
+                      <a:endParaRPr lang="en-US" sz="1200" dirty="0">
+                        <a:solidFill>
+                          <a:srgbClr val="000000"/>
+                        </a:solidFill>
+                        <a:effectLst/>
+                      </a:endParaRPr>
+                    </a:p>
+                  </a:txBody>
+                  <a:tcPr marL="28575" marR="28575" marT="0" marB="0" anchor="ctr"/>
+                </a:tc>
+                <a:tc>
+                  <a:txBody>
+                    <a:bodyPr/>
+                    <a:lstStyle/>
+                    <a:p>
+                      <a:pPr algn="ctr" rtl="0" fontAlgn="b"/>
+                      <a:r>
+                        <a:rPr lang="en-US" sz="1200">
+                          <a:effectLst/>
+                        </a:rPr>
+                        <a:t>3</a:t>
+                      </a:r>
+                      <a:endParaRPr lang="en-US" sz="1200">
+                        <a:solidFill>
+                          <a:srgbClr val="000000"/>
+                        </a:solidFill>
+                        <a:effectLst/>
+                      </a:endParaRPr>
+                    </a:p>
+                  </a:txBody>
+                  <a:tcPr marL="28575" marR="28575" marT="0" marB="0" anchor="ctr"/>
+                </a:tc>
+                <a:tc>
+                  <a:txBody>
+                    <a:bodyPr/>
+                    <a:lstStyle/>
+                    <a:p>
+                      <a:pPr algn="ctr" rtl="0" fontAlgn="b"/>
+                      <a:r>
+                        <a:rPr lang="en-US" sz="1200">
+                          <a:effectLst/>
+                        </a:rPr>
+                        <a:t>3</a:t>
+                      </a:r>
+                      <a:endParaRPr lang="en-US" sz="1200">
+                        <a:solidFill>
+                          <a:srgbClr val="000000"/>
+                        </a:solidFill>
+                        <a:effectLst/>
+                      </a:endParaRPr>
+                    </a:p>
+                  </a:txBody>
+                  <a:tcPr marL="28575" marR="28575" marT="0" marB="0" anchor="ctr"/>
+                </a:tc>
+              </a:tr>
+              <a:tr h="335280">
+                <a:tc>
+                  <a:txBody>
+                    <a:bodyPr/>
+                    <a:lstStyle/>
+                    <a:p>
+                      <a:pPr algn="ctr" rtl="0" fontAlgn="b"/>
+                      <a:r>
+                        <a:rPr lang="en-US" sz="1200" dirty="0" smtClean="0">
+                          <a:solidFill>
+                            <a:schemeClr val="bg1"/>
+                          </a:solidFill>
+                          <a:effectLst/>
+                        </a:rPr>
+                        <a:t>7</a:t>
+                      </a:r>
+                      <a:endParaRPr lang="en-US" sz="1200" dirty="0">
+                        <a:solidFill>
+                          <a:schemeClr val="bg1"/>
+                        </a:solidFill>
+                        <a:effectLst/>
+                      </a:endParaRPr>
+                    </a:p>
+                  </a:txBody>
+                  <a:tcPr marL="28575" marR="28575" marT="0" marB="0" anchor="ctr"/>
+                </a:tc>
+                <a:tc>
+                  <a:txBody>
+                    <a:bodyPr/>
+                    <a:lstStyle/>
+                    <a:p>
+                      <a:pPr algn="ctr" rtl="0" fontAlgn="b"/>
+                      <a:r>
+                        <a:rPr lang="en-US" sz="1200" dirty="0">
+                          <a:effectLst/>
+                        </a:rPr>
+                        <a:t>The spacecraft end up too far apart from each other</a:t>
+                      </a:r>
+                      <a:endParaRPr lang="en-US" sz="1200" dirty="0">
+                        <a:solidFill>
+                          <a:srgbClr val="000000"/>
+                        </a:solidFill>
+                        <a:effectLst/>
+                      </a:endParaRPr>
+                    </a:p>
+                  </a:txBody>
+                  <a:tcPr marL="28575" marR="28575" marT="0" marB="0" anchor="ctr"/>
+                </a:tc>
+                <a:tc>
+                  <a:txBody>
+                    <a:bodyPr/>
+                    <a:lstStyle/>
+                    <a:p>
+                      <a:pPr algn="ctr" rtl="0" fontAlgn="b"/>
+                      <a:r>
+                        <a:rPr lang="en-US" sz="1200">
+                          <a:effectLst/>
+                        </a:rPr>
+                        <a:t>3</a:t>
+                      </a:r>
+                      <a:endParaRPr lang="en-US" sz="1200">
+                        <a:solidFill>
+                          <a:srgbClr val="000000"/>
+                        </a:solidFill>
+                        <a:effectLst/>
+                      </a:endParaRPr>
+                    </a:p>
+                  </a:txBody>
+                  <a:tcPr marL="28575" marR="28575" marT="0" marB="0" anchor="ctr"/>
+                </a:tc>
+                <a:tc>
+                  <a:txBody>
+                    <a:bodyPr/>
+                    <a:lstStyle/>
+                    <a:p>
+                      <a:pPr algn="ctr" rtl="0" fontAlgn="b"/>
+                      <a:r>
+                        <a:rPr lang="en-US" sz="1200">
+                          <a:effectLst/>
+                        </a:rPr>
+                        <a:t>4</a:t>
+                      </a:r>
+                      <a:endParaRPr lang="en-US" sz="1200">
+                        <a:solidFill>
+                          <a:srgbClr val="000000"/>
+                        </a:solidFill>
+                        <a:effectLst/>
+                      </a:endParaRPr>
+                    </a:p>
+                  </a:txBody>
+                  <a:tcPr marL="28575" marR="28575" marT="0" marB="0" anchor="ctr"/>
+                </a:tc>
+              </a:tr>
+              <a:tr h="152400">
+                <a:tc>
+                  <a:txBody>
+                    <a:bodyPr/>
+                    <a:lstStyle/>
+                    <a:p>
+                      <a:pPr algn="ctr" rtl="0" fontAlgn="b"/>
+                      <a:r>
+                        <a:rPr lang="en-US" sz="1200" dirty="0" smtClean="0">
+                          <a:solidFill>
+                            <a:schemeClr val="bg1"/>
+                          </a:solidFill>
+                          <a:effectLst/>
+                        </a:rPr>
+                        <a:t>8</a:t>
+                      </a:r>
+                      <a:endParaRPr lang="en-US" sz="1200" dirty="0">
+                        <a:solidFill>
+                          <a:schemeClr val="bg1"/>
+                        </a:solidFill>
+                        <a:effectLst/>
+                      </a:endParaRPr>
+                    </a:p>
+                  </a:txBody>
+                  <a:tcPr marL="28575" marR="28575" marT="0" marB="0" anchor="ctr"/>
+                </a:tc>
+                <a:tc>
+                  <a:txBody>
+                    <a:bodyPr/>
+                    <a:lstStyle/>
+                    <a:p>
+                      <a:pPr algn="ctr" rtl="0" fontAlgn="b"/>
+                      <a:r>
+                        <a:rPr lang="en-US" sz="1200" dirty="0">
+                          <a:effectLst/>
+                        </a:rPr>
+                        <a:t>Run out of propellant before end of mission</a:t>
+                      </a:r>
+                      <a:endParaRPr lang="en-US" sz="1200" dirty="0">
+                        <a:solidFill>
+                          <a:srgbClr val="000000"/>
+                        </a:solidFill>
+                        <a:effectLst/>
+                      </a:endParaRPr>
+                    </a:p>
+                  </a:txBody>
+                  <a:tcPr marL="28575" marR="28575" marT="0" marB="0" anchor="ctr"/>
+                </a:tc>
+                <a:tc>
+                  <a:txBody>
+                    <a:bodyPr/>
+                    <a:lstStyle/>
+                    <a:p>
+                      <a:pPr algn="ctr" rtl="0" fontAlgn="b"/>
+                      <a:r>
+                        <a:rPr lang="en-US" sz="1200">
+                          <a:effectLst/>
+                        </a:rPr>
+                        <a:t>1</a:t>
+                      </a:r>
+                      <a:endParaRPr lang="en-US" sz="1200">
+                        <a:solidFill>
+                          <a:srgbClr val="000000"/>
+                        </a:solidFill>
+                        <a:effectLst/>
+                      </a:endParaRPr>
+                    </a:p>
+                  </a:txBody>
+                  <a:tcPr marL="28575" marR="28575" marT="0" marB="0" anchor="ctr"/>
+                </a:tc>
+                <a:tc>
+                  <a:txBody>
+                    <a:bodyPr/>
+                    <a:lstStyle/>
+                    <a:p>
+                      <a:pPr algn="ctr" rtl="0" fontAlgn="b"/>
+                      <a:r>
+                        <a:rPr lang="en-US" sz="1200" dirty="0">
+                          <a:effectLst/>
+                        </a:rPr>
+                        <a:t>5</a:t>
+                      </a:r>
+                      <a:endParaRPr lang="en-US" sz="1200" dirty="0">
+                        <a:solidFill>
+                          <a:srgbClr val="000000"/>
+                        </a:solidFill>
+                        <a:effectLst/>
+                      </a:endParaRPr>
+                    </a:p>
+                  </a:txBody>
+                  <a:tcPr marL="28575" marR="28575" marT="0" marB="0" anchor="ctr"/>
+                </a:tc>
+              </a:tr>
+            </a:tbl>
+          </a:graphicData>
+        </a:graphic>
+      </p:graphicFrame>
+      <p:graphicFrame>
+        <p:nvGraphicFramePr>
+          <p:cNvPr id="9" name="Table 8"/>
+          <p:cNvGraphicFramePr>
+            <a:graphicFrameLocks noGrp="1"/>
+          </p:cNvGraphicFramePr>
+          <p:nvPr>
+            <p:extLst>
+              <p:ext uri="{D42A27DB-BD31-4B8C-83A1-F6EECF244321}">
+                <p14:modId xmlns:p14="http://schemas.microsoft.com/office/powerpoint/2010/main" val="4106589450"/>
+              </p:ext>
+            </p:extLst>
+          </p:nvPr>
+        </p:nvGraphicFramePr>
+        <p:xfrm>
+          <a:off x="3276600" y="3810000"/>
+          <a:ext cx="2362200" cy="2476500"/>
+        </p:xfrm>
+        <a:graphic>
+          <a:graphicData uri="http://schemas.openxmlformats.org/drawingml/2006/table">
+            <a:tbl>
+              <a:tblPr firstRow="1" bandRow="1">
+                <a:tableStyleId>{2D5ABB26-0587-4C30-8999-92F81FD0307C}</a:tableStyleId>
+              </a:tblPr>
+              <a:tblGrid>
+                <a:gridCol w="393700"/>
+                <a:gridCol w="393700"/>
+                <a:gridCol w="393700"/>
+                <a:gridCol w="393700"/>
+                <a:gridCol w="393700"/>
+                <a:gridCol w="393700"/>
+              </a:tblGrid>
+              <a:tr h="419100">
+                <a:tc>
+                  <a:txBody>
+                    <a:bodyPr/>
+                    <a:lstStyle/>
+                    <a:p>
+                      <a:pPr algn="ctr"/>
+                      <a:r>
+                        <a:rPr lang="en-US" dirty="0" smtClean="0"/>
+                        <a:t>5</a:t>
+                      </a:r>
+                      <a:endParaRPr lang="en-US" dirty="0">
+                        <a:solidFill>
+                          <a:sysClr val="windowText" lastClr="000000"/>
+                        </a:solidFill>
+                      </a:endParaRPr>
+                    </a:p>
+                  </a:txBody>
+                  <a:tcPr anchor="ctr">
+                    <a:lnR w="12700" cap="flat" cmpd="sng" algn="ctr">
+                      <a:solidFill>
+                        <a:schemeClr val="tx1"/>
+                      </a:solidFill>
+                      <a:prstDash val="solid"/>
+                      <a:round/>
+                      <a:headEnd type="none" w="med" len="med"/>
+                      <a:tailEnd type="none" w="med" len="med"/>
+                    </a:lnR>
+                  </a:tcPr>
+                </a:tc>
+                <a:tc>
+                  <a:txBody>
+                    <a:bodyPr/>
+                    <a:lstStyle/>
+                    <a:p>
+                      <a:pPr algn="ctr"/>
+                      <a:endParaRPr lang="en-US" sz="1200" dirty="0"/>
+                    </a:p>
+                  </a:txBody>
+                  <a:tcPr anchor="ctr">
+                    <a:lnL w="12700" cap="flat" cmpd="sng" algn="ctr">
+                      <a:solidFill>
+                        <a:schemeClr val="tx1"/>
+                      </a:solidFill>
+                      <a:prstDash val="solid"/>
+                      <a:round/>
+                      <a:headEnd type="none" w="med" len="med"/>
+                      <a:tailEnd type="none" w="med" len="med"/>
+                    </a:lnL>
+                    <a:lnR w="12700" cap="flat" cmpd="sng" algn="ctr">
+                      <a:solidFill>
+                        <a:schemeClr val="tx1"/>
+                      </a:solidFill>
+                      <a:prstDash val="solid"/>
+                      <a:round/>
+                      <a:headEnd type="none" w="med" len="med"/>
+                      <a:tailEnd type="none" w="med" len="med"/>
+                    </a:lnR>
+                    <a:lnT w="12700" cap="flat" cmpd="sng" algn="ctr">
+                      <a:solidFill>
+                        <a:schemeClr val="tx1"/>
+                      </a:solidFill>
+                      <a:prstDash val="solid"/>
+                      <a:round/>
+                      <a:headEnd type="none" w="med" len="med"/>
+                      <a:tailEnd type="none" w="med" len="med"/>
+                    </a:lnT>
+                    <a:lnB w="12700" cap="flat" cmpd="sng" algn="ctr">
+                      <a:solidFill>
+                        <a:schemeClr val="tx1"/>
+                      </a:solidFill>
+                      <a:prstDash val="solid"/>
+                      <a:round/>
+                      <a:headEnd type="none" w="med" len="med"/>
+                      <a:tailEnd type="none" w="med" len="med"/>
+                    </a:lnB>
+                    <a:solidFill>
+                      <a:srgbClr val="18981B"/>
+                    </a:solidFill>
+                  </a:tcPr>
+                </a:tc>
+                <a:tc>
+                  <a:txBody>
+                    <a:bodyPr/>
+                    <a:lstStyle/>
+                    <a:p>
+                      <a:pPr algn="ctr"/>
+                      <a:endParaRPr lang="en-US" sz="1200" dirty="0"/>
+                    </a:p>
+                  </a:txBody>
+                  <a:tcPr anchor="ctr">
+                    <a:lnL w="12700" cap="flat" cmpd="sng" algn="ctr">
+                      <a:solidFill>
+                        <a:schemeClr val="tx1"/>
+                      </a:solidFill>
+                      <a:prstDash val="solid"/>
+                      <a:round/>
+                      <a:headEnd type="none" w="med" len="med"/>
+                      <a:tailEnd type="none" w="med" len="med"/>
+                    </a:lnL>
+                    <a:lnR w="12700" cap="flat" cmpd="sng" algn="ctr">
+                      <a:solidFill>
+                        <a:schemeClr val="tx1"/>
+                      </a:solidFill>
+                      <a:prstDash val="solid"/>
+                      <a:round/>
+                      <a:headEnd type="none" w="med" len="med"/>
+                      <a:tailEnd type="none" w="med" len="med"/>
+                    </a:lnR>
+                    <a:lnT w="12700" cap="flat" cmpd="sng" algn="ctr">
+                      <a:solidFill>
+                        <a:schemeClr val="tx1"/>
+                      </a:solidFill>
+                      <a:prstDash val="solid"/>
+                      <a:round/>
+                      <a:headEnd type="none" w="med" len="med"/>
+                      <a:tailEnd type="none" w="med" len="med"/>
+                    </a:lnT>
+                    <a:lnB w="12700" cap="flat" cmpd="sng" algn="ctr">
+                      <a:solidFill>
+                        <a:schemeClr val="tx1"/>
+                      </a:solidFill>
+                      <a:prstDash val="solid"/>
+                      <a:round/>
+                      <a:headEnd type="none" w="med" len="med"/>
+                      <a:tailEnd type="none" w="med" len="med"/>
+                    </a:lnB>
+                    <a:solidFill>
+                      <a:srgbClr val="FFFF00"/>
+                    </a:solidFill>
+                  </a:tcPr>
+                </a:tc>
+                <a:tc>
+                  <a:txBody>
+                    <a:bodyPr/>
+                    <a:lstStyle/>
+                    <a:p>
+                      <a:pPr algn="ctr"/>
+                      <a:endParaRPr lang="en-US" sz="1200" dirty="0"/>
+                    </a:p>
+                  </a:txBody>
+                  <a:tcPr anchor="ctr">
+                    <a:lnL w="12700" cap="flat" cmpd="sng" algn="ctr">
+                      <a:solidFill>
+                        <a:schemeClr val="tx1"/>
+                      </a:solidFill>
+                      <a:prstDash val="solid"/>
+                      <a:round/>
+                      <a:headEnd type="none" w="med" len="med"/>
+                      <a:tailEnd type="none" w="med" len="med"/>
+                    </a:lnL>
+                    <a:lnR w="12700" cap="flat" cmpd="sng" algn="ctr">
+                      <a:solidFill>
+                        <a:schemeClr val="tx1"/>
+                      </a:solidFill>
+                      <a:prstDash val="solid"/>
+                      <a:round/>
+                      <a:headEnd type="none" w="med" len="med"/>
+                      <a:tailEnd type="none" w="med" len="med"/>
+                    </a:lnR>
+                    <a:lnT w="12700" cap="flat" cmpd="sng" algn="ctr">
+                      <a:solidFill>
+                        <a:schemeClr val="tx1"/>
+                      </a:solidFill>
+                      <a:prstDash val="solid"/>
+                      <a:round/>
+                      <a:headEnd type="none" w="med" len="med"/>
+                      <a:tailEnd type="none" w="med" len="med"/>
+                    </a:lnT>
+                    <a:lnB w="12700" cap="flat" cmpd="sng" algn="ctr">
+                      <a:solidFill>
+                        <a:schemeClr val="tx1"/>
+                      </a:solidFill>
+                      <a:prstDash val="solid"/>
+                      <a:round/>
+                      <a:headEnd type="none" w="med" len="med"/>
+                      <a:tailEnd type="none" w="med" len="med"/>
+                    </a:lnB>
+                    <a:solidFill>
+                      <a:srgbClr val="FF0000"/>
+                    </a:solidFill>
+                  </a:tcPr>
+                </a:tc>
+                <a:tc>
+                  <a:txBody>
+                    <a:bodyPr/>
+                    <a:lstStyle/>
+                    <a:p>
+                      <a:pPr algn="ctr"/>
+                      <a:endParaRPr lang="en-US" sz="1200" dirty="0"/>
+                    </a:p>
+                  </a:txBody>
+                  <a:tcPr anchor="ctr">
+                    <a:lnL w="12700" cap="flat" cmpd="sng" algn="ctr">
+                      <a:solidFill>
+                        <a:schemeClr val="tx1"/>
+                      </a:solidFill>
+                      <a:prstDash val="solid"/>
+                      <a:round/>
+                      <a:headEnd type="none" w="med" len="med"/>
+                      <a:tailEnd type="none" w="med" len="med"/>
+                    </a:lnL>
+                    <a:lnR w="12700" cap="flat" cmpd="sng" algn="ctr">
+                      <a:solidFill>
+                        <a:schemeClr val="tx1"/>
+                      </a:solidFill>
+                      <a:prstDash val="solid"/>
+                      <a:round/>
+                      <a:headEnd type="none" w="med" len="med"/>
+                      <a:tailEnd type="none" w="med" len="med"/>
+                    </a:lnR>
+                    <a:lnT w="12700" cap="flat" cmpd="sng" algn="ctr">
+                      <a:solidFill>
+                        <a:schemeClr val="tx1"/>
+                      </a:solidFill>
+                      <a:prstDash val="solid"/>
+                      <a:round/>
+                      <a:headEnd type="none" w="med" len="med"/>
+                      <a:tailEnd type="none" w="med" len="med"/>
+                    </a:lnT>
+                    <a:lnB w="12700" cap="flat" cmpd="sng" algn="ctr">
+                      <a:solidFill>
+                        <a:schemeClr val="tx1"/>
+                      </a:solidFill>
+                      <a:prstDash val="solid"/>
+                      <a:round/>
+                      <a:headEnd type="none" w="med" len="med"/>
+                      <a:tailEnd type="none" w="med" len="med"/>
+                    </a:lnB>
+                    <a:solidFill>
+                      <a:srgbClr val="FF0000"/>
+                    </a:solidFill>
+                  </a:tcPr>
+                </a:tc>
+                <a:tc>
+                  <a:txBody>
+                    <a:bodyPr/>
+                    <a:lstStyle/>
+                    <a:p>
+                      <a:pPr algn="ctr"/>
+                      <a:endParaRPr lang="en-US" sz="1200" dirty="0"/>
+                    </a:p>
+                  </a:txBody>
+                  <a:tcPr anchor="ctr">
+                    <a:lnL w="12700" cap="flat" cmpd="sng" algn="ctr">
+                      <a:solidFill>
+                        <a:schemeClr val="tx1"/>
+                      </a:solidFill>
+                      <a:prstDash val="solid"/>
+                      <a:round/>
+                      <a:headEnd type="none" w="med" len="med"/>
+                      <a:tailEnd type="none" w="med" len="med"/>
+                    </a:lnL>
+                    <a:lnR w="12700" cap="flat" cmpd="sng" algn="ctr">
+                      <a:solidFill>
+                        <a:schemeClr val="tx1"/>
+                      </a:solidFill>
+                      <a:prstDash val="solid"/>
+                      <a:round/>
+                      <a:headEnd type="none" w="med" len="med"/>
+                      <a:tailEnd type="none" w="med" len="med"/>
+                    </a:lnR>
+                    <a:lnT w="12700" cap="flat" cmpd="sng" algn="ctr">
+                      <a:solidFill>
+                        <a:schemeClr val="tx1"/>
+                      </a:solidFill>
+                      <a:prstDash val="solid"/>
+                      <a:round/>
+                      <a:headEnd type="none" w="med" len="med"/>
+                      <a:tailEnd type="none" w="med" len="med"/>
+                    </a:lnT>
+                    <a:lnB w="12700" cap="flat" cmpd="sng" algn="ctr">
+                      <a:solidFill>
+                        <a:schemeClr val="tx1"/>
+                      </a:solidFill>
+                      <a:prstDash val="solid"/>
+                      <a:round/>
+                      <a:headEnd type="none" w="med" len="med"/>
+                      <a:tailEnd type="none" w="med" len="med"/>
+                    </a:lnB>
+                    <a:solidFill>
+                      <a:srgbClr val="FF0000"/>
+                    </a:solidFill>
+                  </a:tcPr>
+                </a:tc>
+              </a:tr>
+              <a:tr h="419100">
+                <a:tc>
+                  <a:txBody>
+                    <a:bodyPr/>
+                    <a:lstStyle/>
+                    <a:p>
+                      <a:pPr algn="ctr"/>
+                      <a:r>
+                        <a:rPr lang="en-US" dirty="0" smtClean="0"/>
+                        <a:t>4</a:t>
+                      </a:r>
+                      <a:endParaRPr lang="en-US" dirty="0"/>
+                    </a:p>
+                  </a:txBody>
+                  <a:tcPr anchor="ctr">
+                    <a:lnR w="12700" cap="flat" cmpd="sng" algn="ctr">
+                      <a:solidFill>
+                        <a:schemeClr val="tx1"/>
+                      </a:solidFill>
+                      <a:prstDash val="solid"/>
+                      <a:round/>
+                      <a:headEnd type="none" w="med" len="med"/>
+                      <a:tailEnd type="none" w="med" len="med"/>
+                    </a:lnR>
+                  </a:tcPr>
+                </a:tc>
+                <a:tc>
+                  <a:txBody>
+                    <a:bodyPr/>
+                    <a:lstStyle/>
+                    <a:p>
+                      <a:pPr algn="ctr"/>
+                      <a:endParaRPr lang="en-US" sz="1200" dirty="0"/>
+                    </a:p>
+                  </a:txBody>
+                  <a:tcPr anchor="ctr">
+                    <a:lnL w="12700" cap="flat" cmpd="sng" algn="ctr">
+                      <a:solidFill>
+                        <a:schemeClr val="tx1"/>
+                      </a:solidFill>
+                      <a:prstDash val="solid"/>
+                      <a:round/>
+                      <a:headEnd type="none" w="med" len="med"/>
+                      <a:tailEnd type="none" w="med" len="med"/>
+                    </a:lnL>
+                    <a:lnR w="12700" cap="flat" cmpd="sng" algn="ctr">
+                      <a:solidFill>
+                        <a:schemeClr val="tx1"/>
+                      </a:solidFill>
+                      <a:prstDash val="solid"/>
+                      <a:round/>
+                      <a:headEnd type="none" w="med" len="med"/>
+                      <a:tailEnd type="none" w="med" len="med"/>
+                    </a:lnR>
+                    <a:lnT w="12700" cap="flat" cmpd="sng" algn="ctr">
+                      <a:solidFill>
+                        <a:schemeClr val="tx1"/>
+                      </a:solidFill>
+                      <a:prstDash val="solid"/>
+                      <a:round/>
+                      <a:headEnd type="none" w="med" len="med"/>
+                      <a:tailEnd type="none" w="med" len="med"/>
+                    </a:lnT>
+                    <a:lnB w="12700" cap="flat" cmpd="sng" algn="ctr">
+                      <a:solidFill>
+                        <a:schemeClr val="tx1"/>
+                      </a:solidFill>
+                      <a:prstDash val="solid"/>
+                      <a:round/>
+                      <a:headEnd type="none" w="med" len="med"/>
+                      <a:tailEnd type="none" w="med" len="med"/>
+                    </a:lnB>
+                    <a:solidFill>
+                      <a:srgbClr val="18981B"/>
+                    </a:solidFill>
+                  </a:tcPr>
+                </a:tc>
+                <a:tc>
+                  <a:txBody>
+                    <a:bodyPr/>
+                    <a:lstStyle/>
+                    <a:p>
+                      <a:pPr algn="ctr"/>
+                      <a:endParaRPr lang="en-US" sz="1200" dirty="0"/>
+                    </a:p>
+                  </a:txBody>
+                  <a:tcPr anchor="ctr">
+                    <a:lnL w="12700" cap="flat" cmpd="sng" algn="ctr">
+                      <a:solidFill>
+                        <a:schemeClr val="tx1"/>
+                      </a:solidFill>
+                      <a:prstDash val="solid"/>
+                      <a:round/>
+                      <a:headEnd type="none" w="med" len="med"/>
+                      <a:tailEnd type="none" w="med" len="med"/>
+                    </a:lnL>
+                    <a:lnR w="12700" cap="flat" cmpd="sng" algn="ctr">
+                      <a:solidFill>
+                        <a:schemeClr val="tx1"/>
+                      </a:solidFill>
+                      <a:prstDash val="solid"/>
+                      <a:round/>
+                      <a:headEnd type="none" w="med" len="med"/>
+                      <a:tailEnd type="none" w="med" len="med"/>
+                    </a:lnR>
+                    <a:lnT w="12700" cap="flat" cmpd="sng" algn="ctr">
+                      <a:solidFill>
+                        <a:schemeClr val="tx1"/>
+                      </a:solidFill>
+                      <a:prstDash val="solid"/>
+                      <a:round/>
+                      <a:headEnd type="none" w="med" len="med"/>
+                      <a:tailEnd type="none" w="med" len="med"/>
+                    </a:lnT>
+                    <a:lnB w="12700" cap="flat" cmpd="sng" algn="ctr">
+                      <a:solidFill>
+                        <a:schemeClr val="tx1"/>
+                      </a:solidFill>
+                      <a:prstDash val="solid"/>
+                      <a:round/>
+                      <a:headEnd type="none" w="med" len="med"/>
+                      <a:tailEnd type="none" w="med" len="med"/>
+                    </a:lnB>
+                    <a:solidFill>
+                      <a:srgbClr val="FFFF00"/>
+                    </a:solidFill>
+                  </a:tcPr>
+                </a:tc>
+                <a:tc>
+                  <a:txBody>
+                    <a:bodyPr/>
+                    <a:lstStyle/>
+                    <a:p>
+                      <a:pPr algn="ctr"/>
+                      <a:endParaRPr lang="en-US" sz="1200" dirty="0"/>
+                    </a:p>
+                  </a:txBody>
+                  <a:tcPr anchor="ctr">
+                    <a:lnL w="12700" cap="flat" cmpd="sng" algn="ctr">
+                      <a:solidFill>
+                        <a:schemeClr val="tx1"/>
+                      </a:solidFill>
+                      <a:prstDash val="solid"/>
+                      <a:round/>
+                      <a:headEnd type="none" w="med" len="med"/>
+                      <a:tailEnd type="none" w="med" len="med"/>
+                    </a:lnL>
+                    <a:lnR w="12700" cap="flat" cmpd="sng" algn="ctr">
+                      <a:solidFill>
+                        <a:schemeClr val="tx1"/>
+                      </a:solidFill>
+                      <a:prstDash val="solid"/>
+                      <a:round/>
+                      <a:headEnd type="none" w="med" len="med"/>
+                      <a:tailEnd type="none" w="med" len="med"/>
+                    </a:lnR>
+                    <a:lnT w="12700" cap="flat" cmpd="sng" algn="ctr">
+                      <a:solidFill>
+                        <a:schemeClr val="tx1"/>
+                      </a:solidFill>
+                      <a:prstDash val="solid"/>
+                      <a:round/>
+                      <a:headEnd type="none" w="med" len="med"/>
+                      <a:tailEnd type="none" w="med" len="med"/>
+                    </a:lnT>
+                    <a:lnB w="12700" cap="flat" cmpd="sng" algn="ctr">
+                      <a:solidFill>
+                        <a:schemeClr val="tx1"/>
+                      </a:solidFill>
+                      <a:prstDash val="solid"/>
+                      <a:round/>
+                      <a:headEnd type="none" w="med" len="med"/>
+                      <a:tailEnd type="none" w="med" len="med"/>
+                    </a:lnB>
+                    <a:solidFill>
+                      <a:srgbClr val="FFFF00"/>
+                    </a:solidFill>
+                  </a:tcPr>
+                </a:tc>
+                <a:tc>
+                  <a:txBody>
+                    <a:bodyPr/>
+                    <a:lstStyle/>
+                    <a:p>
+                      <a:pPr algn="ctr"/>
+                      <a:endParaRPr lang="en-US" sz="1200" dirty="0"/>
+                    </a:p>
+                  </a:txBody>
+                  <a:tcPr anchor="ctr">
+                    <a:lnL w="12700" cap="flat" cmpd="sng" algn="ctr">
+                      <a:solidFill>
+                        <a:schemeClr val="tx1"/>
+                      </a:solidFill>
+                      <a:prstDash val="solid"/>
+                      <a:round/>
+                      <a:headEnd type="none" w="med" len="med"/>
+                      <a:tailEnd type="none" w="med" len="med"/>
+                    </a:lnL>
+                    <a:lnR w="12700" cap="flat" cmpd="sng" algn="ctr">
+                      <a:solidFill>
+                        <a:schemeClr val="tx1"/>
+                      </a:solidFill>
+                      <a:prstDash val="solid"/>
+                      <a:round/>
+                      <a:headEnd type="none" w="med" len="med"/>
+                      <a:tailEnd type="none" w="med" len="med"/>
+                    </a:lnR>
+                    <a:lnT w="12700" cap="flat" cmpd="sng" algn="ctr">
+                      <a:solidFill>
+                        <a:schemeClr val="tx1"/>
+                      </a:solidFill>
+                      <a:prstDash val="solid"/>
+                      <a:round/>
+                      <a:headEnd type="none" w="med" len="med"/>
+                      <a:tailEnd type="none" w="med" len="med"/>
+                    </a:lnT>
+                    <a:lnB w="12700" cap="flat" cmpd="sng" algn="ctr">
+                      <a:solidFill>
+                        <a:schemeClr val="tx1"/>
+                      </a:solidFill>
+                      <a:prstDash val="solid"/>
+                      <a:round/>
+                      <a:headEnd type="none" w="med" len="med"/>
+                      <a:tailEnd type="none" w="med" len="med"/>
+                    </a:lnB>
+                    <a:solidFill>
+                      <a:srgbClr val="FF0000"/>
+                    </a:solidFill>
+                  </a:tcPr>
+                </a:tc>
+                <a:tc>
+                  <a:txBody>
+                    <a:bodyPr/>
+                    <a:lstStyle/>
+                    <a:p>
+                      <a:pPr algn="ctr"/>
+                      <a:endParaRPr lang="en-US" sz="1200" dirty="0"/>
+                    </a:p>
+                  </a:txBody>
+                  <a:tcPr anchor="ctr">
+                    <a:lnL w="12700" cap="flat" cmpd="sng" algn="ctr">
+                      <a:solidFill>
+                        <a:schemeClr val="tx1"/>
+                      </a:solidFill>
+                      <a:prstDash val="solid"/>
+                      <a:round/>
+                      <a:headEnd type="none" w="med" len="med"/>
+                      <a:tailEnd type="none" w="med" len="med"/>
+                    </a:lnL>
+                    <a:lnR w="12700" cap="flat" cmpd="sng" algn="ctr">
+                      <a:solidFill>
+                        <a:schemeClr val="tx1"/>
+                      </a:solidFill>
+                      <a:prstDash val="solid"/>
+                      <a:round/>
+                      <a:headEnd type="none" w="med" len="med"/>
+                      <a:tailEnd type="none" w="med" len="med"/>
+                    </a:lnR>
+                    <a:lnT w="12700" cap="flat" cmpd="sng" algn="ctr">
+                      <a:solidFill>
+                        <a:schemeClr val="tx1"/>
+                      </a:solidFill>
+                      <a:prstDash val="solid"/>
+                      <a:round/>
+                      <a:headEnd type="none" w="med" len="med"/>
+                      <a:tailEnd type="none" w="med" len="med"/>
+                    </a:lnT>
+                    <a:lnB w="12700" cap="flat" cmpd="sng" algn="ctr">
+                      <a:solidFill>
+                        <a:schemeClr val="tx1"/>
+                      </a:solidFill>
+                      <a:prstDash val="solid"/>
+                      <a:round/>
+                      <a:headEnd type="none" w="med" len="med"/>
+                      <a:tailEnd type="none" w="med" len="med"/>
+                    </a:lnB>
+                    <a:solidFill>
+                      <a:srgbClr val="FF0000"/>
+                    </a:solidFill>
+                  </a:tcPr>
+                </a:tc>
+              </a:tr>
+              <a:tr h="381000">
+                <a:tc>
+                  <a:txBody>
+                    <a:bodyPr/>
+                    <a:lstStyle/>
+                    <a:p>
+                      <a:pPr algn="ctr"/>
+                      <a:r>
+                        <a:rPr lang="en-US" dirty="0" smtClean="0"/>
+                        <a:t>3</a:t>
+                      </a:r>
+                      <a:endParaRPr lang="en-US" dirty="0"/>
+                    </a:p>
+                  </a:txBody>
+                  <a:tcPr anchor="ctr">
+                    <a:lnR w="12700" cap="flat" cmpd="sng" algn="ctr">
+                      <a:solidFill>
+                        <a:schemeClr val="tx1"/>
+                      </a:solidFill>
+                      <a:prstDash val="solid"/>
+                      <a:round/>
+                      <a:headEnd type="none" w="med" len="med"/>
+                      <a:tailEnd type="none" w="med" len="med"/>
+                    </a:lnR>
+                  </a:tcPr>
+                </a:tc>
+                <a:tc>
+                  <a:txBody>
+                    <a:bodyPr/>
+                    <a:lstStyle/>
+                    <a:p>
+                      <a:pPr algn="ctr"/>
+                      <a:endParaRPr lang="en-US" sz="1200" dirty="0"/>
+                    </a:p>
+                  </a:txBody>
+                  <a:tcPr anchor="ctr">
+                    <a:lnL w="12700" cap="flat" cmpd="sng" algn="ctr">
+                      <a:solidFill>
+                        <a:schemeClr val="tx1"/>
+                      </a:solidFill>
+                      <a:prstDash val="solid"/>
+                      <a:round/>
+                      <a:headEnd type="none" w="med" len="med"/>
+                      <a:tailEnd type="none" w="med" len="med"/>
+                    </a:lnL>
+                    <a:lnR w="12700" cap="flat" cmpd="sng" algn="ctr">
+                      <a:solidFill>
+                        <a:schemeClr val="tx1"/>
+                      </a:solidFill>
+                      <a:prstDash val="solid"/>
+                      <a:round/>
+                      <a:headEnd type="none" w="med" len="med"/>
+                      <a:tailEnd type="none" w="med" len="med"/>
+                    </a:lnR>
+                    <a:lnT w="12700" cap="flat" cmpd="sng" algn="ctr">
+                      <a:solidFill>
+                        <a:schemeClr val="tx1"/>
+                      </a:solidFill>
+                      <a:prstDash val="solid"/>
+                      <a:round/>
+                      <a:headEnd type="none" w="med" len="med"/>
+                      <a:tailEnd type="none" w="med" len="med"/>
+                    </a:lnT>
+                    <a:lnB w="12700" cap="flat" cmpd="sng" algn="ctr">
+                      <a:solidFill>
+                        <a:schemeClr val="tx1"/>
+                      </a:solidFill>
+                      <a:prstDash val="solid"/>
+                      <a:round/>
+                      <a:headEnd type="none" w="med" len="med"/>
+                      <a:tailEnd type="none" w="med" len="med"/>
+                    </a:lnB>
+                    <a:solidFill>
+                      <a:srgbClr val="18981B"/>
+                    </a:solidFill>
+                  </a:tcPr>
+                </a:tc>
+                <a:tc>
+                  <a:txBody>
+                    <a:bodyPr/>
+                    <a:lstStyle/>
+                    <a:p>
+                      <a:pPr algn="ctr"/>
+                      <a:r>
+                        <a:rPr lang="en-US" sz="800" dirty="0" smtClean="0"/>
+                        <a:t>3</a:t>
+                      </a:r>
+                      <a:endParaRPr lang="en-US" sz="800" dirty="0"/>
+                    </a:p>
+                  </a:txBody>
+                  <a:tcPr anchor="ctr">
+                    <a:lnL w="12700" cap="flat" cmpd="sng" algn="ctr">
+                      <a:solidFill>
+                        <a:schemeClr val="tx1"/>
+                      </a:solidFill>
+                      <a:prstDash val="solid"/>
+                      <a:round/>
+                      <a:headEnd type="none" w="med" len="med"/>
+                      <a:tailEnd type="none" w="med" len="med"/>
+                    </a:lnL>
+                    <a:lnR w="12700" cap="flat" cmpd="sng" algn="ctr">
+                      <a:solidFill>
+                        <a:schemeClr val="tx1"/>
+                      </a:solidFill>
+                      <a:prstDash val="solid"/>
+                      <a:round/>
+                      <a:headEnd type="none" w="med" len="med"/>
+                      <a:tailEnd type="none" w="med" len="med"/>
+                    </a:lnR>
+                    <a:lnT w="12700" cap="flat" cmpd="sng" algn="ctr">
+                      <a:solidFill>
+                        <a:schemeClr val="tx1"/>
+                      </a:solidFill>
+                      <a:prstDash val="solid"/>
+                      <a:round/>
+                      <a:headEnd type="none" w="med" len="med"/>
+                      <a:tailEnd type="none" w="med" len="med"/>
+                    </a:lnT>
+                    <a:lnB w="12700" cap="flat" cmpd="sng" algn="ctr">
+                      <a:solidFill>
+                        <a:schemeClr val="tx1"/>
+                      </a:solidFill>
+                      <a:prstDash val="solid"/>
+                      <a:round/>
+                      <a:headEnd type="none" w="med" len="med"/>
+                      <a:tailEnd type="none" w="med" len="med"/>
+                    </a:lnB>
+                    <a:solidFill>
+                      <a:srgbClr val="FFFF00"/>
+                    </a:solidFill>
+                  </a:tcPr>
+                </a:tc>
+                <a:tc>
+                  <a:txBody>
+                    <a:bodyPr/>
+                    <a:lstStyle/>
+                    <a:p>
+                      <a:pPr algn="ctr"/>
+                      <a:r>
+                        <a:rPr lang="en-US" sz="800" dirty="0" smtClean="0"/>
+                        <a:t>2  5 6</a:t>
+                      </a:r>
+                      <a:endParaRPr lang="en-US" sz="800" dirty="0"/>
+                    </a:p>
+                  </a:txBody>
+                  <a:tcPr anchor="ctr">
+                    <a:lnL w="12700" cap="flat" cmpd="sng" algn="ctr">
+                      <a:solidFill>
+                        <a:schemeClr val="tx1"/>
+                      </a:solidFill>
+                      <a:prstDash val="solid"/>
+                      <a:round/>
+                      <a:headEnd type="none" w="med" len="med"/>
+                      <a:tailEnd type="none" w="med" len="med"/>
+                    </a:lnL>
+                    <a:lnR w="12700" cap="flat" cmpd="sng" algn="ctr">
+                      <a:solidFill>
+                        <a:schemeClr val="tx1"/>
+                      </a:solidFill>
+                      <a:prstDash val="solid"/>
+                      <a:round/>
+                      <a:headEnd type="none" w="med" len="med"/>
+                      <a:tailEnd type="none" w="med" len="med"/>
+                    </a:lnR>
+                    <a:lnT w="12700" cap="flat" cmpd="sng" algn="ctr">
+                      <a:solidFill>
+                        <a:schemeClr val="tx1"/>
+                      </a:solidFill>
+                      <a:prstDash val="solid"/>
+                      <a:round/>
+                      <a:headEnd type="none" w="med" len="med"/>
+                      <a:tailEnd type="none" w="med" len="med"/>
+                    </a:lnT>
+                    <a:lnB w="12700" cap="flat" cmpd="sng" algn="ctr">
+                      <a:solidFill>
+                        <a:schemeClr val="tx1"/>
+                      </a:solidFill>
+                      <a:prstDash val="solid"/>
+                      <a:round/>
+                      <a:headEnd type="none" w="med" len="med"/>
+                      <a:tailEnd type="none" w="med" len="med"/>
+                    </a:lnB>
+                    <a:solidFill>
+                      <a:srgbClr val="FFFF00"/>
+                    </a:solidFill>
+                  </a:tcPr>
+                </a:tc>
+                <a:tc>
+                  <a:txBody>
+                    <a:bodyPr/>
+                    <a:lstStyle/>
+                    <a:p>
+                      <a:pPr algn="ctr"/>
+                      <a:r>
+                        <a:rPr lang="en-US" sz="800" dirty="0" smtClean="0"/>
+                        <a:t>4    7</a:t>
+                      </a:r>
+                      <a:endParaRPr lang="en-US" sz="800" dirty="0"/>
+                    </a:p>
+                  </a:txBody>
+                  <a:tcPr anchor="ctr">
+                    <a:lnL w="12700" cap="flat" cmpd="sng" algn="ctr">
+                      <a:solidFill>
+                        <a:schemeClr val="tx1"/>
+                      </a:solidFill>
+                      <a:prstDash val="solid"/>
+                      <a:round/>
+                      <a:headEnd type="none" w="med" len="med"/>
+                      <a:tailEnd type="none" w="med" len="med"/>
+                    </a:lnL>
+                    <a:lnR w="12700" cap="flat" cmpd="sng" algn="ctr">
+                      <a:solidFill>
+                        <a:schemeClr val="tx1"/>
+                      </a:solidFill>
+                      <a:prstDash val="solid"/>
+                      <a:round/>
+                      <a:headEnd type="none" w="med" len="med"/>
+                      <a:tailEnd type="none" w="med" len="med"/>
+                    </a:lnR>
+                    <a:lnT w="12700" cap="flat" cmpd="sng" algn="ctr">
+                      <a:solidFill>
+                        <a:schemeClr val="tx1"/>
+                      </a:solidFill>
+                      <a:prstDash val="solid"/>
+                      <a:round/>
+                      <a:headEnd type="none" w="med" len="med"/>
+                      <a:tailEnd type="none" w="med" len="med"/>
+                    </a:lnT>
+                    <a:lnB w="12700" cap="flat" cmpd="sng" algn="ctr">
+                      <a:solidFill>
+                        <a:schemeClr val="tx1"/>
+                      </a:solidFill>
+                      <a:prstDash val="solid"/>
+                      <a:round/>
+                      <a:headEnd type="none" w="med" len="med"/>
+                      <a:tailEnd type="none" w="med" len="med"/>
+                    </a:lnB>
+                    <a:solidFill>
+                      <a:srgbClr val="FFFF00"/>
+                    </a:solidFill>
+                  </a:tcPr>
+                </a:tc>
+                <a:tc>
+                  <a:txBody>
+                    <a:bodyPr/>
+                    <a:lstStyle/>
+                    <a:p>
+                      <a:pPr algn="ctr"/>
+                      <a:endParaRPr lang="en-US" sz="800" dirty="0"/>
+                    </a:p>
+                  </a:txBody>
+                  <a:tcPr anchor="ctr">
+                    <a:lnL w="12700" cap="flat" cmpd="sng" algn="ctr">
+                      <a:solidFill>
+                        <a:schemeClr val="tx1"/>
+                      </a:solidFill>
+                      <a:prstDash val="solid"/>
+                      <a:round/>
+                      <a:headEnd type="none" w="med" len="med"/>
+                      <a:tailEnd type="none" w="med" len="med"/>
+                    </a:lnL>
+                    <a:lnR w="12700" cap="flat" cmpd="sng" algn="ctr">
+                      <a:solidFill>
+                        <a:schemeClr val="tx1"/>
+                      </a:solidFill>
+                      <a:prstDash val="solid"/>
+                      <a:round/>
+                      <a:headEnd type="none" w="med" len="med"/>
+                      <a:tailEnd type="none" w="med" len="med"/>
+                    </a:lnR>
+                    <a:lnT w="12700" cap="flat" cmpd="sng" algn="ctr">
+                      <a:solidFill>
+                        <a:schemeClr val="tx1"/>
+                      </a:solidFill>
+                      <a:prstDash val="solid"/>
+                      <a:round/>
+                      <a:headEnd type="none" w="med" len="med"/>
+                      <a:tailEnd type="none" w="med" len="med"/>
+                    </a:lnT>
+                    <a:lnB w="12700" cap="flat" cmpd="sng" algn="ctr">
+                      <a:solidFill>
+                        <a:schemeClr val="tx1"/>
+                      </a:solidFill>
+                      <a:prstDash val="solid"/>
+                      <a:round/>
+                      <a:headEnd type="none" w="med" len="med"/>
+                      <a:tailEnd type="none" w="med" len="med"/>
+                    </a:lnB>
+                    <a:solidFill>
+                      <a:srgbClr val="FF0000"/>
+                    </a:solidFill>
+                  </a:tcPr>
+                </a:tc>
+              </a:tr>
+              <a:tr h="419100">
+                <a:tc>
+                  <a:txBody>
+                    <a:bodyPr/>
+                    <a:lstStyle/>
+                    <a:p>
+                      <a:pPr algn="ctr"/>
+                      <a:r>
+                        <a:rPr lang="en-US" dirty="0" smtClean="0"/>
+                        <a:t>2</a:t>
+                      </a:r>
+                      <a:endParaRPr lang="en-US" dirty="0"/>
+                    </a:p>
+                  </a:txBody>
+                  <a:tcPr anchor="ctr">
+                    <a:lnR w="12700" cap="flat" cmpd="sng" algn="ctr">
+                      <a:solidFill>
+                        <a:schemeClr val="tx1"/>
+                      </a:solidFill>
+                      <a:prstDash val="solid"/>
+                      <a:round/>
+                      <a:headEnd type="none" w="med" len="med"/>
+                      <a:tailEnd type="none" w="med" len="med"/>
+                    </a:lnR>
+                  </a:tcPr>
+                </a:tc>
+                <a:tc>
+                  <a:txBody>
+                    <a:bodyPr/>
+                    <a:lstStyle/>
+                    <a:p>
+                      <a:pPr algn="ctr"/>
+                      <a:endParaRPr lang="en-US" sz="1200" dirty="0"/>
+                    </a:p>
+                  </a:txBody>
+                  <a:tcPr anchor="ctr">
+                    <a:lnL w="12700" cap="flat" cmpd="sng" algn="ctr">
+                      <a:solidFill>
+                        <a:schemeClr val="tx1"/>
+                      </a:solidFill>
+                      <a:prstDash val="solid"/>
+                      <a:round/>
+                      <a:headEnd type="none" w="med" len="med"/>
+                      <a:tailEnd type="none" w="med" len="med"/>
+                    </a:lnL>
+                    <a:lnR w="12700" cap="flat" cmpd="sng" algn="ctr">
+                      <a:solidFill>
+                        <a:schemeClr val="tx1"/>
+                      </a:solidFill>
+                      <a:prstDash val="solid"/>
+                      <a:round/>
+                      <a:headEnd type="none" w="med" len="med"/>
+                      <a:tailEnd type="none" w="med" len="med"/>
+                    </a:lnR>
+                    <a:lnT w="12700" cap="flat" cmpd="sng" algn="ctr">
+                      <a:solidFill>
+                        <a:schemeClr val="tx1"/>
+                      </a:solidFill>
+                      <a:prstDash val="solid"/>
+                      <a:round/>
+                      <a:headEnd type="none" w="med" len="med"/>
+                      <a:tailEnd type="none" w="med" len="med"/>
+                    </a:lnT>
+                    <a:lnB w="12700" cap="flat" cmpd="sng" algn="ctr">
+                      <a:solidFill>
+                        <a:schemeClr val="tx1"/>
+                      </a:solidFill>
+                      <a:prstDash val="solid"/>
+                      <a:round/>
+                      <a:headEnd type="none" w="med" len="med"/>
+                      <a:tailEnd type="none" w="med" len="med"/>
+                    </a:lnB>
+                    <a:solidFill>
+                      <a:srgbClr val="18981B"/>
+                    </a:solidFill>
+                  </a:tcPr>
+                </a:tc>
+                <a:tc>
+                  <a:txBody>
+                    <a:bodyPr/>
+                    <a:lstStyle/>
+                    <a:p>
+                      <a:pPr algn="ctr"/>
+                      <a:endParaRPr lang="en-US" sz="800" dirty="0"/>
+                    </a:p>
+                  </a:txBody>
+                  <a:tcPr anchor="ctr">
+                    <a:lnL w="12700" cap="flat" cmpd="sng" algn="ctr">
+                      <a:solidFill>
+                        <a:schemeClr val="tx1"/>
+                      </a:solidFill>
+                      <a:prstDash val="solid"/>
+                      <a:round/>
+                      <a:headEnd type="none" w="med" len="med"/>
+                      <a:tailEnd type="none" w="med" len="med"/>
+                    </a:lnL>
+                    <a:lnR w="12700" cap="flat" cmpd="sng" algn="ctr">
+                      <a:solidFill>
+                        <a:schemeClr val="tx1"/>
+                      </a:solidFill>
+                      <a:prstDash val="solid"/>
+                      <a:round/>
+                      <a:headEnd type="none" w="med" len="med"/>
+                      <a:tailEnd type="none" w="med" len="med"/>
+                    </a:lnR>
+                    <a:lnT w="12700" cap="flat" cmpd="sng" algn="ctr">
+                      <a:solidFill>
+                        <a:schemeClr val="tx1"/>
+                      </a:solidFill>
+                      <a:prstDash val="solid"/>
+                      <a:round/>
+                      <a:headEnd type="none" w="med" len="med"/>
+                      <a:tailEnd type="none" w="med" len="med"/>
+                    </a:lnT>
+                    <a:lnB w="12700" cap="flat" cmpd="sng" algn="ctr">
+                      <a:solidFill>
+                        <a:schemeClr val="tx1"/>
+                      </a:solidFill>
+                      <a:prstDash val="solid"/>
+                      <a:round/>
+                      <a:headEnd type="none" w="med" len="med"/>
+                      <a:tailEnd type="none" w="med" len="med"/>
+                    </a:lnB>
+                    <a:solidFill>
+                      <a:srgbClr val="18981B"/>
+                    </a:solidFill>
+                  </a:tcPr>
+                </a:tc>
+                <a:tc>
+                  <a:txBody>
+                    <a:bodyPr/>
+                    <a:lstStyle/>
+                    <a:p>
+                      <a:pPr algn="ctr"/>
+                      <a:endParaRPr lang="en-US" sz="800" dirty="0"/>
+                    </a:p>
+                  </a:txBody>
+                  <a:tcPr anchor="ctr">
+                    <a:lnL w="12700" cap="flat" cmpd="sng" algn="ctr">
+                      <a:solidFill>
+                        <a:schemeClr val="tx1"/>
+                      </a:solidFill>
+                      <a:prstDash val="solid"/>
+                      <a:round/>
+                      <a:headEnd type="none" w="med" len="med"/>
+                      <a:tailEnd type="none" w="med" len="med"/>
+                    </a:lnL>
+                    <a:lnR w="12700" cap="flat" cmpd="sng" algn="ctr">
+                      <a:solidFill>
+                        <a:schemeClr val="tx1"/>
+                      </a:solidFill>
+                      <a:prstDash val="solid"/>
+                      <a:round/>
+                      <a:headEnd type="none" w="med" len="med"/>
+                      <a:tailEnd type="none" w="med" len="med"/>
+                    </a:lnR>
+                    <a:lnT w="12700" cap="flat" cmpd="sng" algn="ctr">
+                      <a:solidFill>
+                        <a:schemeClr val="tx1"/>
+                      </a:solidFill>
+                      <a:prstDash val="solid"/>
+                      <a:round/>
+                      <a:headEnd type="none" w="med" len="med"/>
+                      <a:tailEnd type="none" w="med" len="med"/>
+                    </a:lnT>
+                    <a:lnB w="12700" cap="flat" cmpd="sng" algn="ctr">
+                      <a:solidFill>
+                        <a:schemeClr val="tx1"/>
+                      </a:solidFill>
+                      <a:prstDash val="solid"/>
+                      <a:round/>
+                      <a:headEnd type="none" w="med" len="med"/>
+                      <a:tailEnd type="none" w="med" len="med"/>
+                    </a:lnB>
+                    <a:solidFill>
+                      <a:srgbClr val="18981B"/>
+                    </a:solidFill>
+                  </a:tcPr>
+                </a:tc>
+                <a:tc>
+                  <a:txBody>
+                    <a:bodyPr/>
+                    <a:lstStyle/>
+                    <a:p>
+                      <a:pPr algn="ctr"/>
+                      <a:endParaRPr lang="en-US" sz="800" dirty="0"/>
+                    </a:p>
+                  </a:txBody>
+                  <a:tcPr anchor="ctr">
+                    <a:lnL w="12700" cap="flat" cmpd="sng" algn="ctr">
+                      <a:solidFill>
+                        <a:schemeClr val="tx1"/>
+                      </a:solidFill>
+                      <a:prstDash val="solid"/>
+                      <a:round/>
+                      <a:headEnd type="none" w="med" len="med"/>
+                      <a:tailEnd type="none" w="med" len="med"/>
+                    </a:lnL>
+                    <a:lnR w="12700" cap="flat" cmpd="sng" algn="ctr">
+                      <a:solidFill>
+                        <a:schemeClr val="tx1"/>
+                      </a:solidFill>
+                      <a:prstDash val="solid"/>
+                      <a:round/>
+                      <a:headEnd type="none" w="med" len="med"/>
+                      <a:tailEnd type="none" w="med" len="med"/>
+                    </a:lnR>
+                    <a:lnT w="12700" cap="flat" cmpd="sng" algn="ctr">
+                      <a:solidFill>
+                        <a:schemeClr val="tx1"/>
+                      </a:solidFill>
+                      <a:prstDash val="solid"/>
+                      <a:round/>
+                      <a:headEnd type="none" w="med" len="med"/>
+                      <a:tailEnd type="none" w="med" len="med"/>
+                    </a:lnT>
+                    <a:lnB w="12700" cap="flat" cmpd="sng" algn="ctr">
+                      <a:solidFill>
+                        <a:schemeClr val="tx1"/>
+                      </a:solidFill>
+                      <a:prstDash val="solid"/>
+                      <a:round/>
+                      <a:headEnd type="none" w="med" len="med"/>
+                      <a:tailEnd type="none" w="med" len="med"/>
+                    </a:lnB>
+                    <a:solidFill>
+                      <a:srgbClr val="FFFF00"/>
+                    </a:solidFill>
+                  </a:tcPr>
+                </a:tc>
+                <a:tc>
+                  <a:txBody>
+                    <a:bodyPr/>
+                    <a:lstStyle/>
+                    <a:p>
+                      <a:pPr algn="ctr"/>
+                      <a:r>
+                        <a:rPr lang="en-US" sz="800" dirty="0" smtClean="0"/>
+                        <a:t>1</a:t>
+                      </a:r>
+                      <a:endParaRPr lang="en-US" sz="800" dirty="0"/>
+                    </a:p>
+                  </a:txBody>
+                  <a:tcPr anchor="ctr">
+                    <a:lnL w="12700" cap="flat" cmpd="sng" algn="ctr">
+                      <a:solidFill>
+                        <a:schemeClr val="tx1"/>
+                      </a:solidFill>
+                      <a:prstDash val="solid"/>
+                      <a:round/>
+                      <a:headEnd type="none" w="med" len="med"/>
+                      <a:tailEnd type="none" w="med" len="med"/>
+                    </a:lnL>
+                    <a:lnR w="12700" cap="flat" cmpd="sng" algn="ctr">
+                      <a:solidFill>
+                        <a:schemeClr val="tx1"/>
+                      </a:solidFill>
+                      <a:prstDash val="solid"/>
+                      <a:round/>
+                      <a:headEnd type="none" w="med" len="med"/>
+                      <a:tailEnd type="none" w="med" len="med"/>
+                    </a:lnR>
+                    <a:lnT w="12700" cap="flat" cmpd="sng" algn="ctr">
+                      <a:solidFill>
+                        <a:schemeClr val="tx1"/>
+                      </a:solidFill>
+                      <a:prstDash val="solid"/>
+                      <a:round/>
+                      <a:headEnd type="none" w="med" len="med"/>
+                      <a:tailEnd type="none" w="med" len="med"/>
+                    </a:lnT>
+                    <a:lnB w="12700" cap="flat" cmpd="sng" algn="ctr">
+                      <a:solidFill>
+                        <a:schemeClr val="tx1"/>
+                      </a:solidFill>
+                      <a:prstDash val="solid"/>
+                      <a:round/>
+                      <a:headEnd type="none" w="med" len="med"/>
+                      <a:tailEnd type="none" w="med" len="med"/>
+                    </a:lnB>
+                    <a:solidFill>
+                      <a:srgbClr val="FFFF00"/>
+                    </a:solidFill>
+                  </a:tcPr>
+                </a:tc>
+              </a:tr>
+              <a:tr h="419100">
+                <a:tc>
+                  <a:txBody>
+                    <a:bodyPr/>
+                    <a:lstStyle/>
+                    <a:p>
+                      <a:pPr algn="ctr"/>
+                      <a:r>
+                        <a:rPr lang="en-US" dirty="0" smtClean="0"/>
+                        <a:t>1</a:t>
+                      </a:r>
+                      <a:endParaRPr lang="en-US" dirty="0"/>
+                    </a:p>
+                  </a:txBody>
+                  <a:tcPr anchor="ctr">
+                    <a:lnR w="12700" cap="flat" cmpd="sng" algn="ctr">
+                      <a:solidFill>
+                        <a:schemeClr val="tx1"/>
+                      </a:solidFill>
+                      <a:prstDash val="solid"/>
+                      <a:round/>
+                      <a:headEnd type="none" w="med" len="med"/>
+                      <a:tailEnd type="none" w="med" len="med"/>
+                    </a:lnR>
+                  </a:tcPr>
+                </a:tc>
+                <a:tc>
+                  <a:txBody>
+                    <a:bodyPr/>
+                    <a:lstStyle/>
+                    <a:p>
+                      <a:pPr algn="ctr"/>
+                      <a:endParaRPr lang="en-US" sz="1200" dirty="0"/>
+                    </a:p>
+                  </a:txBody>
+                  <a:tcPr anchor="ctr">
+                    <a:lnL w="12700" cap="flat" cmpd="sng" algn="ctr">
+                      <a:solidFill>
+                        <a:schemeClr val="tx1"/>
+                      </a:solidFill>
+                      <a:prstDash val="solid"/>
+                      <a:round/>
+                      <a:headEnd type="none" w="med" len="med"/>
+                      <a:tailEnd type="none" w="med" len="med"/>
+                    </a:lnL>
+                    <a:lnR w="12700" cap="flat" cmpd="sng" algn="ctr">
+                      <a:solidFill>
+                        <a:schemeClr val="tx1"/>
+                      </a:solidFill>
+                      <a:prstDash val="solid"/>
+                      <a:round/>
+                      <a:headEnd type="none" w="med" len="med"/>
+                      <a:tailEnd type="none" w="med" len="med"/>
+                    </a:lnR>
+                    <a:lnT w="12700" cap="flat" cmpd="sng" algn="ctr">
+                      <a:solidFill>
+                        <a:schemeClr val="tx1"/>
+                      </a:solidFill>
+                      <a:prstDash val="solid"/>
+                      <a:round/>
+                      <a:headEnd type="none" w="med" len="med"/>
+                      <a:tailEnd type="none" w="med" len="med"/>
+                    </a:lnT>
+                    <a:lnB w="12700" cap="flat" cmpd="sng" algn="ctr">
+                      <a:solidFill>
+                        <a:schemeClr val="tx1"/>
+                      </a:solidFill>
+                      <a:prstDash val="solid"/>
+                      <a:round/>
+                      <a:headEnd type="none" w="med" len="med"/>
+                      <a:tailEnd type="none" w="med" len="med"/>
+                    </a:lnB>
+                    <a:solidFill>
+                      <a:srgbClr val="18981B"/>
+                    </a:solidFill>
+                  </a:tcPr>
+                </a:tc>
+                <a:tc>
+                  <a:txBody>
+                    <a:bodyPr/>
+                    <a:lstStyle/>
+                    <a:p>
+                      <a:pPr algn="ctr"/>
+                      <a:endParaRPr lang="en-US" sz="800" dirty="0"/>
+                    </a:p>
+                  </a:txBody>
+                  <a:tcPr anchor="ctr">
+                    <a:lnL w="12700" cap="flat" cmpd="sng" algn="ctr">
+                      <a:solidFill>
+                        <a:schemeClr val="tx1"/>
+                      </a:solidFill>
+                      <a:prstDash val="solid"/>
+                      <a:round/>
+                      <a:headEnd type="none" w="med" len="med"/>
+                      <a:tailEnd type="none" w="med" len="med"/>
+                    </a:lnL>
+                    <a:lnR w="12700" cap="flat" cmpd="sng" algn="ctr">
+                      <a:solidFill>
+                        <a:schemeClr val="tx1"/>
+                      </a:solidFill>
+                      <a:prstDash val="solid"/>
+                      <a:round/>
+                      <a:headEnd type="none" w="med" len="med"/>
+                      <a:tailEnd type="none" w="med" len="med"/>
+                    </a:lnR>
+                    <a:lnT w="12700" cap="flat" cmpd="sng" algn="ctr">
+                      <a:solidFill>
+                        <a:schemeClr val="tx1"/>
+                      </a:solidFill>
+                      <a:prstDash val="solid"/>
+                      <a:round/>
+                      <a:headEnd type="none" w="med" len="med"/>
+                      <a:tailEnd type="none" w="med" len="med"/>
+                    </a:lnT>
+                    <a:lnB w="12700" cap="flat" cmpd="sng" algn="ctr">
+                      <a:solidFill>
+                        <a:schemeClr val="tx1"/>
+                      </a:solidFill>
+                      <a:prstDash val="solid"/>
+                      <a:round/>
+                      <a:headEnd type="none" w="med" len="med"/>
+                      <a:tailEnd type="none" w="med" len="med"/>
+                    </a:lnB>
+                    <a:solidFill>
+                      <a:srgbClr val="18981B"/>
+                    </a:solidFill>
+                  </a:tcPr>
+                </a:tc>
+                <a:tc>
+                  <a:txBody>
+                    <a:bodyPr/>
+                    <a:lstStyle/>
+                    <a:p>
+                      <a:pPr algn="ctr"/>
+                      <a:endParaRPr lang="en-US" sz="800" dirty="0"/>
+                    </a:p>
+                  </a:txBody>
+                  <a:tcPr anchor="ctr">
+                    <a:lnL w="12700" cap="flat" cmpd="sng" algn="ctr">
+                      <a:solidFill>
+                        <a:schemeClr val="tx1"/>
+                      </a:solidFill>
+                      <a:prstDash val="solid"/>
+                      <a:round/>
+                      <a:headEnd type="none" w="med" len="med"/>
+                      <a:tailEnd type="none" w="med" len="med"/>
+                    </a:lnL>
+                    <a:lnR w="12700" cap="flat" cmpd="sng" algn="ctr">
+                      <a:solidFill>
+                        <a:schemeClr val="tx1"/>
+                      </a:solidFill>
+                      <a:prstDash val="solid"/>
+                      <a:round/>
+                      <a:headEnd type="none" w="med" len="med"/>
+                      <a:tailEnd type="none" w="med" len="med"/>
+                    </a:lnR>
+                    <a:lnT w="12700" cap="flat" cmpd="sng" algn="ctr">
+                      <a:solidFill>
+                        <a:schemeClr val="tx1"/>
+                      </a:solidFill>
+                      <a:prstDash val="solid"/>
+                      <a:round/>
+                      <a:headEnd type="none" w="med" len="med"/>
+                      <a:tailEnd type="none" w="med" len="med"/>
+                    </a:lnT>
+                    <a:lnB w="12700" cap="flat" cmpd="sng" algn="ctr">
+                      <a:solidFill>
+                        <a:schemeClr val="tx1"/>
+                      </a:solidFill>
+                      <a:prstDash val="solid"/>
+                      <a:round/>
+                      <a:headEnd type="none" w="med" len="med"/>
+                      <a:tailEnd type="none" w="med" len="med"/>
+                    </a:lnB>
+                    <a:solidFill>
+                      <a:srgbClr val="18981B"/>
+                    </a:solidFill>
+                  </a:tcPr>
+                </a:tc>
+                <a:tc>
+                  <a:txBody>
+                    <a:bodyPr/>
+                    <a:lstStyle/>
+                    <a:p>
+                      <a:pPr algn="ctr"/>
+                      <a:endParaRPr lang="en-US" sz="800" dirty="0"/>
+                    </a:p>
+                  </a:txBody>
+                  <a:tcPr anchor="ctr">
+                    <a:lnL w="12700" cap="flat" cmpd="sng" algn="ctr">
+                      <a:solidFill>
+                        <a:schemeClr val="tx1"/>
+                      </a:solidFill>
+                      <a:prstDash val="solid"/>
+                      <a:round/>
+                      <a:headEnd type="none" w="med" len="med"/>
+                      <a:tailEnd type="none" w="med" len="med"/>
+                    </a:lnL>
+                    <a:lnR w="12700" cap="flat" cmpd="sng" algn="ctr">
+                      <a:solidFill>
+                        <a:schemeClr val="tx1"/>
+                      </a:solidFill>
+                      <a:prstDash val="solid"/>
+                      <a:round/>
+                      <a:headEnd type="none" w="med" len="med"/>
+                      <a:tailEnd type="none" w="med" len="med"/>
+                    </a:lnR>
+                    <a:lnT w="12700" cap="flat" cmpd="sng" algn="ctr">
+                      <a:solidFill>
+                        <a:schemeClr val="tx1"/>
+                      </a:solidFill>
+                      <a:prstDash val="solid"/>
+                      <a:round/>
+                      <a:headEnd type="none" w="med" len="med"/>
+                      <a:tailEnd type="none" w="med" len="med"/>
+                    </a:lnT>
+                    <a:lnB w="12700" cap="flat" cmpd="sng" algn="ctr">
+                      <a:solidFill>
+                        <a:schemeClr val="tx1"/>
+                      </a:solidFill>
+                      <a:prstDash val="solid"/>
+                      <a:round/>
+                      <a:headEnd type="none" w="med" len="med"/>
+                      <a:tailEnd type="none" w="med" len="med"/>
+                    </a:lnB>
+                    <a:solidFill>
+                      <a:srgbClr val="18981B"/>
+                    </a:solidFill>
+                  </a:tcPr>
+                </a:tc>
+                <a:tc>
+                  <a:txBody>
+                    <a:bodyPr/>
+                    <a:lstStyle/>
+                    <a:p>
+                      <a:pPr algn="ctr"/>
+                      <a:r>
+                        <a:rPr lang="en-US" sz="800" dirty="0" smtClean="0"/>
+                        <a:t>8</a:t>
+                      </a:r>
+                      <a:endParaRPr lang="en-US" sz="800" dirty="0"/>
+                    </a:p>
+                  </a:txBody>
+                  <a:tcPr anchor="ctr">
+                    <a:lnL w="12700" cap="flat" cmpd="sng" algn="ctr">
+                      <a:solidFill>
+                        <a:schemeClr val="tx1"/>
+                      </a:solidFill>
+                      <a:prstDash val="solid"/>
+                      <a:round/>
+                      <a:headEnd type="none" w="med" len="med"/>
+                      <a:tailEnd type="none" w="med" len="med"/>
+                    </a:lnL>
+                    <a:lnR w="12700" cap="flat" cmpd="sng" algn="ctr">
+                      <a:solidFill>
+                        <a:schemeClr val="tx1"/>
+                      </a:solidFill>
+                      <a:prstDash val="solid"/>
+                      <a:round/>
+                      <a:headEnd type="none" w="med" len="med"/>
+                      <a:tailEnd type="none" w="med" len="med"/>
+                    </a:lnR>
+                    <a:lnT w="12700" cap="flat" cmpd="sng" algn="ctr">
+                      <a:solidFill>
+                        <a:schemeClr val="tx1"/>
+                      </a:solidFill>
+                      <a:prstDash val="solid"/>
+                      <a:round/>
+                      <a:headEnd type="none" w="med" len="med"/>
+                      <a:tailEnd type="none" w="med" len="med"/>
+                    </a:lnT>
+                    <a:lnB w="12700" cap="flat" cmpd="sng" algn="ctr">
+                      <a:solidFill>
+                        <a:schemeClr val="tx1"/>
+                      </a:solidFill>
+                      <a:prstDash val="solid"/>
+                      <a:round/>
+                      <a:headEnd type="none" w="med" len="med"/>
+                      <a:tailEnd type="none" w="med" len="med"/>
+                    </a:lnB>
+                    <a:solidFill>
+                      <a:srgbClr val="FFFF00"/>
+                    </a:solidFill>
+                  </a:tcPr>
+                </a:tc>
+              </a:tr>
+              <a:tr h="419100">
+                <a:tc>
+                  <a:txBody>
+                    <a:bodyPr/>
+                    <a:lstStyle/>
+                    <a:p>
+                      <a:endParaRPr lang="en-US" dirty="0"/>
+                    </a:p>
+                  </a:txBody>
+                  <a:tcPr>
+                    <a:lnR w="12700" cap="flat" cmpd="sng" algn="ctr">
+                      <a:noFill/>
+                      <a:prstDash val="solid"/>
+                      <a:round/>
+                      <a:headEnd type="none" w="med" len="med"/>
+                      <a:tailEnd type="none" w="med" len="med"/>
+                    </a:lnR>
+                  </a:tcPr>
+                </a:tc>
+                <a:tc>
+                  <a:txBody>
+                    <a:bodyPr/>
+                    <a:lstStyle/>
+                    <a:p>
+                      <a:pPr algn="ctr"/>
+                      <a:r>
+                        <a:rPr lang="en-US" dirty="0" smtClean="0"/>
+                        <a:t>1</a:t>
+                      </a:r>
+                      <a:endParaRPr lang="en-US" dirty="0"/>
+                    </a:p>
+                  </a:txBody>
+                  <a:tcPr anchor="ctr">
+                    <a:lnL w="12700" cap="flat" cmpd="sng" algn="ctr">
+                      <a:noFill/>
+                      <a:prstDash val="solid"/>
+                      <a:round/>
+                      <a:headEnd type="none" w="med" len="med"/>
+                      <a:tailEnd type="none" w="med" len="med"/>
+                    </a:lnL>
+                    <a:lnR w="12700" cap="flat" cmpd="sng" algn="ctr">
+                      <a:noFill/>
+                      <a:prstDash val="solid"/>
+                      <a:round/>
+                      <a:headEnd type="none" w="med" len="med"/>
+                      <a:tailEnd type="none" w="med" len="med"/>
+                    </a:lnR>
+                    <a:lnT w="12700" cap="flat" cmpd="sng" algn="ctr">
+                      <a:solidFill>
+                        <a:schemeClr val="tx1"/>
+                      </a:solidFill>
+                      <a:prstDash val="solid"/>
+                      <a:round/>
+                      <a:headEnd type="none" w="med" len="med"/>
+                      <a:tailEnd type="none" w="med" len="med"/>
+                    </a:lnT>
+                    <a:lnB w="12700" cap="flat" cmpd="sng" algn="ctr">
+                      <a:noFill/>
+                      <a:prstDash val="solid"/>
+                      <a:round/>
+                      <a:headEnd type="none" w="med" len="med"/>
+                      <a:tailEnd type="none" w="med" len="med"/>
+                    </a:lnB>
+                    <a:lnTlToBr w="12700" cmpd="sng">
+                      <a:noFill/>
+                      <a:prstDash val="solid"/>
+                    </a:lnTlToBr>
+                    <a:lnBlToTr w="12700" cmpd="sng">
+                      <a:noFill/>
+                      <a:prstDash val="solid"/>
+                    </a:lnBlToTr>
+                  </a:tcPr>
+                </a:tc>
+                <a:tc>
+                  <a:txBody>
+                    <a:bodyPr/>
+                    <a:lstStyle/>
+                    <a:p>
+                      <a:pPr algn="ctr"/>
+                      <a:r>
+                        <a:rPr lang="en-US" dirty="0" smtClean="0"/>
+                        <a:t>2</a:t>
+                      </a:r>
+                      <a:endParaRPr lang="en-US" dirty="0"/>
+                    </a:p>
+                  </a:txBody>
+                  <a:tcPr anchor="ctr">
+                    <a:lnL w="12700" cap="flat" cmpd="sng" algn="ctr">
+                      <a:noFill/>
+                      <a:prstDash val="solid"/>
+                      <a:round/>
+                      <a:headEnd type="none" w="med" len="med"/>
+                      <a:tailEnd type="none" w="med" len="med"/>
+                    </a:lnL>
+                    <a:lnR w="12700" cap="flat" cmpd="sng" algn="ctr">
+                      <a:noFill/>
+                      <a:prstDash val="solid"/>
+                      <a:round/>
+                      <a:headEnd type="none" w="med" len="med"/>
+                      <a:tailEnd type="none" w="med" len="med"/>
+                    </a:lnR>
+                    <a:lnT w="12700" cap="flat" cmpd="sng" algn="ctr">
+                      <a:solidFill>
+                        <a:schemeClr val="tx1"/>
+                      </a:solidFill>
+                      <a:prstDash val="solid"/>
+                      <a:round/>
+                      <a:headEnd type="none" w="med" len="med"/>
+                      <a:tailEnd type="none" w="med" len="med"/>
+                    </a:lnT>
+                    <a:lnB w="12700" cap="flat" cmpd="sng" algn="ctr">
+                      <a:noFill/>
+                      <a:prstDash val="solid"/>
+                      <a:round/>
+                      <a:headEnd type="none" w="med" len="med"/>
+                      <a:tailEnd type="none" w="med" len="med"/>
+                    </a:lnB>
+                    <a:lnTlToBr w="12700" cmpd="sng">
+                      <a:noFill/>
+                      <a:prstDash val="solid"/>
+                    </a:lnTlToBr>
+                    <a:lnBlToTr w="12700" cmpd="sng">
+                      <a:noFill/>
+                      <a:prstDash val="solid"/>
+                    </a:lnBlToTr>
+                  </a:tcPr>
+                </a:tc>
+                <a:tc>
+                  <a:txBody>
+                    <a:bodyPr/>
+                    <a:lstStyle/>
+                    <a:p>
+                      <a:pPr algn="ctr"/>
+                      <a:r>
+                        <a:rPr lang="en-US" dirty="0" smtClean="0"/>
+                        <a:t>3</a:t>
+                      </a:r>
+                      <a:endParaRPr lang="en-US" dirty="0"/>
+                    </a:p>
+                  </a:txBody>
+                  <a:tcPr anchor="ctr">
+                    <a:lnL w="12700" cap="flat" cmpd="sng" algn="ctr">
+                      <a:noFill/>
+                      <a:prstDash val="solid"/>
+                      <a:round/>
+                      <a:headEnd type="none" w="med" len="med"/>
+                      <a:tailEnd type="none" w="med" len="med"/>
+                    </a:lnL>
+                    <a:lnR w="12700" cap="flat" cmpd="sng" algn="ctr">
+                      <a:noFill/>
+                      <a:prstDash val="solid"/>
+                      <a:round/>
+                      <a:headEnd type="none" w="med" len="med"/>
+                      <a:tailEnd type="none" w="med" len="med"/>
+                    </a:lnR>
+                    <a:lnT w="12700" cap="flat" cmpd="sng" algn="ctr">
+                      <a:solidFill>
+                        <a:schemeClr val="tx1"/>
+                      </a:solidFill>
+                      <a:prstDash val="solid"/>
+                      <a:round/>
+                      <a:headEnd type="none" w="med" len="med"/>
+                      <a:tailEnd type="none" w="med" len="med"/>
+                    </a:lnT>
+                    <a:lnB w="12700" cap="flat" cmpd="sng" algn="ctr">
+                      <a:noFill/>
+                      <a:prstDash val="solid"/>
+                      <a:round/>
+                      <a:headEnd type="none" w="med" len="med"/>
+                      <a:tailEnd type="none" w="med" len="med"/>
+                    </a:lnB>
+                    <a:lnTlToBr w="12700" cmpd="sng">
+                      <a:noFill/>
+                      <a:prstDash val="solid"/>
+                    </a:lnTlToBr>
+                    <a:lnBlToTr w="12700" cmpd="sng">
+                      <a:noFill/>
+                      <a:prstDash val="solid"/>
+                    </a:lnBlToTr>
+                  </a:tcPr>
+                </a:tc>
+                <a:tc>
+                  <a:txBody>
+                    <a:bodyPr/>
+                    <a:lstStyle/>
+                    <a:p>
+                      <a:pPr algn="ctr"/>
+                      <a:r>
+                        <a:rPr lang="en-US" dirty="0" smtClean="0"/>
+                        <a:t>4</a:t>
+                      </a:r>
+                      <a:endParaRPr lang="en-US" dirty="0"/>
+                    </a:p>
+                  </a:txBody>
+                  <a:tcPr anchor="ctr">
+                    <a:lnL w="12700" cap="flat" cmpd="sng" algn="ctr">
+                      <a:noFill/>
+                      <a:prstDash val="solid"/>
+                      <a:round/>
+                      <a:headEnd type="none" w="med" len="med"/>
+                      <a:tailEnd type="none" w="med" len="med"/>
+                    </a:lnL>
+                    <a:lnR w="12700" cap="flat" cmpd="sng" algn="ctr">
+                      <a:noFill/>
+                      <a:prstDash val="solid"/>
+                      <a:round/>
+                      <a:headEnd type="none" w="med" len="med"/>
+                      <a:tailEnd type="none" w="med" len="med"/>
+                    </a:lnR>
+                    <a:lnT w="12700" cap="flat" cmpd="sng" algn="ctr">
+                      <a:solidFill>
+                        <a:schemeClr val="tx1"/>
+                      </a:solidFill>
+                      <a:prstDash val="solid"/>
+                      <a:round/>
+                      <a:headEnd type="none" w="med" len="med"/>
+                      <a:tailEnd type="none" w="med" len="med"/>
+                    </a:lnT>
+                    <a:lnB w="12700" cap="flat" cmpd="sng" algn="ctr">
+                      <a:noFill/>
+                      <a:prstDash val="solid"/>
+                      <a:round/>
+                      <a:headEnd type="none" w="med" len="med"/>
+                      <a:tailEnd type="none" w="med" len="med"/>
+                    </a:lnB>
+                    <a:lnTlToBr w="12700" cmpd="sng">
+                      <a:noFill/>
+                      <a:prstDash val="solid"/>
+                    </a:lnTlToBr>
+                    <a:lnBlToTr w="12700" cmpd="sng">
+                      <a:noFill/>
+                      <a:prstDash val="solid"/>
+                    </a:lnBlToTr>
+                  </a:tcPr>
+                </a:tc>
+                <a:tc>
+                  <a:txBody>
+                    <a:bodyPr/>
+                    <a:lstStyle/>
+                    <a:p>
+                      <a:pPr algn="ctr"/>
+                      <a:r>
+                        <a:rPr lang="en-US" dirty="0" smtClean="0"/>
+                        <a:t>5</a:t>
+                      </a:r>
+                      <a:endParaRPr lang="en-US" dirty="0"/>
+                    </a:p>
+                  </a:txBody>
+                  <a:tcPr anchor="ctr">
+                    <a:lnL w="12700" cap="flat" cmpd="sng" algn="ctr">
+                      <a:noFill/>
+                      <a:prstDash val="solid"/>
+                      <a:round/>
+                      <a:headEnd type="none" w="med" len="med"/>
+                      <a:tailEnd type="none" w="med" len="med"/>
+                    </a:lnL>
+                    <a:lnR w="12700" cap="flat" cmpd="sng" algn="ctr">
+                      <a:noFill/>
+                      <a:prstDash val="solid"/>
+                      <a:round/>
+                      <a:headEnd type="none" w="med" len="med"/>
+                      <a:tailEnd type="none" w="med" len="med"/>
+                    </a:lnR>
+                    <a:lnT w="12700" cap="flat" cmpd="sng" algn="ctr">
+                      <a:solidFill>
+                        <a:schemeClr val="tx1"/>
+                      </a:solidFill>
+                      <a:prstDash val="solid"/>
+                      <a:round/>
+                      <a:headEnd type="none" w="med" len="med"/>
+                      <a:tailEnd type="none" w="med" len="med"/>
+                    </a:lnT>
+                    <a:lnB w="12700" cap="flat" cmpd="sng" algn="ctr">
+                      <a:noFill/>
+                      <a:prstDash val="solid"/>
+                      <a:round/>
+                      <a:headEnd type="none" w="med" len="med"/>
+                      <a:tailEnd type="none" w="med" len="med"/>
+                    </a:lnB>
+                    <a:lnTlToBr w="12700" cmpd="sng">
+                      <a:noFill/>
+                      <a:prstDash val="solid"/>
+                    </a:lnTlToBr>
+                    <a:lnBlToTr w="12700" cmpd="sng">
+                      <a:noFill/>
+                      <a:prstDash val="solid"/>
+                    </a:lnBlToTr>
+                  </a:tcPr>
+                </a:tc>
+              </a:tr>
+            </a:tbl>
+          </a:graphicData>
+        </a:graphic>
+      </p:graphicFrame>
+      <p:sp>
+        <p:nvSpPr>
+          <p:cNvPr id="10" name="Text Box 323"/>
+          <p:cNvSpPr txBox="1">
+            <a:spLocks noChangeArrowheads="1"/>
+          </p:cNvSpPr>
+          <p:nvPr/>
+        </p:nvSpPr>
+        <p:spPr bwMode="auto">
+          <a:xfrm>
+            <a:off x="3962400" y="6248400"/>
+            <a:ext cx="1277938" cy="304800"/>
+          </a:xfrm>
+          <a:prstGeom prst="rect">
+            <a:avLst/>
+          </a:prstGeom>
+          <a:noFill/>
+          <a:ln>
+            <a:noFill/>
+          </a:ln>
+          <a:extLst>
+            <a:ext uri="{909E8E84-426E-40DD-AFC4-6F175D3DCCD1}">
+              <a14:hiddenFill xmlns:a14="http://schemas.microsoft.com/office/drawing/2010/main">
+                <a:solidFill>
+                  <a:srgbClr val="FFFFFF"/>
+                </a:solidFill>
+              </a14:hiddenFill>
+            </a:ext>
+            <a:ext uri="{91240B29-F687-4F45-9708-019B960494DF}">
+              <a14:hiddenLine xmlns:a14="http://schemas.microsoft.com/office/drawing/2010/main" w="9525">
+                <a:solidFill>
+                  <a:srgbClr val="000000"/>
+                </a:solidFill>
+                <a:miter lim="800000"/>
+                <a:headEnd/>
+                <a:tailEnd/>
+              </a14:hiddenLine>
+            </a:ext>
+          </a:extLst>
+        </p:spPr>
+        <p:txBody>
+          <a:bodyPr wrap="none">
+            <a:spAutoFit/>
+          </a:bodyPr>
+          <a:lstStyle>
+            <a:lvl1pPr eaLnBrk="0" hangingPunct="0">
+              <a:defRPr>
+                <a:solidFill>
+                  <a:schemeClr val="tx1"/>
+                </a:solidFill>
+                <a:latin typeface="Arial" charset="0"/>
+                <a:cs typeface="Arial" charset="0"/>
+              </a:defRPr>
+            </a:lvl1pPr>
+            <a:lvl2pPr marL="742950" indent="-285750" eaLnBrk="0" hangingPunct="0">
+              <a:defRPr>
+                <a:solidFill>
+                  <a:schemeClr val="tx1"/>
+                </a:solidFill>
+                <a:latin typeface="Arial" charset="0"/>
+                <a:cs typeface="Arial" charset="0"/>
+              </a:defRPr>
+            </a:lvl2pPr>
+            <a:lvl3pPr marL="1143000" indent="-228600" eaLnBrk="0" hangingPunct="0">
+              <a:defRPr>
+                <a:solidFill>
+                  <a:schemeClr val="tx1"/>
+                </a:solidFill>
+                <a:latin typeface="Arial" charset="0"/>
+                <a:cs typeface="Arial" charset="0"/>
+              </a:defRPr>
+            </a:lvl3pPr>
+            <a:lvl4pPr marL="1600200" indent="-228600" eaLnBrk="0" hangingPunct="0">
+              <a:defRPr>
+                <a:solidFill>
+                  <a:schemeClr val="tx1"/>
+                </a:solidFill>
+                <a:latin typeface="Arial" charset="0"/>
+                <a:cs typeface="Arial" charset="0"/>
+              </a:defRPr>
+            </a:lvl4pPr>
+            <a:lvl5pPr marL="2057400" indent="-228600" eaLnBrk="0" hangingPunct="0">
+              <a:defRPr>
+                <a:solidFill>
+                  <a:schemeClr val="tx1"/>
+                </a:solidFill>
+                <a:latin typeface="Arial" charset="0"/>
+                <a:cs typeface="Arial" charset="0"/>
+              </a:defRPr>
+            </a:lvl5pPr>
+            <a:lvl6pPr marL="2514600" indent="-228600" eaLnBrk="0" fontAlgn="base" hangingPunct="0">
+              <a:spcBef>
+                <a:spcPct val="0"/>
+              </a:spcBef>
+              <a:spcAft>
+                <a:spcPct val="0"/>
+              </a:spcAft>
+              <a:defRPr>
+                <a:solidFill>
+                  <a:schemeClr val="tx1"/>
+                </a:solidFill>
+                <a:latin typeface="Arial" charset="0"/>
+                <a:cs typeface="Arial" charset="0"/>
+              </a:defRPr>
+            </a:lvl6pPr>
+            <a:lvl7pPr marL="2971800" indent="-228600" eaLnBrk="0" fontAlgn="base" hangingPunct="0">
+              <a:spcBef>
+                <a:spcPct val="0"/>
+              </a:spcBef>
+              <a:spcAft>
+                <a:spcPct val="0"/>
+              </a:spcAft>
+              <a:defRPr>
+                <a:solidFill>
+                  <a:schemeClr val="tx1"/>
+                </a:solidFill>
+                <a:latin typeface="Arial" charset="0"/>
+                <a:cs typeface="Arial" charset="0"/>
+              </a:defRPr>
+            </a:lvl7pPr>
+            <a:lvl8pPr marL="3429000" indent="-228600" eaLnBrk="0" fontAlgn="base" hangingPunct="0">
+              <a:spcBef>
+                <a:spcPct val="0"/>
+              </a:spcBef>
+              <a:spcAft>
+                <a:spcPct val="0"/>
+              </a:spcAft>
+              <a:defRPr>
+                <a:solidFill>
+                  <a:schemeClr val="tx1"/>
+                </a:solidFill>
+                <a:latin typeface="Arial" charset="0"/>
+                <a:cs typeface="Arial" charset="0"/>
+              </a:defRPr>
+            </a:lvl8pPr>
+            <a:lvl9pPr marL="3886200" indent="-228600" eaLnBrk="0" fontAlgn="base" hangingPunct="0">
+              <a:spcBef>
+                <a:spcPct val="0"/>
+              </a:spcBef>
+              <a:spcAft>
+                <a:spcPct val="0"/>
+              </a:spcAft>
+              <a:defRPr>
+                <a:solidFill>
+                  <a:schemeClr val="tx1"/>
+                </a:solidFill>
+                <a:latin typeface="Arial" charset="0"/>
+                <a:cs typeface="Arial" charset="0"/>
+              </a:defRPr>
+            </a:lvl9pPr>
+          </a:lstStyle>
+          <a:p>
+            <a:pPr eaLnBrk="1" hangingPunct="1"/>
+            <a:r>
+              <a:rPr lang="en-US" altLang="en-US" sz="1400" dirty="0"/>
+              <a:t>Consequence</a:t>
+            </a:r>
+          </a:p>
+        </p:txBody>
+      </p:sp>
+      <p:sp>
+        <p:nvSpPr>
+          <p:cNvPr id="11" name="Text Box 322"/>
+          <p:cNvSpPr txBox="1">
+            <a:spLocks noChangeArrowheads="1"/>
+          </p:cNvSpPr>
+          <p:nvPr/>
+        </p:nvSpPr>
+        <p:spPr bwMode="auto">
+          <a:xfrm rot="16200000">
+            <a:off x="2785268" y="4758531"/>
+            <a:ext cx="982663" cy="304800"/>
+          </a:xfrm>
+          <a:prstGeom prst="rect">
+            <a:avLst/>
+          </a:prstGeom>
+          <a:noFill/>
+          <a:ln>
+            <a:noFill/>
+          </a:ln>
+          <a:extLst>
+            <a:ext uri="{909E8E84-426E-40DD-AFC4-6F175D3DCCD1}">
+              <a14:hiddenFill xmlns:a14="http://schemas.microsoft.com/office/drawing/2010/main">
+                <a:solidFill>
+                  <a:srgbClr val="FFFFFF"/>
+                </a:solidFill>
+              </a14:hiddenFill>
+            </a:ext>
+            <a:ext uri="{91240B29-F687-4F45-9708-019B960494DF}">
+              <a14:hiddenLine xmlns:a14="http://schemas.microsoft.com/office/drawing/2010/main" w="9525">
+                <a:solidFill>
+                  <a:srgbClr val="000000"/>
+                </a:solidFill>
+                <a:miter lim="800000"/>
+                <a:headEnd/>
+                <a:tailEnd/>
+              </a14:hiddenLine>
+            </a:ext>
+          </a:extLst>
+        </p:spPr>
+        <p:txBody>
+          <a:bodyPr wrap="none">
+            <a:spAutoFit/>
+          </a:bodyPr>
+          <a:lstStyle>
+            <a:lvl1pPr eaLnBrk="0" hangingPunct="0">
+              <a:defRPr>
+                <a:solidFill>
+                  <a:schemeClr val="tx1"/>
+                </a:solidFill>
+                <a:latin typeface="Arial" charset="0"/>
+                <a:cs typeface="Arial" charset="0"/>
+              </a:defRPr>
+            </a:lvl1pPr>
+            <a:lvl2pPr marL="742950" indent="-285750" eaLnBrk="0" hangingPunct="0">
+              <a:defRPr>
+                <a:solidFill>
+                  <a:schemeClr val="tx1"/>
+                </a:solidFill>
+                <a:latin typeface="Arial" charset="0"/>
+                <a:cs typeface="Arial" charset="0"/>
+              </a:defRPr>
+            </a:lvl2pPr>
+            <a:lvl3pPr marL="1143000" indent="-228600" eaLnBrk="0" hangingPunct="0">
+              <a:defRPr>
+                <a:solidFill>
+                  <a:schemeClr val="tx1"/>
+                </a:solidFill>
+                <a:latin typeface="Arial" charset="0"/>
+                <a:cs typeface="Arial" charset="0"/>
+              </a:defRPr>
+            </a:lvl3pPr>
+            <a:lvl4pPr marL="1600200" indent="-228600" eaLnBrk="0" hangingPunct="0">
+              <a:defRPr>
+                <a:solidFill>
+                  <a:schemeClr val="tx1"/>
+                </a:solidFill>
+                <a:latin typeface="Arial" charset="0"/>
+                <a:cs typeface="Arial" charset="0"/>
+              </a:defRPr>
+            </a:lvl4pPr>
+            <a:lvl5pPr marL="2057400" indent="-228600" eaLnBrk="0" hangingPunct="0">
+              <a:defRPr>
+                <a:solidFill>
+                  <a:schemeClr val="tx1"/>
+                </a:solidFill>
+                <a:latin typeface="Arial" charset="0"/>
+                <a:cs typeface="Arial" charset="0"/>
+              </a:defRPr>
+            </a:lvl5pPr>
+            <a:lvl6pPr marL="2514600" indent="-228600" eaLnBrk="0" fontAlgn="base" hangingPunct="0">
+              <a:spcBef>
+                <a:spcPct val="0"/>
+              </a:spcBef>
+              <a:spcAft>
+                <a:spcPct val="0"/>
+              </a:spcAft>
+              <a:defRPr>
+                <a:solidFill>
+                  <a:schemeClr val="tx1"/>
+                </a:solidFill>
+                <a:latin typeface="Arial" charset="0"/>
+                <a:cs typeface="Arial" charset="0"/>
+              </a:defRPr>
+            </a:lvl6pPr>
+            <a:lvl7pPr marL="2971800" indent="-228600" eaLnBrk="0" fontAlgn="base" hangingPunct="0">
+              <a:spcBef>
+                <a:spcPct val="0"/>
+              </a:spcBef>
+              <a:spcAft>
+                <a:spcPct val="0"/>
+              </a:spcAft>
+              <a:defRPr>
+                <a:solidFill>
+                  <a:schemeClr val="tx1"/>
+                </a:solidFill>
+                <a:latin typeface="Arial" charset="0"/>
+                <a:cs typeface="Arial" charset="0"/>
+              </a:defRPr>
+            </a:lvl7pPr>
+            <a:lvl8pPr marL="3429000" indent="-228600" eaLnBrk="0" fontAlgn="base" hangingPunct="0">
+              <a:spcBef>
+                <a:spcPct val="0"/>
+              </a:spcBef>
+              <a:spcAft>
+                <a:spcPct val="0"/>
+              </a:spcAft>
+              <a:defRPr>
+                <a:solidFill>
+                  <a:schemeClr val="tx1"/>
+                </a:solidFill>
+                <a:latin typeface="Arial" charset="0"/>
+                <a:cs typeface="Arial" charset="0"/>
+              </a:defRPr>
+            </a:lvl8pPr>
+            <a:lvl9pPr marL="3886200" indent="-228600" eaLnBrk="0" fontAlgn="base" hangingPunct="0">
+              <a:spcBef>
+                <a:spcPct val="0"/>
+              </a:spcBef>
+              <a:spcAft>
+                <a:spcPct val="0"/>
+              </a:spcAft>
+              <a:defRPr>
+                <a:solidFill>
+                  <a:schemeClr val="tx1"/>
+                </a:solidFill>
+                <a:latin typeface="Arial" charset="0"/>
+                <a:cs typeface="Arial" charset="0"/>
+              </a:defRPr>
+            </a:lvl9pPr>
+          </a:lstStyle>
+          <a:p>
+            <a:pPr eaLnBrk="1" hangingPunct="1"/>
+            <a:r>
+              <a:rPr lang="en-US" altLang="en-US" sz="1400" dirty="0"/>
+              <a:t>Likelihood</a:t>
+            </a:r>
+          </a:p>
+        </p:txBody>
+      </p:sp>
+    </p:spTree>
+    <p:extLst>
+      <p:ext uri="{BB962C8B-B14F-4D97-AF65-F5344CB8AC3E}">
+        <p14:creationId xmlns:p14="http://schemas.microsoft.com/office/powerpoint/2010/main" val="1398733768"/>
+      </p:ext>
+    </p:extLst>
+  </p:cSld>
+  <p:clrMapOvr>
+    <a:masterClrMapping/>
+  </p:clrMapOvr>
+  <p:timing>
+    <p:tnLst>
+      <p:par>
+        <p:cTn id="1" dur="indefinite" restart="never" nodeType="tmRoot"/>
+      </p:par>
+    </p:tnLst>
+  </p:timing>
+</p:sld>
+</file>
+
+<file path=ppt/slides/slide3.xml><?xml version="1.0" encoding="utf-8"?>
+<p:sld xmlns:a="http://schemas.openxmlformats.org/drawingml/2006/main" xmlns:r="http://schemas.openxmlformats.org/officeDocument/2006/relationships" xmlns:p="http://schemas.openxmlformats.org/presentationml/2006/main">
+  <p:cSld>
+    <p:spTree>
+      <p:nvGrpSpPr>
+        <p:cNvPr id="1" name=""/>
+        <p:cNvGrpSpPr/>
+        <p:nvPr/>
+      </p:nvGrpSpPr>
+      <p:grpSpPr>
+        <a:xfrm>
+          <a:off x="0" y="0"/>
+          <a:ext cx="0" cy="0"/>
+          <a:chOff x="0" y="0"/>
+          <a:chExt cx="0" cy="0"/>
+        </a:xfrm>
+      </p:grpSpPr>
+      <p:sp>
+        <p:nvSpPr>
+          <p:cNvPr id="2" name="Title 1"/>
+          <p:cNvSpPr>
+            <a:spLocks noGrp="1"/>
+          </p:cNvSpPr>
+          <p:nvPr>
+            <p:ph type="title"/>
+          </p:nvPr>
+        </p:nvSpPr>
+        <p:spPr/>
+        <p:txBody>
+          <a:bodyPr/>
+          <a:lstStyle/>
+          <a:p>
+            <a:r>
+              <a:rPr lang="en-US" dirty="0" smtClean="0"/>
+              <a:t>Risks</a:t>
+            </a:r>
+            <a:endParaRPr lang="en-US" dirty="0"/>
+          </a:p>
+        </p:txBody>
+      </p:sp>
+      <p:graphicFrame>
+        <p:nvGraphicFramePr>
+          <p:cNvPr id="6" name="Table 5"/>
+          <p:cNvGraphicFramePr>
+            <a:graphicFrameLocks noGrp="1"/>
+          </p:cNvGraphicFramePr>
+          <p:nvPr>
+            <p:extLst>
+              <p:ext uri="{D42A27DB-BD31-4B8C-83A1-F6EECF244321}">
+                <p14:modId xmlns:p14="http://schemas.microsoft.com/office/powerpoint/2010/main" val="3333612824"/>
+              </p:ext>
+            </p:extLst>
+          </p:nvPr>
+        </p:nvGraphicFramePr>
+        <p:xfrm>
+          <a:off x="990600" y="1143000"/>
+          <a:ext cx="7204456" cy="2209800"/>
+        </p:xfrm>
+        <a:graphic>
+          <a:graphicData uri="http://schemas.openxmlformats.org/drawingml/2006/table">
+            <a:tbl>
+              <a:tblPr firstRow="1" bandRow="1">
+                <a:tableStyleId>{E929F9F4-4A8F-4326-A1B4-22849713DDAB}</a:tableStyleId>
+              </a:tblPr>
+              <a:tblGrid>
+                <a:gridCol w="247650"/>
+                <a:gridCol w="4416679"/>
+                <a:gridCol w="1079627"/>
+                <a:gridCol w="1460500"/>
+              </a:tblGrid>
+              <a:tr h="370840">
+                <a:tc>
+                  <a:txBody>
+                    <a:bodyPr/>
+                    <a:lstStyle/>
+                    <a:p>
+                      <a:pPr algn="ctr" rtl="0" fontAlgn="b"/>
+                      <a:endParaRPr lang="en-US" dirty="0">
+                        <a:solidFill>
+                          <a:srgbClr val="000000"/>
+                        </a:solidFill>
+                        <a:effectLst/>
+                      </a:endParaRPr>
+                    </a:p>
+                  </a:txBody>
+                  <a:tcPr marL="28575" marR="28575" marT="0" marB="0" anchor="b"/>
+                </a:tc>
+                <a:tc>
+                  <a:txBody>
+                    <a:bodyPr/>
+                    <a:lstStyle/>
+                    <a:p>
+                      <a:pPr algn="ctr" rtl="0" fontAlgn="b"/>
+                      <a:r>
+                        <a:rPr lang="en-US" dirty="0">
+                          <a:effectLst/>
+                        </a:rPr>
+                        <a:t>Risk</a:t>
+                      </a:r>
+                      <a:endParaRPr lang="en-US" dirty="0">
+                        <a:solidFill>
+                          <a:srgbClr val="000000"/>
+                        </a:solidFill>
+                        <a:effectLst/>
+                      </a:endParaRPr>
+                    </a:p>
+                  </a:txBody>
+                  <a:tcPr marL="28575" marR="28575" marT="0" marB="0" anchor="b"/>
+                </a:tc>
+                <a:tc>
+                  <a:txBody>
+                    <a:bodyPr/>
+                    <a:lstStyle/>
+                    <a:p>
+                      <a:pPr algn="ctr" rtl="0" fontAlgn="b"/>
+                      <a:r>
+                        <a:rPr lang="en-US" dirty="0" smtClean="0">
+                          <a:effectLst/>
+                        </a:rPr>
+                        <a:t>Likelihood</a:t>
+                      </a:r>
+                      <a:endParaRPr lang="en-US" dirty="0">
+                        <a:solidFill>
+                          <a:srgbClr val="000000"/>
+                        </a:solidFill>
+                        <a:effectLst/>
+                      </a:endParaRPr>
+                    </a:p>
+                  </a:txBody>
+                  <a:tcPr marL="28575" marR="28575" marT="0" marB="0" anchor="b"/>
+                </a:tc>
+                <a:tc>
+                  <a:txBody>
+                    <a:bodyPr/>
+                    <a:lstStyle/>
+                    <a:p>
+                      <a:pPr algn="ctr" rtl="0" fontAlgn="b"/>
+                      <a:r>
+                        <a:rPr lang="en-US" dirty="0">
+                          <a:effectLst/>
+                        </a:rPr>
+                        <a:t>Consequences</a:t>
+                      </a:r>
+                      <a:endParaRPr lang="en-US" dirty="0">
+                        <a:solidFill>
+                          <a:srgbClr val="000000"/>
+                        </a:solidFill>
+                        <a:effectLst/>
+                      </a:endParaRPr>
+                    </a:p>
+                  </a:txBody>
+                  <a:tcPr marL="28575" marR="28575" marT="0" marB="0" anchor="b"/>
+                </a:tc>
+              </a:tr>
+              <a:tr h="238760">
+                <a:tc>
+                  <a:txBody>
+                    <a:bodyPr/>
+                    <a:lstStyle/>
+                    <a:p>
+                      <a:pPr algn="ctr" rtl="0" fontAlgn="b"/>
+                      <a:r>
+                        <a:rPr lang="en-US" sz="1200" dirty="0" smtClean="0">
+                          <a:solidFill>
+                            <a:schemeClr val="bg1"/>
+                          </a:solidFill>
+                          <a:effectLst/>
+                        </a:rPr>
+                        <a:t>9</a:t>
+                      </a:r>
+                      <a:endParaRPr lang="en-US" sz="1200" dirty="0">
+                        <a:solidFill>
+                          <a:schemeClr val="bg1"/>
+                        </a:solidFill>
+                        <a:effectLst/>
+                      </a:endParaRPr>
+                    </a:p>
+                  </a:txBody>
+                  <a:tcPr marL="28575" marR="28575" marT="0" marB="0" anchor="ctr"/>
+                </a:tc>
+                <a:tc>
+                  <a:txBody>
+                    <a:bodyPr/>
+                    <a:lstStyle/>
+                    <a:p>
+                      <a:pPr algn="ctr" rtl="0" fontAlgn="b"/>
+                      <a:r>
+                        <a:rPr lang="en-US" sz="1200" dirty="0">
+                          <a:effectLst/>
+                        </a:rPr>
+                        <a:t>An error occurs during the integration of spacecraft components</a:t>
+                      </a:r>
+                      <a:endParaRPr lang="en-US" sz="1200" dirty="0">
+                        <a:solidFill>
+                          <a:srgbClr val="000000"/>
+                        </a:solidFill>
+                        <a:effectLst/>
+                      </a:endParaRPr>
+                    </a:p>
+                  </a:txBody>
+                  <a:tcPr marL="28575" marR="28575" marT="0" marB="0" anchor="ctr"/>
+                </a:tc>
+                <a:tc>
+                  <a:txBody>
+                    <a:bodyPr/>
+                    <a:lstStyle/>
+                    <a:p>
+                      <a:pPr algn="ctr" rtl="0" fontAlgn="b"/>
+                      <a:r>
+                        <a:rPr lang="en-US" sz="1200">
+                          <a:effectLst/>
+                        </a:rPr>
+                        <a:t>2</a:t>
+                      </a:r>
+                      <a:endParaRPr lang="en-US" sz="1200">
+                        <a:solidFill>
+                          <a:srgbClr val="000000"/>
+                        </a:solidFill>
+                        <a:effectLst/>
+                      </a:endParaRPr>
+                    </a:p>
+                  </a:txBody>
+                  <a:tcPr marL="28575" marR="28575" marT="0" marB="0" anchor="ctr"/>
+                </a:tc>
+                <a:tc>
+                  <a:txBody>
+                    <a:bodyPr/>
+                    <a:lstStyle/>
+                    <a:p>
+                      <a:pPr algn="ctr" rtl="0" fontAlgn="b"/>
+                      <a:r>
+                        <a:rPr lang="en-US" sz="1200">
+                          <a:effectLst/>
+                        </a:rPr>
+                        <a:t>4</a:t>
+                      </a:r>
+                      <a:endParaRPr lang="en-US" sz="1200">
+                        <a:solidFill>
+                          <a:srgbClr val="000000"/>
+                        </a:solidFill>
+                        <a:effectLst/>
+                      </a:endParaRPr>
+                    </a:p>
+                  </a:txBody>
+                  <a:tcPr marL="28575" marR="28575" marT="0" marB="0" anchor="ctr"/>
+                </a:tc>
+              </a:tr>
+              <a:tr h="228600">
+                <a:tc>
+                  <a:txBody>
+                    <a:bodyPr/>
+                    <a:lstStyle/>
+                    <a:p>
+                      <a:pPr algn="ctr" rtl="0" fontAlgn="b"/>
+                      <a:r>
+                        <a:rPr lang="en-US" sz="1200" dirty="0" smtClean="0">
+                          <a:solidFill>
+                            <a:schemeClr val="bg1"/>
+                          </a:solidFill>
+                          <a:effectLst/>
+                        </a:rPr>
+                        <a:t>10</a:t>
+                      </a:r>
+                      <a:endParaRPr lang="en-US" sz="1200" dirty="0">
+                        <a:solidFill>
+                          <a:schemeClr val="bg1"/>
+                        </a:solidFill>
+                        <a:effectLst/>
+                      </a:endParaRPr>
+                    </a:p>
+                  </a:txBody>
+                  <a:tcPr marL="28575" marR="28575" marT="0" marB="0" anchor="ctr"/>
+                </a:tc>
+                <a:tc>
+                  <a:txBody>
+                    <a:bodyPr/>
+                    <a:lstStyle/>
+                    <a:p>
+                      <a:pPr algn="ctr" rtl="0" fontAlgn="b"/>
+                      <a:r>
+                        <a:rPr lang="en-US" sz="1200" dirty="0">
+                          <a:effectLst/>
+                        </a:rPr>
+                        <a:t>Deorbits before six months</a:t>
+                      </a:r>
+                      <a:endParaRPr lang="en-US" sz="1200" dirty="0">
+                        <a:solidFill>
+                          <a:srgbClr val="000000"/>
+                        </a:solidFill>
+                        <a:effectLst/>
+                      </a:endParaRPr>
+                    </a:p>
+                  </a:txBody>
+                  <a:tcPr marL="28575" marR="28575" marT="0" marB="0" anchor="ctr"/>
+                </a:tc>
+                <a:tc>
+                  <a:txBody>
+                    <a:bodyPr/>
+                    <a:lstStyle/>
+                    <a:p>
+                      <a:pPr algn="ctr" rtl="0" fontAlgn="b"/>
+                      <a:r>
+                        <a:rPr lang="en-US" sz="1200">
+                          <a:effectLst/>
+                        </a:rPr>
+                        <a:t>1</a:t>
+                      </a:r>
+                      <a:endParaRPr lang="en-US" sz="1200">
+                        <a:solidFill>
+                          <a:srgbClr val="000000"/>
+                        </a:solidFill>
+                        <a:effectLst/>
+                      </a:endParaRPr>
+                    </a:p>
+                  </a:txBody>
+                  <a:tcPr marL="28575" marR="28575" marT="0" marB="0" anchor="ctr"/>
+                </a:tc>
+                <a:tc>
+                  <a:txBody>
+                    <a:bodyPr/>
+                    <a:lstStyle/>
+                    <a:p>
+                      <a:pPr algn="ctr" rtl="0" fontAlgn="b"/>
+                      <a:r>
+                        <a:rPr lang="en-US" sz="1200">
+                          <a:effectLst/>
+                        </a:rPr>
+                        <a:t>5</a:t>
+                      </a:r>
+                      <a:endParaRPr lang="en-US" sz="1200">
+                        <a:solidFill>
+                          <a:srgbClr val="000000"/>
+                        </a:solidFill>
+                        <a:effectLst/>
+                      </a:endParaRPr>
+                    </a:p>
+                  </a:txBody>
+                  <a:tcPr marL="28575" marR="28575" marT="0" marB="0" anchor="ctr"/>
+                </a:tc>
+              </a:tr>
+              <a:tr h="228600">
+                <a:tc>
+                  <a:txBody>
+                    <a:bodyPr/>
+                    <a:lstStyle/>
+                    <a:p>
+                      <a:pPr algn="ctr" rtl="0" fontAlgn="b"/>
+                      <a:r>
+                        <a:rPr lang="en-US" sz="1200" dirty="0" smtClean="0">
+                          <a:solidFill>
+                            <a:schemeClr val="bg1"/>
+                          </a:solidFill>
+                          <a:effectLst/>
+                        </a:rPr>
+                        <a:t>11</a:t>
+                      </a:r>
+                      <a:endParaRPr lang="en-US" sz="1200" dirty="0">
+                        <a:solidFill>
+                          <a:schemeClr val="bg1"/>
+                        </a:solidFill>
+                        <a:effectLst/>
+                      </a:endParaRPr>
+                    </a:p>
+                  </a:txBody>
+                  <a:tcPr marL="28575" marR="28575" marT="0" marB="0" anchor="ctr"/>
+                </a:tc>
+                <a:tc>
+                  <a:txBody>
+                    <a:bodyPr/>
+                    <a:lstStyle/>
+                    <a:p>
+                      <a:pPr algn="ctr" rtl="0" fontAlgn="b"/>
+                      <a:r>
+                        <a:rPr lang="en-US" sz="1200" dirty="0">
+                          <a:effectLst/>
+                        </a:rPr>
+                        <a:t>A spacecraft component fails on orbit</a:t>
+                      </a:r>
+                      <a:endParaRPr lang="en-US" sz="1200" dirty="0">
+                        <a:solidFill>
+                          <a:srgbClr val="000000"/>
+                        </a:solidFill>
+                        <a:effectLst/>
+                      </a:endParaRPr>
+                    </a:p>
+                  </a:txBody>
+                  <a:tcPr marL="28575" marR="28575" marT="0" marB="0" anchor="ctr"/>
+                </a:tc>
+                <a:tc>
+                  <a:txBody>
+                    <a:bodyPr/>
+                    <a:lstStyle/>
+                    <a:p>
+                      <a:pPr algn="ctr" rtl="0" fontAlgn="b"/>
+                      <a:r>
+                        <a:rPr lang="en-US" sz="1200" dirty="0">
+                          <a:effectLst/>
+                        </a:rPr>
+                        <a:t>1</a:t>
+                      </a:r>
+                      <a:endParaRPr lang="en-US" sz="1200" dirty="0">
+                        <a:solidFill>
+                          <a:srgbClr val="000000"/>
+                        </a:solidFill>
+                        <a:effectLst/>
+                      </a:endParaRPr>
+                    </a:p>
+                  </a:txBody>
+                  <a:tcPr marL="28575" marR="28575" marT="0" marB="0" anchor="ctr"/>
+                </a:tc>
+                <a:tc>
+                  <a:txBody>
+                    <a:bodyPr/>
+                    <a:lstStyle/>
+                    <a:p>
+                      <a:pPr algn="ctr" rtl="0" fontAlgn="b"/>
+                      <a:r>
+                        <a:rPr lang="en-US" sz="1200">
+                          <a:effectLst/>
+                        </a:rPr>
+                        <a:t>3</a:t>
+                      </a:r>
+                      <a:endParaRPr lang="en-US" sz="1200">
+                        <a:solidFill>
+                          <a:srgbClr val="000000"/>
+                        </a:solidFill>
+                        <a:effectLst/>
+                      </a:endParaRPr>
+                    </a:p>
+                  </a:txBody>
+                  <a:tcPr marL="28575" marR="28575" marT="0" marB="0" anchor="ctr"/>
+                </a:tc>
+              </a:tr>
+              <a:tr h="228600">
+                <a:tc>
+                  <a:txBody>
+                    <a:bodyPr/>
+                    <a:lstStyle/>
+                    <a:p>
+                      <a:pPr algn="ctr" rtl="0" fontAlgn="b"/>
+                      <a:r>
+                        <a:rPr lang="en-US" sz="1200" dirty="0" smtClean="0">
+                          <a:solidFill>
+                            <a:schemeClr val="bg1"/>
+                          </a:solidFill>
+                          <a:effectLst/>
+                        </a:rPr>
+                        <a:t>12</a:t>
+                      </a:r>
+                      <a:endParaRPr lang="en-US" sz="1200" dirty="0">
+                        <a:solidFill>
+                          <a:schemeClr val="bg1"/>
+                        </a:solidFill>
+                        <a:effectLst/>
+                      </a:endParaRPr>
+                    </a:p>
+                  </a:txBody>
+                  <a:tcPr marL="28575" marR="28575" marT="0" marB="0" anchor="ctr"/>
+                </a:tc>
+                <a:tc>
+                  <a:txBody>
+                    <a:bodyPr/>
+                    <a:lstStyle/>
+                    <a:p>
+                      <a:pPr algn="ctr" rtl="0" fontAlgn="b"/>
+                      <a:r>
+                        <a:rPr lang="en-US" sz="1200" dirty="0">
+                          <a:effectLst/>
+                        </a:rPr>
+                        <a:t>A leak develops on the propulsion unit</a:t>
+                      </a:r>
+                      <a:endParaRPr lang="en-US" sz="1200" dirty="0">
+                        <a:solidFill>
+                          <a:srgbClr val="000000"/>
+                        </a:solidFill>
+                        <a:effectLst/>
+                      </a:endParaRPr>
+                    </a:p>
+                  </a:txBody>
+                  <a:tcPr marL="28575" marR="28575" marT="0" marB="0" anchor="ctr"/>
+                </a:tc>
+                <a:tc>
+                  <a:txBody>
+                    <a:bodyPr/>
+                    <a:lstStyle/>
+                    <a:p>
+                      <a:pPr algn="ctr" rtl="0" fontAlgn="b"/>
+                      <a:r>
+                        <a:rPr lang="en-US" sz="1200" dirty="0">
+                          <a:effectLst/>
+                        </a:rPr>
+                        <a:t>1</a:t>
+                      </a:r>
+                      <a:endParaRPr lang="en-US" sz="1200" dirty="0">
+                        <a:solidFill>
+                          <a:srgbClr val="000000"/>
+                        </a:solidFill>
+                        <a:effectLst/>
+                      </a:endParaRPr>
+                    </a:p>
+                  </a:txBody>
+                  <a:tcPr marL="28575" marR="28575" marT="0" marB="0" anchor="ctr"/>
+                </a:tc>
+                <a:tc>
+                  <a:txBody>
+                    <a:bodyPr/>
+                    <a:lstStyle/>
+                    <a:p>
+                      <a:pPr algn="ctr" rtl="0" fontAlgn="b"/>
+                      <a:r>
+                        <a:rPr lang="en-US" sz="1200">
+                          <a:effectLst/>
+                        </a:rPr>
+                        <a:t>3</a:t>
+                      </a:r>
+                      <a:endParaRPr lang="en-US" sz="1200">
+                        <a:solidFill>
+                          <a:srgbClr val="000000"/>
+                        </a:solidFill>
+                        <a:effectLst/>
+                      </a:endParaRPr>
+                    </a:p>
+                  </a:txBody>
+                  <a:tcPr marL="28575" marR="28575" marT="0" marB="0" anchor="ctr"/>
+                </a:tc>
+              </a:tr>
+              <a:tr h="228600">
+                <a:tc>
+                  <a:txBody>
+                    <a:bodyPr/>
+                    <a:lstStyle/>
+                    <a:p>
+                      <a:pPr algn="ctr" rtl="0" fontAlgn="b"/>
+                      <a:r>
+                        <a:rPr lang="en-US" sz="1200" dirty="0" smtClean="0">
+                          <a:solidFill>
+                            <a:schemeClr val="bg1"/>
+                          </a:solidFill>
+                          <a:effectLst/>
+                        </a:rPr>
+                        <a:t>13</a:t>
+                      </a:r>
+                      <a:endParaRPr lang="en-US" sz="1200" dirty="0">
+                        <a:solidFill>
+                          <a:schemeClr val="bg1"/>
+                        </a:solidFill>
+                        <a:effectLst/>
+                      </a:endParaRPr>
+                    </a:p>
+                  </a:txBody>
+                  <a:tcPr marL="28575" marR="28575" marT="0" marB="0" anchor="ctr"/>
+                </a:tc>
+                <a:tc>
+                  <a:txBody>
+                    <a:bodyPr/>
+                    <a:lstStyle/>
+                    <a:p>
+                      <a:pPr algn="ctr" rtl="0" fontAlgn="b"/>
+                      <a:r>
+                        <a:rPr lang="en-US" sz="1200">
+                          <a:effectLst/>
+                        </a:rPr>
+                        <a:t>A failure occurs on the satellite during launch</a:t>
+                      </a:r>
+                      <a:endParaRPr lang="en-US" sz="1200">
+                        <a:solidFill>
+                          <a:srgbClr val="000000"/>
+                        </a:solidFill>
+                        <a:effectLst/>
+                      </a:endParaRPr>
+                    </a:p>
+                  </a:txBody>
+                  <a:tcPr marL="28575" marR="28575" marT="0" marB="0" anchor="ctr"/>
+                </a:tc>
+                <a:tc>
+                  <a:txBody>
+                    <a:bodyPr/>
+                    <a:lstStyle/>
+                    <a:p>
+                      <a:pPr algn="ctr" rtl="0" fontAlgn="b"/>
+                      <a:r>
+                        <a:rPr lang="en-US" sz="1200" dirty="0">
+                          <a:effectLst/>
+                        </a:rPr>
+                        <a:t>1</a:t>
+                      </a:r>
+                      <a:endParaRPr lang="en-US" sz="1200" dirty="0">
+                        <a:solidFill>
+                          <a:srgbClr val="000000"/>
+                        </a:solidFill>
+                        <a:effectLst/>
+                      </a:endParaRPr>
+                    </a:p>
+                  </a:txBody>
+                  <a:tcPr marL="28575" marR="28575" marT="0" marB="0" anchor="ctr"/>
+                </a:tc>
+                <a:tc>
+                  <a:txBody>
+                    <a:bodyPr/>
+                    <a:lstStyle/>
+                    <a:p>
+                      <a:pPr algn="ctr" rtl="0" fontAlgn="b"/>
+                      <a:r>
+                        <a:rPr lang="en-US" sz="1200">
+                          <a:effectLst/>
+                        </a:rPr>
+                        <a:t>3</a:t>
+                      </a:r>
+                      <a:endParaRPr lang="en-US" sz="1200">
+                        <a:solidFill>
+                          <a:srgbClr val="000000"/>
+                        </a:solidFill>
+                        <a:effectLst/>
+                      </a:endParaRPr>
+                    </a:p>
+                  </a:txBody>
+                  <a:tcPr marL="28575" marR="28575" marT="0" marB="0" anchor="ctr"/>
+                </a:tc>
+              </a:tr>
+              <a:tr h="228600">
+                <a:tc>
+                  <a:txBody>
+                    <a:bodyPr/>
+                    <a:lstStyle/>
+                    <a:p>
+                      <a:pPr algn="ctr" rtl="0" fontAlgn="b"/>
+                      <a:r>
+                        <a:rPr lang="en-US" sz="1200" dirty="0" smtClean="0">
+                          <a:solidFill>
+                            <a:schemeClr val="bg1"/>
+                          </a:solidFill>
+                          <a:effectLst/>
+                        </a:rPr>
+                        <a:t>14</a:t>
+                      </a:r>
+                      <a:endParaRPr lang="en-US" sz="1200" dirty="0">
+                        <a:solidFill>
+                          <a:schemeClr val="bg1"/>
+                        </a:solidFill>
+                        <a:effectLst/>
+                      </a:endParaRPr>
+                    </a:p>
+                  </a:txBody>
+                  <a:tcPr marL="28575" marR="28575" marT="0" marB="0" anchor="ctr"/>
+                </a:tc>
+                <a:tc>
+                  <a:txBody>
+                    <a:bodyPr/>
+                    <a:lstStyle/>
+                    <a:p>
+                      <a:pPr algn="ctr" rtl="0" fontAlgn="b"/>
+                      <a:r>
+                        <a:rPr lang="en-US" sz="1200">
+                          <a:effectLst/>
+                        </a:rPr>
+                        <a:t>Solar panels malfunction</a:t>
+                      </a:r>
+                      <a:endParaRPr lang="en-US" sz="1200">
+                        <a:solidFill>
+                          <a:srgbClr val="000000"/>
+                        </a:solidFill>
+                        <a:effectLst/>
+                      </a:endParaRPr>
+                    </a:p>
+                  </a:txBody>
+                  <a:tcPr marL="28575" marR="28575" marT="0" marB="0" anchor="ctr"/>
+                </a:tc>
+                <a:tc>
+                  <a:txBody>
+                    <a:bodyPr/>
+                    <a:lstStyle/>
+                    <a:p>
+                      <a:pPr algn="ctr" rtl="0" fontAlgn="b"/>
+                      <a:r>
+                        <a:rPr lang="en-US" sz="1200" dirty="0">
+                          <a:effectLst/>
+                        </a:rPr>
+                        <a:t>2</a:t>
+                      </a:r>
+                      <a:endParaRPr lang="en-US" sz="1200" dirty="0">
+                        <a:solidFill>
+                          <a:srgbClr val="000000"/>
+                        </a:solidFill>
+                        <a:effectLst/>
+                      </a:endParaRPr>
+                    </a:p>
+                  </a:txBody>
+                  <a:tcPr marL="28575" marR="28575" marT="0" marB="0" anchor="ctr"/>
+                </a:tc>
+                <a:tc>
+                  <a:txBody>
+                    <a:bodyPr/>
+                    <a:lstStyle/>
+                    <a:p>
+                      <a:pPr algn="ctr" rtl="0" fontAlgn="b"/>
+                      <a:r>
+                        <a:rPr lang="en-US" sz="1200">
+                          <a:effectLst/>
+                        </a:rPr>
+                        <a:t>3</a:t>
+                      </a:r>
+                      <a:endParaRPr lang="en-US" sz="1200">
+                        <a:solidFill>
+                          <a:srgbClr val="000000"/>
+                        </a:solidFill>
+                        <a:effectLst/>
+                      </a:endParaRPr>
+                    </a:p>
+                  </a:txBody>
+                  <a:tcPr marL="28575" marR="28575" marT="0" marB="0" anchor="ctr"/>
+                </a:tc>
+              </a:tr>
+              <a:tr h="228600">
+                <a:tc>
+                  <a:txBody>
+                    <a:bodyPr/>
+                    <a:lstStyle/>
+                    <a:p>
+                      <a:pPr algn="ctr" rtl="0" fontAlgn="b"/>
+                      <a:r>
+                        <a:rPr lang="en-US" sz="1200" dirty="0" smtClean="0">
+                          <a:solidFill>
+                            <a:schemeClr val="bg1"/>
+                          </a:solidFill>
+                          <a:effectLst/>
+                        </a:rPr>
+                        <a:t>15</a:t>
+                      </a:r>
+                      <a:endParaRPr lang="en-US" sz="1200" dirty="0">
+                        <a:solidFill>
+                          <a:schemeClr val="bg1"/>
+                        </a:solidFill>
+                        <a:effectLst/>
+                      </a:endParaRPr>
+                    </a:p>
+                  </a:txBody>
+                  <a:tcPr marL="28575" marR="28575" marT="0" marB="0" anchor="ctr"/>
+                </a:tc>
+                <a:tc>
+                  <a:txBody>
+                    <a:bodyPr/>
+                    <a:lstStyle/>
+                    <a:p>
+                      <a:pPr algn="ctr" rtl="0" fontAlgn="b"/>
+                      <a:r>
+                        <a:rPr lang="en-US" sz="1200">
+                          <a:effectLst/>
+                        </a:rPr>
+                        <a:t>Spacecraft components operate out of operational temperature range</a:t>
+                      </a:r>
+                      <a:endParaRPr lang="en-US" sz="1200">
+                        <a:solidFill>
+                          <a:srgbClr val="000000"/>
+                        </a:solidFill>
+                        <a:effectLst/>
+                      </a:endParaRPr>
+                    </a:p>
+                  </a:txBody>
+                  <a:tcPr marL="28575" marR="28575" marT="0" marB="0" anchor="ctr"/>
+                </a:tc>
+                <a:tc>
+                  <a:txBody>
+                    <a:bodyPr/>
+                    <a:lstStyle/>
+                    <a:p>
+                      <a:pPr algn="ctr" rtl="0" fontAlgn="b"/>
+                      <a:r>
+                        <a:rPr lang="en-US" sz="1200" dirty="0">
+                          <a:effectLst/>
+                        </a:rPr>
+                        <a:t>1</a:t>
+                      </a:r>
+                      <a:endParaRPr lang="en-US" sz="1200" dirty="0">
+                        <a:solidFill>
+                          <a:srgbClr val="000000"/>
+                        </a:solidFill>
+                        <a:effectLst/>
+                      </a:endParaRPr>
+                    </a:p>
+                  </a:txBody>
+                  <a:tcPr marL="28575" marR="28575" marT="0" marB="0" anchor="ctr"/>
+                </a:tc>
+                <a:tc>
+                  <a:txBody>
+                    <a:bodyPr/>
+                    <a:lstStyle/>
+                    <a:p>
+                      <a:pPr algn="ctr" rtl="0" fontAlgn="b"/>
+                      <a:r>
+                        <a:rPr lang="en-US" sz="1200" dirty="0" smtClean="0">
+                          <a:solidFill>
+                            <a:schemeClr val="lt1"/>
+                          </a:solidFill>
+                          <a:effectLst/>
+                        </a:rPr>
+                        <a:t>2</a:t>
+                      </a:r>
+                      <a:endParaRPr lang="en-US" sz="1200" dirty="0">
+                        <a:solidFill>
+                          <a:srgbClr val="000000"/>
+                        </a:solidFill>
+                        <a:effectLst/>
+                      </a:endParaRPr>
+                    </a:p>
+                  </a:txBody>
+                  <a:tcPr marL="28575" marR="28575" marT="0" marB="0" anchor="ctr"/>
+                </a:tc>
+              </a:tr>
+              <a:tr h="228600">
+                <a:tc>
+                  <a:txBody>
+                    <a:bodyPr/>
+                    <a:lstStyle/>
+                    <a:p>
+                      <a:pPr algn="ctr" rtl="0" fontAlgn="b"/>
+                      <a:r>
+                        <a:rPr lang="en-US" sz="1200" dirty="0" smtClean="0">
+                          <a:solidFill>
+                            <a:schemeClr val="bg1"/>
+                          </a:solidFill>
+                          <a:effectLst/>
+                        </a:rPr>
+                        <a:t>16</a:t>
+                      </a:r>
+                      <a:endParaRPr lang="en-US" sz="1200" dirty="0">
+                        <a:solidFill>
+                          <a:schemeClr val="bg1"/>
+                        </a:solidFill>
+                        <a:effectLst/>
+                      </a:endParaRPr>
+                    </a:p>
+                  </a:txBody>
+                  <a:tcPr marL="28575" marR="28575" marT="0" marB="0" anchor="ctr"/>
+                </a:tc>
+                <a:tc>
+                  <a:txBody>
+                    <a:bodyPr/>
+                    <a:lstStyle/>
+                    <a:p>
+                      <a:pPr algn="ctr" rtl="0" fontAlgn="b"/>
+                      <a:r>
+                        <a:rPr lang="en-US" sz="1200" dirty="0">
+                          <a:effectLst/>
+                        </a:rPr>
+                        <a:t>Radiation damage</a:t>
+                      </a:r>
+                      <a:endParaRPr lang="en-US" sz="1200" dirty="0">
+                        <a:solidFill>
+                          <a:srgbClr val="000000"/>
+                        </a:solidFill>
+                        <a:effectLst/>
+                      </a:endParaRPr>
+                    </a:p>
+                  </a:txBody>
+                  <a:tcPr marL="28575" marR="28575" marT="0" marB="0" anchor="ctr"/>
+                </a:tc>
+                <a:tc>
+                  <a:txBody>
+                    <a:bodyPr/>
+                    <a:lstStyle/>
+                    <a:p>
+                      <a:pPr algn="ctr" rtl="0" fontAlgn="b"/>
+                      <a:r>
+                        <a:rPr lang="en-US" sz="1200">
+                          <a:effectLst/>
+                        </a:rPr>
+                        <a:t>1</a:t>
+                      </a:r>
+                      <a:endParaRPr lang="en-US" sz="1200">
+                        <a:solidFill>
+                          <a:srgbClr val="000000"/>
+                        </a:solidFill>
+                        <a:effectLst/>
+                      </a:endParaRPr>
+                    </a:p>
+                  </a:txBody>
+                  <a:tcPr marL="28575" marR="28575" marT="0" marB="0" anchor="ctr"/>
+                </a:tc>
+                <a:tc>
+                  <a:txBody>
+                    <a:bodyPr/>
+                    <a:lstStyle/>
+                    <a:p>
+                      <a:pPr algn="ctr" rtl="0" fontAlgn="b"/>
+                      <a:r>
+                        <a:rPr lang="en-US" sz="1200" dirty="0" smtClean="0">
+                          <a:solidFill>
+                            <a:schemeClr val="lt1"/>
+                          </a:solidFill>
+                          <a:effectLst/>
+                        </a:rPr>
+                        <a:t>2</a:t>
+                      </a:r>
+                      <a:endParaRPr lang="en-US" sz="1200" dirty="0">
+                        <a:solidFill>
+                          <a:srgbClr val="000000"/>
+                        </a:solidFill>
+                        <a:effectLst/>
+                      </a:endParaRPr>
+                    </a:p>
+                  </a:txBody>
+                  <a:tcPr marL="28575" marR="28575" marT="0" marB="0" anchor="ctr"/>
+                </a:tc>
+              </a:tr>
+            </a:tbl>
+          </a:graphicData>
+        </a:graphic>
+      </p:graphicFrame>
+      <p:graphicFrame>
+        <p:nvGraphicFramePr>
+          <p:cNvPr id="7" name="Table 6"/>
+          <p:cNvGraphicFramePr>
+            <a:graphicFrameLocks noGrp="1"/>
+          </p:cNvGraphicFramePr>
+          <p:nvPr>
+            <p:extLst>
+              <p:ext uri="{D42A27DB-BD31-4B8C-83A1-F6EECF244321}">
+                <p14:modId xmlns:p14="http://schemas.microsoft.com/office/powerpoint/2010/main" val="1365820760"/>
+              </p:ext>
+            </p:extLst>
+          </p:nvPr>
+        </p:nvGraphicFramePr>
+        <p:xfrm>
+          <a:off x="3286124" y="3634581"/>
+          <a:ext cx="2362200" cy="2537619"/>
+        </p:xfrm>
+        <a:graphic>
+          <a:graphicData uri="http://schemas.openxmlformats.org/drawingml/2006/table">
+            <a:tbl>
+              <a:tblPr firstRow="1" bandRow="1">
+                <a:tableStyleId>{2D5ABB26-0587-4C30-8999-92F81FD0307C}</a:tableStyleId>
+              </a:tblPr>
+              <a:tblGrid>
+                <a:gridCol w="393700"/>
+                <a:gridCol w="393700"/>
+                <a:gridCol w="393700"/>
+                <a:gridCol w="393700"/>
+                <a:gridCol w="393700"/>
+                <a:gridCol w="393700"/>
+              </a:tblGrid>
+              <a:tr h="419100">
+                <a:tc>
+                  <a:txBody>
+                    <a:bodyPr/>
+                    <a:lstStyle/>
+                    <a:p>
+                      <a:pPr algn="ctr"/>
+                      <a:r>
+                        <a:rPr lang="en-US" dirty="0" smtClean="0"/>
+                        <a:t>5</a:t>
+                      </a:r>
+                      <a:endParaRPr lang="en-US" dirty="0">
+                        <a:solidFill>
+                          <a:sysClr val="windowText" lastClr="000000"/>
+                        </a:solidFill>
+                      </a:endParaRPr>
+                    </a:p>
+                  </a:txBody>
+                  <a:tcPr anchor="ctr">
+                    <a:lnR w="12700" cap="flat" cmpd="sng" algn="ctr">
+                      <a:solidFill>
+                        <a:schemeClr val="tx1"/>
+                      </a:solidFill>
+                      <a:prstDash val="solid"/>
+                      <a:round/>
+                      <a:headEnd type="none" w="med" len="med"/>
+                      <a:tailEnd type="none" w="med" len="med"/>
+                    </a:lnR>
+                  </a:tcPr>
+                </a:tc>
+                <a:tc>
+                  <a:txBody>
+                    <a:bodyPr/>
+                    <a:lstStyle/>
+                    <a:p>
+                      <a:pPr algn="ctr"/>
+                      <a:endParaRPr lang="en-US" sz="1200" dirty="0"/>
+                    </a:p>
+                  </a:txBody>
+                  <a:tcPr anchor="ctr">
+                    <a:lnL w="12700" cap="flat" cmpd="sng" algn="ctr">
+                      <a:solidFill>
+                        <a:schemeClr val="tx1"/>
+                      </a:solidFill>
+                      <a:prstDash val="solid"/>
+                      <a:round/>
+                      <a:headEnd type="none" w="med" len="med"/>
+                      <a:tailEnd type="none" w="med" len="med"/>
+                    </a:lnL>
+                    <a:lnR w="12700" cap="flat" cmpd="sng" algn="ctr">
+                      <a:solidFill>
+                        <a:schemeClr val="tx1"/>
+                      </a:solidFill>
+                      <a:prstDash val="solid"/>
+                      <a:round/>
+                      <a:headEnd type="none" w="med" len="med"/>
+                      <a:tailEnd type="none" w="med" len="med"/>
+                    </a:lnR>
+                    <a:lnT w="12700" cap="flat" cmpd="sng" algn="ctr">
+                      <a:solidFill>
+                        <a:schemeClr val="tx1"/>
+                      </a:solidFill>
+                      <a:prstDash val="solid"/>
+                      <a:round/>
+                      <a:headEnd type="none" w="med" len="med"/>
+                      <a:tailEnd type="none" w="med" len="med"/>
+                    </a:lnT>
+                    <a:lnB w="12700" cap="flat" cmpd="sng" algn="ctr">
+                      <a:solidFill>
+                        <a:schemeClr val="tx1"/>
+                      </a:solidFill>
+                      <a:prstDash val="solid"/>
+                      <a:round/>
+                      <a:headEnd type="none" w="med" len="med"/>
+                      <a:tailEnd type="none" w="med" len="med"/>
+                    </a:lnB>
+                    <a:solidFill>
+                      <a:srgbClr val="18981B"/>
+                    </a:solidFill>
+                  </a:tcPr>
+                </a:tc>
+                <a:tc>
+                  <a:txBody>
+                    <a:bodyPr/>
+                    <a:lstStyle/>
+                    <a:p>
+                      <a:pPr algn="ctr"/>
+                      <a:endParaRPr lang="en-US" sz="1200" dirty="0"/>
+                    </a:p>
+                  </a:txBody>
+                  <a:tcPr anchor="ctr">
+                    <a:lnL w="12700" cap="flat" cmpd="sng" algn="ctr">
+                      <a:solidFill>
+                        <a:schemeClr val="tx1"/>
+                      </a:solidFill>
+                      <a:prstDash val="solid"/>
+                      <a:round/>
+                      <a:headEnd type="none" w="med" len="med"/>
+                      <a:tailEnd type="none" w="med" len="med"/>
+                    </a:lnL>
+                    <a:lnR w="12700" cap="flat" cmpd="sng" algn="ctr">
+                      <a:solidFill>
+                        <a:schemeClr val="tx1"/>
+                      </a:solidFill>
+                      <a:prstDash val="solid"/>
+                      <a:round/>
+                      <a:headEnd type="none" w="med" len="med"/>
+                      <a:tailEnd type="none" w="med" len="med"/>
+                    </a:lnR>
+                    <a:lnT w="12700" cap="flat" cmpd="sng" algn="ctr">
+                      <a:solidFill>
+                        <a:schemeClr val="tx1"/>
+                      </a:solidFill>
+                      <a:prstDash val="solid"/>
+                      <a:round/>
+                      <a:headEnd type="none" w="med" len="med"/>
+                      <a:tailEnd type="none" w="med" len="med"/>
+                    </a:lnT>
+                    <a:lnB w="12700" cap="flat" cmpd="sng" algn="ctr">
+                      <a:solidFill>
+                        <a:schemeClr val="tx1"/>
+                      </a:solidFill>
+                      <a:prstDash val="solid"/>
+                      <a:round/>
+                      <a:headEnd type="none" w="med" len="med"/>
+                      <a:tailEnd type="none" w="med" len="med"/>
+                    </a:lnB>
+                    <a:solidFill>
+                      <a:srgbClr val="FFFF00"/>
+                    </a:solidFill>
+                  </a:tcPr>
+                </a:tc>
+                <a:tc>
+                  <a:txBody>
+                    <a:bodyPr/>
+                    <a:lstStyle/>
+                    <a:p>
+                      <a:pPr algn="ctr"/>
+                      <a:endParaRPr lang="en-US" sz="1200" dirty="0"/>
+                    </a:p>
+                  </a:txBody>
+                  <a:tcPr anchor="ctr">
+                    <a:lnL w="12700" cap="flat" cmpd="sng" algn="ctr">
+                      <a:solidFill>
+                        <a:schemeClr val="tx1"/>
+                      </a:solidFill>
+                      <a:prstDash val="solid"/>
+                      <a:round/>
+                      <a:headEnd type="none" w="med" len="med"/>
+                      <a:tailEnd type="none" w="med" len="med"/>
+                    </a:lnL>
+                    <a:lnR w="12700" cap="flat" cmpd="sng" algn="ctr">
+                      <a:solidFill>
+                        <a:schemeClr val="tx1"/>
+                      </a:solidFill>
+                      <a:prstDash val="solid"/>
+                      <a:round/>
+                      <a:headEnd type="none" w="med" len="med"/>
+                      <a:tailEnd type="none" w="med" len="med"/>
+                    </a:lnR>
+                    <a:lnT w="12700" cap="flat" cmpd="sng" algn="ctr">
+                      <a:solidFill>
+                        <a:schemeClr val="tx1"/>
+                      </a:solidFill>
+                      <a:prstDash val="solid"/>
+                      <a:round/>
+                      <a:headEnd type="none" w="med" len="med"/>
+                      <a:tailEnd type="none" w="med" len="med"/>
+                    </a:lnT>
+                    <a:lnB w="12700" cap="flat" cmpd="sng" algn="ctr">
+                      <a:solidFill>
+                        <a:schemeClr val="tx1"/>
+                      </a:solidFill>
+                      <a:prstDash val="solid"/>
+                      <a:round/>
+                      <a:headEnd type="none" w="med" len="med"/>
+                      <a:tailEnd type="none" w="med" len="med"/>
+                    </a:lnB>
+                    <a:solidFill>
+                      <a:srgbClr val="FF0000"/>
+                    </a:solidFill>
+                  </a:tcPr>
+                </a:tc>
+                <a:tc>
+                  <a:txBody>
+                    <a:bodyPr/>
+                    <a:lstStyle/>
+                    <a:p>
+                      <a:pPr algn="ctr"/>
+                      <a:endParaRPr lang="en-US" sz="1200" dirty="0"/>
+                    </a:p>
+                  </a:txBody>
+                  <a:tcPr anchor="ctr">
+                    <a:lnL w="12700" cap="flat" cmpd="sng" algn="ctr">
+                      <a:solidFill>
+                        <a:schemeClr val="tx1"/>
+                      </a:solidFill>
+                      <a:prstDash val="solid"/>
+                      <a:round/>
+                      <a:headEnd type="none" w="med" len="med"/>
+                      <a:tailEnd type="none" w="med" len="med"/>
+                    </a:lnL>
+                    <a:lnR w="12700" cap="flat" cmpd="sng" algn="ctr">
+                      <a:solidFill>
+                        <a:schemeClr val="tx1"/>
+                      </a:solidFill>
+                      <a:prstDash val="solid"/>
+                      <a:round/>
+                      <a:headEnd type="none" w="med" len="med"/>
+                      <a:tailEnd type="none" w="med" len="med"/>
+                    </a:lnR>
+                    <a:lnT w="12700" cap="flat" cmpd="sng" algn="ctr">
+                      <a:solidFill>
+                        <a:schemeClr val="tx1"/>
+                      </a:solidFill>
+                      <a:prstDash val="solid"/>
+                      <a:round/>
+                      <a:headEnd type="none" w="med" len="med"/>
+                      <a:tailEnd type="none" w="med" len="med"/>
+                    </a:lnT>
+                    <a:lnB w="12700" cap="flat" cmpd="sng" algn="ctr">
+                      <a:solidFill>
+                        <a:schemeClr val="tx1"/>
+                      </a:solidFill>
+                      <a:prstDash val="solid"/>
+                      <a:round/>
+                      <a:headEnd type="none" w="med" len="med"/>
+                      <a:tailEnd type="none" w="med" len="med"/>
+                    </a:lnB>
+                    <a:solidFill>
+                      <a:srgbClr val="FF0000"/>
+                    </a:solidFill>
+                  </a:tcPr>
+                </a:tc>
+                <a:tc>
+                  <a:txBody>
+                    <a:bodyPr/>
+                    <a:lstStyle/>
+                    <a:p>
+                      <a:pPr algn="ctr"/>
+                      <a:endParaRPr lang="en-US" sz="1200" dirty="0"/>
+                    </a:p>
+                  </a:txBody>
+                  <a:tcPr anchor="ctr">
+                    <a:lnL w="12700" cap="flat" cmpd="sng" algn="ctr">
+                      <a:solidFill>
+                        <a:schemeClr val="tx1"/>
+                      </a:solidFill>
+                      <a:prstDash val="solid"/>
+                      <a:round/>
+                      <a:headEnd type="none" w="med" len="med"/>
+                      <a:tailEnd type="none" w="med" len="med"/>
+                    </a:lnL>
+                    <a:lnR w="12700" cap="flat" cmpd="sng" algn="ctr">
+                      <a:solidFill>
+                        <a:schemeClr val="tx1"/>
+                      </a:solidFill>
+                      <a:prstDash val="solid"/>
+                      <a:round/>
+                      <a:headEnd type="none" w="med" len="med"/>
+                      <a:tailEnd type="none" w="med" len="med"/>
+                    </a:lnR>
+                    <a:lnT w="12700" cap="flat" cmpd="sng" algn="ctr">
+                      <a:solidFill>
+                        <a:schemeClr val="tx1"/>
+                      </a:solidFill>
+                      <a:prstDash val="solid"/>
+                      <a:round/>
+                      <a:headEnd type="none" w="med" len="med"/>
+                      <a:tailEnd type="none" w="med" len="med"/>
+                    </a:lnT>
+                    <a:lnB w="12700" cap="flat" cmpd="sng" algn="ctr">
+                      <a:solidFill>
+                        <a:schemeClr val="tx1"/>
+                      </a:solidFill>
+                      <a:prstDash val="solid"/>
+                      <a:round/>
+                      <a:headEnd type="none" w="med" len="med"/>
+                      <a:tailEnd type="none" w="med" len="med"/>
+                    </a:lnB>
+                    <a:solidFill>
+                      <a:srgbClr val="FF0000"/>
+                    </a:solidFill>
+                  </a:tcPr>
+                </a:tc>
+              </a:tr>
+              <a:tr h="419100">
+                <a:tc>
+                  <a:txBody>
+                    <a:bodyPr/>
+                    <a:lstStyle/>
+                    <a:p>
+                      <a:pPr algn="ctr"/>
+                      <a:r>
+                        <a:rPr lang="en-US" dirty="0" smtClean="0"/>
+                        <a:t>4</a:t>
+                      </a:r>
+                      <a:endParaRPr lang="en-US" dirty="0"/>
+                    </a:p>
+                  </a:txBody>
+                  <a:tcPr anchor="ctr">
+                    <a:lnR w="12700" cap="flat" cmpd="sng" algn="ctr">
+                      <a:solidFill>
+                        <a:schemeClr val="tx1"/>
+                      </a:solidFill>
+                      <a:prstDash val="solid"/>
+                      <a:round/>
+                      <a:headEnd type="none" w="med" len="med"/>
+                      <a:tailEnd type="none" w="med" len="med"/>
+                    </a:lnR>
+                  </a:tcPr>
+                </a:tc>
+                <a:tc>
+                  <a:txBody>
+                    <a:bodyPr/>
+                    <a:lstStyle/>
+                    <a:p>
+                      <a:pPr algn="ctr"/>
+                      <a:endParaRPr lang="en-US" sz="1200" dirty="0"/>
+                    </a:p>
+                  </a:txBody>
+                  <a:tcPr anchor="ctr">
+                    <a:lnL w="12700" cap="flat" cmpd="sng" algn="ctr">
+                      <a:solidFill>
+                        <a:schemeClr val="tx1"/>
+                      </a:solidFill>
+                      <a:prstDash val="solid"/>
+                      <a:round/>
+                      <a:headEnd type="none" w="med" len="med"/>
+                      <a:tailEnd type="none" w="med" len="med"/>
+                    </a:lnL>
+                    <a:lnR w="12700" cap="flat" cmpd="sng" algn="ctr">
+                      <a:solidFill>
+                        <a:schemeClr val="tx1"/>
+                      </a:solidFill>
+                      <a:prstDash val="solid"/>
+                      <a:round/>
+                      <a:headEnd type="none" w="med" len="med"/>
+                      <a:tailEnd type="none" w="med" len="med"/>
+                    </a:lnR>
+                    <a:lnT w="12700" cap="flat" cmpd="sng" algn="ctr">
+                      <a:solidFill>
+                        <a:schemeClr val="tx1"/>
+                      </a:solidFill>
+                      <a:prstDash val="solid"/>
+                      <a:round/>
+                      <a:headEnd type="none" w="med" len="med"/>
+                      <a:tailEnd type="none" w="med" len="med"/>
+                    </a:lnT>
+                    <a:lnB w="12700" cap="flat" cmpd="sng" algn="ctr">
+                      <a:solidFill>
+                        <a:schemeClr val="tx1"/>
+                      </a:solidFill>
+                      <a:prstDash val="solid"/>
+                      <a:round/>
+                      <a:headEnd type="none" w="med" len="med"/>
+                      <a:tailEnd type="none" w="med" len="med"/>
+                    </a:lnB>
+                    <a:solidFill>
+                      <a:srgbClr val="18981B"/>
+                    </a:solidFill>
+                  </a:tcPr>
+                </a:tc>
+                <a:tc>
+                  <a:txBody>
+                    <a:bodyPr/>
+                    <a:lstStyle/>
+                    <a:p>
+                      <a:pPr algn="ctr"/>
+                      <a:endParaRPr lang="en-US" sz="1200" dirty="0"/>
+                    </a:p>
+                  </a:txBody>
+                  <a:tcPr anchor="ctr">
+                    <a:lnL w="12700" cap="flat" cmpd="sng" algn="ctr">
+                      <a:solidFill>
+                        <a:schemeClr val="tx1"/>
+                      </a:solidFill>
+                      <a:prstDash val="solid"/>
+                      <a:round/>
+                      <a:headEnd type="none" w="med" len="med"/>
+                      <a:tailEnd type="none" w="med" len="med"/>
+                    </a:lnL>
+                    <a:lnR w="12700" cap="flat" cmpd="sng" algn="ctr">
+                      <a:solidFill>
+                        <a:schemeClr val="tx1"/>
+                      </a:solidFill>
+                      <a:prstDash val="solid"/>
+                      <a:round/>
+                      <a:headEnd type="none" w="med" len="med"/>
+                      <a:tailEnd type="none" w="med" len="med"/>
+                    </a:lnR>
+                    <a:lnT w="12700" cap="flat" cmpd="sng" algn="ctr">
+                      <a:solidFill>
+                        <a:schemeClr val="tx1"/>
+                      </a:solidFill>
+                      <a:prstDash val="solid"/>
+                      <a:round/>
+                      <a:headEnd type="none" w="med" len="med"/>
+                      <a:tailEnd type="none" w="med" len="med"/>
+                    </a:lnT>
+                    <a:lnB w="12700" cap="flat" cmpd="sng" algn="ctr">
+                      <a:solidFill>
+                        <a:schemeClr val="tx1"/>
+                      </a:solidFill>
+                      <a:prstDash val="solid"/>
+                      <a:round/>
+                      <a:headEnd type="none" w="med" len="med"/>
+                      <a:tailEnd type="none" w="med" len="med"/>
+                    </a:lnB>
+                    <a:solidFill>
+                      <a:srgbClr val="FFFF00"/>
+                    </a:solidFill>
+                  </a:tcPr>
+                </a:tc>
+                <a:tc>
+                  <a:txBody>
+                    <a:bodyPr/>
+                    <a:lstStyle/>
+                    <a:p>
+                      <a:pPr algn="ctr"/>
+                      <a:endParaRPr lang="en-US" sz="1200" dirty="0"/>
+                    </a:p>
+                  </a:txBody>
+                  <a:tcPr anchor="ctr">
+                    <a:lnL w="12700" cap="flat" cmpd="sng" algn="ctr">
+                      <a:solidFill>
+                        <a:schemeClr val="tx1"/>
+                      </a:solidFill>
+                      <a:prstDash val="solid"/>
+                      <a:round/>
+                      <a:headEnd type="none" w="med" len="med"/>
+                      <a:tailEnd type="none" w="med" len="med"/>
+                    </a:lnL>
+                    <a:lnR w="12700" cap="flat" cmpd="sng" algn="ctr">
+                      <a:solidFill>
+                        <a:schemeClr val="tx1"/>
+                      </a:solidFill>
+                      <a:prstDash val="solid"/>
+                      <a:round/>
+                      <a:headEnd type="none" w="med" len="med"/>
+                      <a:tailEnd type="none" w="med" len="med"/>
+                    </a:lnR>
+                    <a:lnT w="12700" cap="flat" cmpd="sng" algn="ctr">
+                      <a:solidFill>
+                        <a:schemeClr val="tx1"/>
+                      </a:solidFill>
+                      <a:prstDash val="solid"/>
+                      <a:round/>
+                      <a:headEnd type="none" w="med" len="med"/>
+                      <a:tailEnd type="none" w="med" len="med"/>
+                    </a:lnT>
+                    <a:lnB w="12700" cap="flat" cmpd="sng" algn="ctr">
+                      <a:solidFill>
+                        <a:schemeClr val="tx1"/>
+                      </a:solidFill>
+                      <a:prstDash val="solid"/>
+                      <a:round/>
+                      <a:headEnd type="none" w="med" len="med"/>
+                      <a:tailEnd type="none" w="med" len="med"/>
+                    </a:lnB>
+                    <a:solidFill>
+                      <a:srgbClr val="FFFF00"/>
+                    </a:solidFill>
+                  </a:tcPr>
+                </a:tc>
+                <a:tc>
+                  <a:txBody>
+                    <a:bodyPr/>
+                    <a:lstStyle/>
+                    <a:p>
+                      <a:pPr algn="ctr"/>
+                      <a:endParaRPr lang="en-US" sz="1200" dirty="0"/>
+                    </a:p>
+                  </a:txBody>
+                  <a:tcPr anchor="ctr">
+                    <a:lnL w="12700" cap="flat" cmpd="sng" algn="ctr">
+                      <a:solidFill>
+                        <a:schemeClr val="tx1"/>
+                      </a:solidFill>
+                      <a:prstDash val="solid"/>
+                      <a:round/>
+                      <a:headEnd type="none" w="med" len="med"/>
+                      <a:tailEnd type="none" w="med" len="med"/>
+                    </a:lnL>
+                    <a:lnR w="12700" cap="flat" cmpd="sng" algn="ctr">
+                      <a:solidFill>
+                        <a:schemeClr val="tx1"/>
+                      </a:solidFill>
+                      <a:prstDash val="solid"/>
+                      <a:round/>
+                      <a:headEnd type="none" w="med" len="med"/>
+                      <a:tailEnd type="none" w="med" len="med"/>
+                    </a:lnR>
+                    <a:lnT w="12700" cap="flat" cmpd="sng" algn="ctr">
+                      <a:solidFill>
+                        <a:schemeClr val="tx1"/>
+                      </a:solidFill>
+                      <a:prstDash val="solid"/>
+                      <a:round/>
+                      <a:headEnd type="none" w="med" len="med"/>
+                      <a:tailEnd type="none" w="med" len="med"/>
+                    </a:lnT>
+                    <a:lnB w="12700" cap="flat" cmpd="sng" algn="ctr">
+                      <a:solidFill>
+                        <a:schemeClr val="tx1"/>
+                      </a:solidFill>
+                      <a:prstDash val="solid"/>
+                      <a:round/>
+                      <a:headEnd type="none" w="med" len="med"/>
+                      <a:tailEnd type="none" w="med" len="med"/>
+                    </a:lnB>
+                    <a:solidFill>
+                      <a:srgbClr val="FF0000"/>
+                    </a:solidFill>
+                  </a:tcPr>
+                </a:tc>
+                <a:tc>
+                  <a:txBody>
+                    <a:bodyPr/>
+                    <a:lstStyle/>
+                    <a:p>
+                      <a:pPr algn="ctr"/>
+                      <a:endParaRPr lang="en-US" sz="1200" dirty="0"/>
+                    </a:p>
+                  </a:txBody>
+                  <a:tcPr anchor="ctr">
+                    <a:lnL w="12700" cap="flat" cmpd="sng" algn="ctr">
+                      <a:solidFill>
+                        <a:schemeClr val="tx1"/>
+                      </a:solidFill>
+                      <a:prstDash val="solid"/>
+                      <a:round/>
+                      <a:headEnd type="none" w="med" len="med"/>
+                      <a:tailEnd type="none" w="med" len="med"/>
+                    </a:lnL>
+                    <a:lnR w="12700" cap="flat" cmpd="sng" algn="ctr">
+                      <a:solidFill>
+                        <a:schemeClr val="tx1"/>
+                      </a:solidFill>
+                      <a:prstDash val="solid"/>
+                      <a:round/>
+                      <a:headEnd type="none" w="med" len="med"/>
+                      <a:tailEnd type="none" w="med" len="med"/>
+                    </a:lnR>
+                    <a:lnT w="12700" cap="flat" cmpd="sng" algn="ctr">
+                      <a:solidFill>
+                        <a:schemeClr val="tx1"/>
+                      </a:solidFill>
+                      <a:prstDash val="solid"/>
+                      <a:round/>
+                      <a:headEnd type="none" w="med" len="med"/>
+                      <a:tailEnd type="none" w="med" len="med"/>
+                    </a:lnT>
+                    <a:lnB w="12700" cap="flat" cmpd="sng" algn="ctr">
+                      <a:solidFill>
+                        <a:schemeClr val="tx1"/>
+                      </a:solidFill>
+                      <a:prstDash val="solid"/>
+                      <a:round/>
+                      <a:headEnd type="none" w="med" len="med"/>
+                      <a:tailEnd type="none" w="med" len="med"/>
+                    </a:lnB>
+                    <a:solidFill>
+                      <a:srgbClr val="FF0000"/>
+                    </a:solidFill>
+                  </a:tcPr>
+                </a:tc>
+              </a:tr>
+              <a:tr h="404019">
+                <a:tc>
+                  <a:txBody>
+                    <a:bodyPr/>
+                    <a:lstStyle/>
+                    <a:p>
+                      <a:pPr algn="ctr"/>
+                      <a:r>
+                        <a:rPr lang="en-US" dirty="0" smtClean="0"/>
+                        <a:t>3</a:t>
+                      </a:r>
+                      <a:endParaRPr lang="en-US" dirty="0"/>
+                    </a:p>
+                  </a:txBody>
+                  <a:tcPr anchor="ctr">
+                    <a:lnR w="12700" cap="flat" cmpd="sng" algn="ctr">
+                      <a:solidFill>
+                        <a:schemeClr val="tx1"/>
+                      </a:solidFill>
+                      <a:prstDash val="solid"/>
+                      <a:round/>
+                      <a:headEnd type="none" w="med" len="med"/>
+                      <a:tailEnd type="none" w="med" len="med"/>
+                    </a:lnR>
+                  </a:tcPr>
+                </a:tc>
+                <a:tc>
+                  <a:txBody>
+                    <a:bodyPr/>
+                    <a:lstStyle/>
+                    <a:p>
+                      <a:pPr algn="ctr"/>
+                      <a:endParaRPr lang="en-US" sz="1200" dirty="0"/>
+                    </a:p>
+                  </a:txBody>
+                  <a:tcPr anchor="ctr">
+                    <a:lnL w="12700" cap="flat" cmpd="sng" algn="ctr">
+                      <a:solidFill>
+                        <a:schemeClr val="tx1"/>
+                      </a:solidFill>
+                      <a:prstDash val="solid"/>
+                      <a:round/>
+                      <a:headEnd type="none" w="med" len="med"/>
+                      <a:tailEnd type="none" w="med" len="med"/>
+                    </a:lnL>
+                    <a:lnR w="12700" cap="flat" cmpd="sng" algn="ctr">
+                      <a:solidFill>
+                        <a:schemeClr val="tx1"/>
+                      </a:solidFill>
+                      <a:prstDash val="solid"/>
+                      <a:round/>
+                      <a:headEnd type="none" w="med" len="med"/>
+                      <a:tailEnd type="none" w="med" len="med"/>
+                    </a:lnR>
+                    <a:lnT w="12700" cap="flat" cmpd="sng" algn="ctr">
+                      <a:solidFill>
+                        <a:schemeClr val="tx1"/>
+                      </a:solidFill>
+                      <a:prstDash val="solid"/>
+                      <a:round/>
+                      <a:headEnd type="none" w="med" len="med"/>
+                      <a:tailEnd type="none" w="med" len="med"/>
+                    </a:lnT>
+                    <a:lnB w="12700" cap="flat" cmpd="sng" algn="ctr">
+                      <a:solidFill>
+                        <a:schemeClr val="tx1"/>
+                      </a:solidFill>
+                      <a:prstDash val="solid"/>
+                      <a:round/>
+                      <a:headEnd type="none" w="med" len="med"/>
+                      <a:tailEnd type="none" w="med" len="med"/>
+                    </a:lnB>
+                    <a:solidFill>
+                      <a:srgbClr val="18981B"/>
+                    </a:solidFill>
+                  </a:tcPr>
+                </a:tc>
+                <a:tc>
+                  <a:txBody>
+                    <a:bodyPr/>
+                    <a:lstStyle/>
+                    <a:p>
+                      <a:pPr algn="ctr"/>
+                      <a:endParaRPr lang="en-US" sz="1200" dirty="0"/>
+                    </a:p>
+                  </a:txBody>
+                  <a:tcPr anchor="ctr">
+                    <a:lnL w="12700" cap="flat" cmpd="sng" algn="ctr">
+                      <a:solidFill>
+                        <a:schemeClr val="tx1"/>
+                      </a:solidFill>
+                      <a:prstDash val="solid"/>
+                      <a:round/>
+                      <a:headEnd type="none" w="med" len="med"/>
+                      <a:tailEnd type="none" w="med" len="med"/>
+                    </a:lnL>
+                    <a:lnR w="12700" cap="flat" cmpd="sng" algn="ctr">
+                      <a:solidFill>
+                        <a:schemeClr val="tx1"/>
+                      </a:solidFill>
+                      <a:prstDash val="solid"/>
+                      <a:round/>
+                      <a:headEnd type="none" w="med" len="med"/>
+                      <a:tailEnd type="none" w="med" len="med"/>
+                    </a:lnR>
+                    <a:lnT w="12700" cap="flat" cmpd="sng" algn="ctr">
+                      <a:solidFill>
+                        <a:schemeClr val="tx1"/>
+                      </a:solidFill>
+                      <a:prstDash val="solid"/>
+                      <a:round/>
+                      <a:headEnd type="none" w="med" len="med"/>
+                      <a:tailEnd type="none" w="med" len="med"/>
+                    </a:lnT>
+                    <a:lnB w="12700" cap="flat" cmpd="sng" algn="ctr">
+                      <a:solidFill>
+                        <a:schemeClr val="tx1"/>
+                      </a:solidFill>
+                      <a:prstDash val="solid"/>
+                      <a:round/>
+                      <a:headEnd type="none" w="med" len="med"/>
+                      <a:tailEnd type="none" w="med" len="med"/>
+                    </a:lnB>
+                    <a:solidFill>
+                      <a:srgbClr val="FFFF00"/>
+                    </a:solidFill>
+                  </a:tcPr>
+                </a:tc>
+                <a:tc>
+                  <a:txBody>
+                    <a:bodyPr/>
+                    <a:lstStyle/>
+                    <a:p>
+                      <a:pPr algn="ctr"/>
+                      <a:endParaRPr lang="en-US" sz="1200" dirty="0"/>
+                    </a:p>
+                  </a:txBody>
+                  <a:tcPr anchor="ctr">
+                    <a:lnL w="12700" cap="flat" cmpd="sng" algn="ctr">
+                      <a:solidFill>
+                        <a:schemeClr val="tx1"/>
+                      </a:solidFill>
+                      <a:prstDash val="solid"/>
+                      <a:round/>
+                      <a:headEnd type="none" w="med" len="med"/>
+                      <a:tailEnd type="none" w="med" len="med"/>
+                    </a:lnL>
+                    <a:lnR w="12700" cap="flat" cmpd="sng" algn="ctr">
+                      <a:solidFill>
+                        <a:schemeClr val="tx1"/>
+                      </a:solidFill>
+                      <a:prstDash val="solid"/>
+                      <a:round/>
+                      <a:headEnd type="none" w="med" len="med"/>
+                      <a:tailEnd type="none" w="med" len="med"/>
+                    </a:lnR>
+                    <a:lnT w="12700" cap="flat" cmpd="sng" algn="ctr">
+                      <a:solidFill>
+                        <a:schemeClr val="tx1"/>
+                      </a:solidFill>
+                      <a:prstDash val="solid"/>
+                      <a:round/>
+                      <a:headEnd type="none" w="med" len="med"/>
+                      <a:tailEnd type="none" w="med" len="med"/>
+                    </a:lnT>
+                    <a:lnB w="12700" cap="flat" cmpd="sng" algn="ctr">
+                      <a:solidFill>
+                        <a:schemeClr val="tx1"/>
+                      </a:solidFill>
+                      <a:prstDash val="solid"/>
+                      <a:round/>
+                      <a:headEnd type="none" w="med" len="med"/>
+                      <a:tailEnd type="none" w="med" len="med"/>
+                    </a:lnB>
+                    <a:solidFill>
+                      <a:srgbClr val="FFFF00"/>
+                    </a:solidFill>
+                  </a:tcPr>
+                </a:tc>
+                <a:tc>
+                  <a:txBody>
+                    <a:bodyPr/>
+                    <a:lstStyle/>
+                    <a:p>
+                      <a:pPr algn="ctr"/>
+                      <a:endParaRPr lang="en-US" sz="1200" dirty="0"/>
+                    </a:p>
+                  </a:txBody>
+                  <a:tcPr anchor="ctr">
+                    <a:lnL w="12700" cap="flat" cmpd="sng" algn="ctr">
+                      <a:solidFill>
+                        <a:schemeClr val="tx1"/>
+                      </a:solidFill>
+                      <a:prstDash val="solid"/>
+                      <a:round/>
+                      <a:headEnd type="none" w="med" len="med"/>
+                      <a:tailEnd type="none" w="med" len="med"/>
+                    </a:lnL>
+                    <a:lnR w="12700" cap="flat" cmpd="sng" algn="ctr">
+                      <a:solidFill>
+                        <a:schemeClr val="tx1"/>
+                      </a:solidFill>
+                      <a:prstDash val="solid"/>
+                      <a:round/>
+                      <a:headEnd type="none" w="med" len="med"/>
+                      <a:tailEnd type="none" w="med" len="med"/>
+                    </a:lnR>
+                    <a:lnT w="12700" cap="flat" cmpd="sng" algn="ctr">
+                      <a:solidFill>
+                        <a:schemeClr val="tx1"/>
+                      </a:solidFill>
+                      <a:prstDash val="solid"/>
+                      <a:round/>
+                      <a:headEnd type="none" w="med" len="med"/>
+                      <a:tailEnd type="none" w="med" len="med"/>
+                    </a:lnT>
+                    <a:lnB w="12700" cap="flat" cmpd="sng" algn="ctr">
+                      <a:solidFill>
+                        <a:schemeClr val="tx1"/>
+                      </a:solidFill>
+                      <a:prstDash val="solid"/>
+                      <a:round/>
+                      <a:headEnd type="none" w="med" len="med"/>
+                      <a:tailEnd type="none" w="med" len="med"/>
+                    </a:lnB>
+                    <a:solidFill>
+                      <a:srgbClr val="FFFF00"/>
+                    </a:solidFill>
+                  </a:tcPr>
+                </a:tc>
+                <a:tc>
+                  <a:txBody>
+                    <a:bodyPr/>
+                    <a:lstStyle/>
+                    <a:p>
+                      <a:pPr algn="ctr"/>
+                      <a:endParaRPr lang="en-US" sz="1200" dirty="0"/>
+                    </a:p>
+                  </a:txBody>
+                  <a:tcPr anchor="ctr">
+                    <a:lnL w="12700" cap="flat" cmpd="sng" algn="ctr">
+                      <a:solidFill>
+                        <a:schemeClr val="tx1"/>
+                      </a:solidFill>
+                      <a:prstDash val="solid"/>
+                      <a:round/>
+                      <a:headEnd type="none" w="med" len="med"/>
+                      <a:tailEnd type="none" w="med" len="med"/>
+                    </a:lnL>
+                    <a:lnR w="12700" cap="flat" cmpd="sng" algn="ctr">
+                      <a:solidFill>
+                        <a:schemeClr val="tx1"/>
+                      </a:solidFill>
+                      <a:prstDash val="solid"/>
+                      <a:round/>
+                      <a:headEnd type="none" w="med" len="med"/>
+                      <a:tailEnd type="none" w="med" len="med"/>
+                    </a:lnR>
+                    <a:lnT w="12700" cap="flat" cmpd="sng" algn="ctr">
+                      <a:solidFill>
+                        <a:schemeClr val="tx1"/>
+                      </a:solidFill>
+                      <a:prstDash val="solid"/>
+                      <a:round/>
+                      <a:headEnd type="none" w="med" len="med"/>
+                      <a:tailEnd type="none" w="med" len="med"/>
+                    </a:lnT>
+                    <a:lnB w="12700" cap="flat" cmpd="sng" algn="ctr">
+                      <a:solidFill>
+                        <a:schemeClr val="tx1"/>
+                      </a:solidFill>
+                      <a:prstDash val="solid"/>
+                      <a:round/>
+                      <a:headEnd type="none" w="med" len="med"/>
+                      <a:tailEnd type="none" w="med" len="med"/>
+                    </a:lnB>
+                    <a:solidFill>
+                      <a:srgbClr val="FF0000"/>
+                    </a:solidFill>
+                  </a:tcPr>
+                </a:tc>
+              </a:tr>
+              <a:tr h="419100">
+                <a:tc>
+                  <a:txBody>
+                    <a:bodyPr/>
+                    <a:lstStyle/>
+                    <a:p>
+                      <a:pPr algn="ctr"/>
+                      <a:r>
+                        <a:rPr lang="en-US" dirty="0" smtClean="0"/>
+                        <a:t>2</a:t>
+                      </a:r>
+                      <a:endParaRPr lang="en-US" dirty="0"/>
+                    </a:p>
+                  </a:txBody>
+                  <a:tcPr anchor="ctr">
+                    <a:lnR w="12700" cap="flat" cmpd="sng" algn="ctr">
+                      <a:solidFill>
+                        <a:schemeClr val="tx1"/>
+                      </a:solidFill>
+                      <a:prstDash val="solid"/>
+                      <a:round/>
+                      <a:headEnd type="none" w="med" len="med"/>
+                      <a:tailEnd type="none" w="med" len="med"/>
+                    </a:lnR>
+                  </a:tcPr>
+                </a:tc>
+                <a:tc>
+                  <a:txBody>
+                    <a:bodyPr/>
+                    <a:lstStyle/>
+                    <a:p>
+                      <a:pPr algn="ctr"/>
+                      <a:endParaRPr lang="en-US" sz="1200" dirty="0"/>
+                    </a:p>
+                  </a:txBody>
+                  <a:tcPr anchor="ctr">
+                    <a:lnL w="12700" cap="flat" cmpd="sng" algn="ctr">
+                      <a:solidFill>
+                        <a:schemeClr val="tx1"/>
+                      </a:solidFill>
+                      <a:prstDash val="solid"/>
+                      <a:round/>
+                      <a:headEnd type="none" w="med" len="med"/>
+                      <a:tailEnd type="none" w="med" len="med"/>
+                    </a:lnL>
+                    <a:lnR w="12700" cap="flat" cmpd="sng" algn="ctr">
+                      <a:solidFill>
+                        <a:schemeClr val="tx1"/>
+                      </a:solidFill>
+                      <a:prstDash val="solid"/>
+                      <a:round/>
+                      <a:headEnd type="none" w="med" len="med"/>
+                      <a:tailEnd type="none" w="med" len="med"/>
+                    </a:lnR>
+                    <a:lnT w="12700" cap="flat" cmpd="sng" algn="ctr">
+                      <a:solidFill>
+                        <a:schemeClr val="tx1"/>
+                      </a:solidFill>
+                      <a:prstDash val="solid"/>
+                      <a:round/>
+                      <a:headEnd type="none" w="med" len="med"/>
+                      <a:tailEnd type="none" w="med" len="med"/>
+                    </a:lnT>
+                    <a:lnB w="12700" cap="flat" cmpd="sng" algn="ctr">
+                      <a:solidFill>
+                        <a:schemeClr val="tx1"/>
+                      </a:solidFill>
+                      <a:prstDash val="solid"/>
+                      <a:round/>
+                      <a:headEnd type="none" w="med" len="med"/>
+                      <a:tailEnd type="none" w="med" len="med"/>
+                    </a:lnB>
+                    <a:solidFill>
+                      <a:srgbClr val="18981B"/>
+                    </a:solidFill>
+                  </a:tcPr>
+                </a:tc>
+                <a:tc>
+                  <a:txBody>
+                    <a:bodyPr/>
+                    <a:lstStyle/>
+                    <a:p>
+                      <a:pPr algn="ctr"/>
+                      <a:endParaRPr lang="en-US" sz="1200" dirty="0"/>
+                    </a:p>
+                  </a:txBody>
+                  <a:tcPr anchor="ctr">
+                    <a:lnL w="12700" cap="flat" cmpd="sng" algn="ctr">
+                      <a:solidFill>
+                        <a:schemeClr val="tx1"/>
+                      </a:solidFill>
+                      <a:prstDash val="solid"/>
+                      <a:round/>
+                      <a:headEnd type="none" w="med" len="med"/>
+                      <a:tailEnd type="none" w="med" len="med"/>
+                    </a:lnL>
+                    <a:lnR w="12700" cap="flat" cmpd="sng" algn="ctr">
+                      <a:solidFill>
+                        <a:schemeClr val="tx1"/>
+                      </a:solidFill>
+                      <a:prstDash val="solid"/>
+                      <a:round/>
+                      <a:headEnd type="none" w="med" len="med"/>
+                      <a:tailEnd type="none" w="med" len="med"/>
+                    </a:lnR>
+                    <a:lnT w="12700" cap="flat" cmpd="sng" algn="ctr">
+                      <a:solidFill>
+                        <a:schemeClr val="tx1"/>
+                      </a:solidFill>
+                      <a:prstDash val="solid"/>
+                      <a:round/>
+                      <a:headEnd type="none" w="med" len="med"/>
+                      <a:tailEnd type="none" w="med" len="med"/>
+                    </a:lnT>
+                    <a:lnB w="12700" cap="flat" cmpd="sng" algn="ctr">
+                      <a:solidFill>
+                        <a:schemeClr val="tx1"/>
+                      </a:solidFill>
+                      <a:prstDash val="solid"/>
+                      <a:round/>
+                      <a:headEnd type="none" w="med" len="med"/>
+                      <a:tailEnd type="none" w="med" len="med"/>
+                    </a:lnB>
+                    <a:solidFill>
+                      <a:srgbClr val="18981B"/>
+                    </a:solidFill>
+                  </a:tcPr>
+                </a:tc>
+                <a:tc>
+                  <a:txBody>
+                    <a:bodyPr/>
+                    <a:lstStyle/>
+                    <a:p>
+                      <a:pPr algn="ctr"/>
+                      <a:r>
+                        <a:rPr lang="en-US" sz="800" dirty="0" smtClean="0"/>
+                        <a:t>14</a:t>
+                      </a:r>
+                      <a:endParaRPr lang="en-US" sz="800" dirty="0"/>
+                    </a:p>
+                  </a:txBody>
+                  <a:tcPr anchor="ctr">
+                    <a:lnL w="12700" cap="flat" cmpd="sng" algn="ctr">
+                      <a:solidFill>
+                        <a:schemeClr val="tx1"/>
+                      </a:solidFill>
+                      <a:prstDash val="solid"/>
+                      <a:round/>
+                      <a:headEnd type="none" w="med" len="med"/>
+                      <a:tailEnd type="none" w="med" len="med"/>
+                    </a:lnL>
+                    <a:lnR w="12700" cap="flat" cmpd="sng" algn="ctr">
+                      <a:solidFill>
+                        <a:schemeClr val="tx1"/>
+                      </a:solidFill>
+                      <a:prstDash val="solid"/>
+                      <a:round/>
+                      <a:headEnd type="none" w="med" len="med"/>
+                      <a:tailEnd type="none" w="med" len="med"/>
+                    </a:lnR>
+                    <a:lnT w="12700" cap="flat" cmpd="sng" algn="ctr">
+                      <a:solidFill>
+                        <a:schemeClr val="tx1"/>
+                      </a:solidFill>
+                      <a:prstDash val="solid"/>
+                      <a:round/>
+                      <a:headEnd type="none" w="med" len="med"/>
+                      <a:tailEnd type="none" w="med" len="med"/>
+                    </a:lnT>
+                    <a:lnB w="12700" cap="flat" cmpd="sng" algn="ctr">
+                      <a:solidFill>
+                        <a:schemeClr val="tx1"/>
+                      </a:solidFill>
+                      <a:prstDash val="solid"/>
+                      <a:round/>
+                      <a:headEnd type="none" w="med" len="med"/>
+                      <a:tailEnd type="none" w="med" len="med"/>
+                    </a:lnB>
+                    <a:solidFill>
+                      <a:srgbClr val="18981B"/>
+                    </a:solidFill>
+                  </a:tcPr>
+                </a:tc>
+                <a:tc>
+                  <a:txBody>
+                    <a:bodyPr/>
+                    <a:lstStyle/>
+                    <a:p>
+                      <a:pPr algn="ctr"/>
+                      <a:r>
+                        <a:rPr lang="en-US" sz="800" dirty="0" smtClean="0"/>
+                        <a:t>9</a:t>
+                      </a:r>
+                      <a:endParaRPr lang="en-US" sz="800" dirty="0"/>
+                    </a:p>
+                  </a:txBody>
+                  <a:tcPr anchor="ctr">
+                    <a:lnL w="12700" cap="flat" cmpd="sng" algn="ctr">
+                      <a:solidFill>
+                        <a:schemeClr val="tx1"/>
+                      </a:solidFill>
+                      <a:prstDash val="solid"/>
+                      <a:round/>
+                      <a:headEnd type="none" w="med" len="med"/>
+                      <a:tailEnd type="none" w="med" len="med"/>
+                    </a:lnL>
+                    <a:lnR w="12700" cap="flat" cmpd="sng" algn="ctr">
+                      <a:solidFill>
+                        <a:schemeClr val="tx1"/>
+                      </a:solidFill>
+                      <a:prstDash val="solid"/>
+                      <a:round/>
+                      <a:headEnd type="none" w="med" len="med"/>
+                      <a:tailEnd type="none" w="med" len="med"/>
+                    </a:lnR>
+                    <a:lnT w="12700" cap="flat" cmpd="sng" algn="ctr">
+                      <a:solidFill>
+                        <a:schemeClr val="tx1"/>
+                      </a:solidFill>
+                      <a:prstDash val="solid"/>
+                      <a:round/>
+                      <a:headEnd type="none" w="med" len="med"/>
+                      <a:tailEnd type="none" w="med" len="med"/>
+                    </a:lnT>
+                    <a:lnB w="12700" cap="flat" cmpd="sng" algn="ctr">
+                      <a:solidFill>
+                        <a:schemeClr val="tx1"/>
+                      </a:solidFill>
+                      <a:prstDash val="solid"/>
+                      <a:round/>
+                      <a:headEnd type="none" w="med" len="med"/>
+                      <a:tailEnd type="none" w="med" len="med"/>
+                    </a:lnB>
+                    <a:solidFill>
+                      <a:srgbClr val="FFFF00"/>
+                    </a:solidFill>
+                  </a:tcPr>
+                </a:tc>
+                <a:tc>
+                  <a:txBody>
+                    <a:bodyPr/>
+                    <a:lstStyle/>
+                    <a:p>
+                      <a:pPr algn="ctr"/>
+                      <a:endParaRPr lang="en-US" sz="800" dirty="0"/>
+                    </a:p>
+                  </a:txBody>
+                  <a:tcPr anchor="ctr">
+                    <a:lnL w="12700" cap="flat" cmpd="sng" algn="ctr">
+                      <a:solidFill>
+                        <a:schemeClr val="tx1"/>
+                      </a:solidFill>
+                      <a:prstDash val="solid"/>
+                      <a:round/>
+                      <a:headEnd type="none" w="med" len="med"/>
+                      <a:tailEnd type="none" w="med" len="med"/>
+                    </a:lnL>
+                    <a:lnR w="12700" cap="flat" cmpd="sng" algn="ctr">
+                      <a:solidFill>
+                        <a:schemeClr val="tx1"/>
+                      </a:solidFill>
+                      <a:prstDash val="solid"/>
+                      <a:round/>
+                      <a:headEnd type="none" w="med" len="med"/>
+                      <a:tailEnd type="none" w="med" len="med"/>
+                    </a:lnR>
+                    <a:lnT w="12700" cap="flat" cmpd="sng" algn="ctr">
+                      <a:solidFill>
+                        <a:schemeClr val="tx1"/>
+                      </a:solidFill>
+                      <a:prstDash val="solid"/>
+                      <a:round/>
+                      <a:headEnd type="none" w="med" len="med"/>
+                      <a:tailEnd type="none" w="med" len="med"/>
+                    </a:lnT>
+                    <a:lnB w="12700" cap="flat" cmpd="sng" algn="ctr">
+                      <a:solidFill>
+                        <a:schemeClr val="tx1"/>
+                      </a:solidFill>
+                      <a:prstDash val="solid"/>
+                      <a:round/>
+                      <a:headEnd type="none" w="med" len="med"/>
+                      <a:tailEnd type="none" w="med" len="med"/>
+                    </a:lnB>
+                    <a:solidFill>
+                      <a:srgbClr val="FFFF00"/>
+                    </a:solidFill>
+                  </a:tcPr>
+                </a:tc>
+              </a:tr>
+              <a:tr h="419100">
+                <a:tc>
+                  <a:txBody>
+                    <a:bodyPr/>
+                    <a:lstStyle/>
+                    <a:p>
+                      <a:pPr algn="ctr"/>
+                      <a:r>
+                        <a:rPr lang="en-US" dirty="0" smtClean="0"/>
+                        <a:t>1</a:t>
+                      </a:r>
+                      <a:endParaRPr lang="en-US" dirty="0"/>
+                    </a:p>
+                  </a:txBody>
+                  <a:tcPr anchor="ctr">
+                    <a:lnR w="12700" cap="flat" cmpd="sng" algn="ctr">
+                      <a:solidFill>
+                        <a:schemeClr val="tx1"/>
+                      </a:solidFill>
+                      <a:prstDash val="solid"/>
+                      <a:round/>
+                      <a:headEnd type="none" w="med" len="med"/>
+                      <a:tailEnd type="none" w="med" len="med"/>
+                    </a:lnR>
+                  </a:tcPr>
+                </a:tc>
+                <a:tc>
+                  <a:txBody>
+                    <a:bodyPr/>
+                    <a:lstStyle/>
+                    <a:p>
+                      <a:pPr algn="ctr"/>
+                      <a:endParaRPr lang="en-US" sz="1200" dirty="0"/>
+                    </a:p>
+                  </a:txBody>
+                  <a:tcPr anchor="ctr">
+                    <a:lnL w="12700" cap="flat" cmpd="sng" algn="ctr">
+                      <a:solidFill>
+                        <a:schemeClr val="tx1"/>
+                      </a:solidFill>
+                      <a:prstDash val="solid"/>
+                      <a:round/>
+                      <a:headEnd type="none" w="med" len="med"/>
+                      <a:tailEnd type="none" w="med" len="med"/>
+                    </a:lnL>
+                    <a:lnR w="12700" cap="flat" cmpd="sng" algn="ctr">
+                      <a:solidFill>
+                        <a:schemeClr val="tx1"/>
+                      </a:solidFill>
+                      <a:prstDash val="solid"/>
+                      <a:round/>
+                      <a:headEnd type="none" w="med" len="med"/>
+                      <a:tailEnd type="none" w="med" len="med"/>
+                    </a:lnR>
+                    <a:lnT w="12700" cap="flat" cmpd="sng" algn="ctr">
+                      <a:solidFill>
+                        <a:schemeClr val="tx1"/>
+                      </a:solidFill>
+                      <a:prstDash val="solid"/>
+                      <a:round/>
+                      <a:headEnd type="none" w="med" len="med"/>
+                      <a:tailEnd type="none" w="med" len="med"/>
+                    </a:lnT>
+                    <a:lnB w="12700" cap="flat" cmpd="sng" algn="ctr">
+                      <a:solidFill>
+                        <a:schemeClr val="tx1"/>
+                      </a:solidFill>
+                      <a:prstDash val="solid"/>
+                      <a:round/>
+                      <a:headEnd type="none" w="med" len="med"/>
+                      <a:tailEnd type="none" w="med" len="med"/>
+                    </a:lnB>
+                    <a:solidFill>
+                      <a:srgbClr val="18981B"/>
+                    </a:solidFill>
+                  </a:tcPr>
+                </a:tc>
+                <a:tc>
+                  <a:txBody>
+                    <a:bodyPr/>
+                    <a:lstStyle/>
+                    <a:p>
+                      <a:pPr algn="ctr"/>
+                      <a:r>
+                        <a:rPr lang="en-US" sz="800" dirty="0" smtClean="0"/>
+                        <a:t>15 16</a:t>
+                      </a:r>
+                      <a:endParaRPr lang="en-US" sz="800" dirty="0"/>
+                    </a:p>
+                  </a:txBody>
+                  <a:tcPr anchor="ctr">
+                    <a:lnL w="12700" cap="flat" cmpd="sng" algn="ctr">
+                      <a:solidFill>
+                        <a:schemeClr val="tx1"/>
+                      </a:solidFill>
+                      <a:prstDash val="solid"/>
+                      <a:round/>
+                      <a:headEnd type="none" w="med" len="med"/>
+                      <a:tailEnd type="none" w="med" len="med"/>
+                    </a:lnL>
+                    <a:lnR w="12700" cap="flat" cmpd="sng" algn="ctr">
+                      <a:solidFill>
+                        <a:schemeClr val="tx1"/>
+                      </a:solidFill>
+                      <a:prstDash val="solid"/>
+                      <a:round/>
+                      <a:headEnd type="none" w="med" len="med"/>
+                      <a:tailEnd type="none" w="med" len="med"/>
+                    </a:lnR>
+                    <a:lnT w="12700" cap="flat" cmpd="sng" algn="ctr">
+                      <a:solidFill>
+                        <a:schemeClr val="tx1"/>
+                      </a:solidFill>
+                      <a:prstDash val="solid"/>
+                      <a:round/>
+                      <a:headEnd type="none" w="med" len="med"/>
+                      <a:tailEnd type="none" w="med" len="med"/>
+                    </a:lnT>
+                    <a:lnB w="12700" cap="flat" cmpd="sng" algn="ctr">
+                      <a:solidFill>
+                        <a:schemeClr val="tx1"/>
+                      </a:solidFill>
+                      <a:prstDash val="solid"/>
+                      <a:round/>
+                      <a:headEnd type="none" w="med" len="med"/>
+                      <a:tailEnd type="none" w="med" len="med"/>
+                    </a:lnB>
+                    <a:solidFill>
+                      <a:srgbClr val="18981B"/>
+                    </a:solidFill>
+                  </a:tcPr>
+                </a:tc>
+                <a:tc>
+                  <a:txBody>
+                    <a:bodyPr/>
+                    <a:lstStyle/>
+                    <a:p>
+                      <a:pPr algn="ctr"/>
+                      <a:r>
+                        <a:rPr lang="en-US" sz="800" dirty="0" smtClean="0"/>
+                        <a:t>11 12 13  </a:t>
+                      </a:r>
+                      <a:endParaRPr lang="en-US" sz="800" dirty="0"/>
+                    </a:p>
+                  </a:txBody>
+                  <a:tcPr anchor="ctr">
+                    <a:lnL w="12700" cap="flat" cmpd="sng" algn="ctr">
+                      <a:solidFill>
+                        <a:schemeClr val="tx1"/>
+                      </a:solidFill>
+                      <a:prstDash val="solid"/>
+                      <a:round/>
+                      <a:headEnd type="none" w="med" len="med"/>
+                      <a:tailEnd type="none" w="med" len="med"/>
+                    </a:lnL>
+                    <a:lnR w="12700" cap="flat" cmpd="sng" algn="ctr">
+                      <a:solidFill>
+                        <a:schemeClr val="tx1"/>
+                      </a:solidFill>
+                      <a:prstDash val="solid"/>
+                      <a:round/>
+                      <a:headEnd type="none" w="med" len="med"/>
+                      <a:tailEnd type="none" w="med" len="med"/>
+                    </a:lnR>
+                    <a:lnT w="12700" cap="flat" cmpd="sng" algn="ctr">
+                      <a:solidFill>
+                        <a:schemeClr val="tx1"/>
+                      </a:solidFill>
+                      <a:prstDash val="solid"/>
+                      <a:round/>
+                      <a:headEnd type="none" w="med" len="med"/>
+                      <a:tailEnd type="none" w="med" len="med"/>
+                    </a:lnT>
+                    <a:lnB w="12700" cap="flat" cmpd="sng" algn="ctr">
+                      <a:solidFill>
+                        <a:schemeClr val="tx1"/>
+                      </a:solidFill>
+                      <a:prstDash val="solid"/>
+                      <a:round/>
+                      <a:headEnd type="none" w="med" len="med"/>
+                      <a:tailEnd type="none" w="med" len="med"/>
+                    </a:lnB>
+                    <a:solidFill>
+                      <a:srgbClr val="18981B"/>
+                    </a:solidFill>
+                  </a:tcPr>
+                </a:tc>
+                <a:tc>
+                  <a:txBody>
+                    <a:bodyPr/>
+                    <a:lstStyle/>
+                    <a:p>
+                      <a:pPr algn="ctr"/>
+                      <a:endParaRPr lang="en-US" sz="800" dirty="0"/>
+                    </a:p>
+                  </a:txBody>
+                  <a:tcPr anchor="ctr">
+                    <a:lnL w="12700" cap="flat" cmpd="sng" algn="ctr">
+                      <a:solidFill>
+                        <a:schemeClr val="tx1"/>
+                      </a:solidFill>
+                      <a:prstDash val="solid"/>
+                      <a:round/>
+                      <a:headEnd type="none" w="med" len="med"/>
+                      <a:tailEnd type="none" w="med" len="med"/>
+                    </a:lnL>
+                    <a:lnR w="12700" cap="flat" cmpd="sng" algn="ctr">
+                      <a:solidFill>
+                        <a:schemeClr val="tx1"/>
+                      </a:solidFill>
+                      <a:prstDash val="solid"/>
+                      <a:round/>
+                      <a:headEnd type="none" w="med" len="med"/>
+                      <a:tailEnd type="none" w="med" len="med"/>
+                    </a:lnR>
+                    <a:lnT w="12700" cap="flat" cmpd="sng" algn="ctr">
+                      <a:solidFill>
+                        <a:schemeClr val="tx1"/>
+                      </a:solidFill>
+                      <a:prstDash val="solid"/>
+                      <a:round/>
+                      <a:headEnd type="none" w="med" len="med"/>
+                      <a:tailEnd type="none" w="med" len="med"/>
+                    </a:lnT>
+                    <a:lnB w="12700" cap="flat" cmpd="sng" algn="ctr">
+                      <a:solidFill>
+                        <a:schemeClr val="tx1"/>
+                      </a:solidFill>
+                      <a:prstDash val="solid"/>
+                      <a:round/>
+                      <a:headEnd type="none" w="med" len="med"/>
+                      <a:tailEnd type="none" w="med" len="med"/>
+                    </a:lnB>
+                    <a:solidFill>
+                      <a:srgbClr val="18981B"/>
+                    </a:solidFill>
+                  </a:tcPr>
+                </a:tc>
+                <a:tc>
+                  <a:txBody>
+                    <a:bodyPr/>
+                    <a:lstStyle/>
+                    <a:p>
+                      <a:pPr algn="ctr"/>
+                      <a:r>
+                        <a:rPr lang="en-US" sz="800" dirty="0" smtClean="0"/>
+                        <a:t>10</a:t>
+                      </a:r>
+                      <a:endParaRPr lang="en-US" sz="800" dirty="0"/>
+                    </a:p>
+                  </a:txBody>
+                  <a:tcPr anchor="ctr">
+                    <a:lnL w="12700" cap="flat" cmpd="sng" algn="ctr">
+                      <a:solidFill>
+                        <a:schemeClr val="tx1"/>
+                      </a:solidFill>
+                      <a:prstDash val="solid"/>
+                      <a:round/>
+                      <a:headEnd type="none" w="med" len="med"/>
+                      <a:tailEnd type="none" w="med" len="med"/>
+                    </a:lnL>
+                    <a:lnR w="12700" cap="flat" cmpd="sng" algn="ctr">
+                      <a:solidFill>
+                        <a:schemeClr val="tx1"/>
+                      </a:solidFill>
+                      <a:prstDash val="solid"/>
+                      <a:round/>
+                      <a:headEnd type="none" w="med" len="med"/>
+                      <a:tailEnd type="none" w="med" len="med"/>
+                    </a:lnR>
+                    <a:lnT w="12700" cap="flat" cmpd="sng" algn="ctr">
+                      <a:solidFill>
+                        <a:schemeClr val="tx1"/>
+                      </a:solidFill>
+                      <a:prstDash val="solid"/>
+                      <a:round/>
+                      <a:headEnd type="none" w="med" len="med"/>
+                      <a:tailEnd type="none" w="med" len="med"/>
+                    </a:lnT>
+                    <a:lnB w="12700" cap="flat" cmpd="sng" algn="ctr">
+                      <a:solidFill>
+                        <a:schemeClr val="tx1"/>
+                      </a:solidFill>
+                      <a:prstDash val="solid"/>
+                      <a:round/>
+                      <a:headEnd type="none" w="med" len="med"/>
+                      <a:tailEnd type="none" w="med" len="med"/>
+                    </a:lnB>
+                    <a:solidFill>
+                      <a:srgbClr val="FFFF00"/>
+                    </a:solidFill>
+                  </a:tcPr>
+                </a:tc>
+              </a:tr>
+              <a:tr h="419100">
+                <a:tc>
+                  <a:txBody>
+                    <a:bodyPr/>
+                    <a:lstStyle/>
+                    <a:p>
+                      <a:endParaRPr lang="en-US" dirty="0"/>
+                    </a:p>
+                  </a:txBody>
+                  <a:tcPr>
+                    <a:lnR w="12700" cap="flat" cmpd="sng" algn="ctr">
+                      <a:noFill/>
+                      <a:prstDash val="solid"/>
+                      <a:round/>
+                      <a:headEnd type="none" w="med" len="med"/>
+                      <a:tailEnd type="none" w="med" len="med"/>
+                    </a:lnR>
+                  </a:tcPr>
+                </a:tc>
+                <a:tc>
+                  <a:txBody>
+                    <a:bodyPr/>
+                    <a:lstStyle/>
+                    <a:p>
+                      <a:pPr algn="ctr"/>
+                      <a:r>
+                        <a:rPr lang="en-US" dirty="0" smtClean="0"/>
+                        <a:t>1</a:t>
+                      </a:r>
+                      <a:endParaRPr lang="en-US" dirty="0"/>
+                    </a:p>
+                  </a:txBody>
+                  <a:tcPr anchor="ctr">
+                    <a:lnL w="12700" cap="flat" cmpd="sng" algn="ctr">
+                      <a:noFill/>
+                      <a:prstDash val="solid"/>
+                      <a:round/>
+                      <a:headEnd type="none" w="med" len="med"/>
+                      <a:tailEnd type="none" w="med" len="med"/>
+                    </a:lnL>
+                    <a:lnR w="12700" cap="flat" cmpd="sng" algn="ctr">
+                      <a:noFill/>
+                      <a:prstDash val="solid"/>
+                      <a:round/>
+                      <a:headEnd type="none" w="med" len="med"/>
+                      <a:tailEnd type="none" w="med" len="med"/>
+                    </a:lnR>
+                    <a:lnT w="12700" cap="flat" cmpd="sng" algn="ctr">
+                      <a:solidFill>
+                        <a:schemeClr val="tx1"/>
+                      </a:solidFill>
+                      <a:prstDash val="solid"/>
+                      <a:round/>
+                      <a:headEnd type="none" w="med" len="med"/>
+                      <a:tailEnd type="none" w="med" len="med"/>
+                    </a:lnT>
+                    <a:lnB w="12700" cap="flat" cmpd="sng" algn="ctr">
+                      <a:noFill/>
+                      <a:prstDash val="solid"/>
+                      <a:round/>
+                      <a:headEnd type="none" w="med" len="med"/>
+                      <a:tailEnd type="none" w="med" len="med"/>
+                    </a:lnB>
+                    <a:lnTlToBr w="12700" cmpd="sng">
+                      <a:noFill/>
+                      <a:prstDash val="solid"/>
+                    </a:lnTlToBr>
+                    <a:lnBlToTr w="12700" cmpd="sng">
+                      <a:noFill/>
+                      <a:prstDash val="solid"/>
+                    </a:lnBlToTr>
+                  </a:tcPr>
+                </a:tc>
+                <a:tc>
+                  <a:txBody>
+                    <a:bodyPr/>
+                    <a:lstStyle/>
+                    <a:p>
+                      <a:pPr algn="ctr"/>
+                      <a:r>
+                        <a:rPr lang="en-US" dirty="0" smtClean="0"/>
+                        <a:t>2</a:t>
+                      </a:r>
+                      <a:endParaRPr lang="en-US" dirty="0"/>
+                    </a:p>
+                  </a:txBody>
+                  <a:tcPr anchor="ctr">
+                    <a:lnL w="12700" cap="flat" cmpd="sng" algn="ctr">
+                      <a:noFill/>
+                      <a:prstDash val="solid"/>
+                      <a:round/>
+                      <a:headEnd type="none" w="med" len="med"/>
+                      <a:tailEnd type="none" w="med" len="med"/>
+                    </a:lnL>
+                    <a:lnR w="12700" cap="flat" cmpd="sng" algn="ctr">
+                      <a:noFill/>
+                      <a:prstDash val="solid"/>
+                      <a:round/>
+                      <a:headEnd type="none" w="med" len="med"/>
+                      <a:tailEnd type="none" w="med" len="med"/>
+                    </a:lnR>
+                    <a:lnT w="12700" cap="flat" cmpd="sng" algn="ctr">
+                      <a:solidFill>
+                        <a:schemeClr val="tx1"/>
+                      </a:solidFill>
+                      <a:prstDash val="solid"/>
+                      <a:round/>
+                      <a:headEnd type="none" w="med" len="med"/>
+                      <a:tailEnd type="none" w="med" len="med"/>
+                    </a:lnT>
+                    <a:lnB w="12700" cap="flat" cmpd="sng" algn="ctr">
+                      <a:noFill/>
+                      <a:prstDash val="solid"/>
+                      <a:round/>
+                      <a:headEnd type="none" w="med" len="med"/>
+                      <a:tailEnd type="none" w="med" len="med"/>
+                    </a:lnB>
+                    <a:lnTlToBr w="12700" cmpd="sng">
+                      <a:noFill/>
+                      <a:prstDash val="solid"/>
+                    </a:lnTlToBr>
+                    <a:lnBlToTr w="12700" cmpd="sng">
+                      <a:noFill/>
+                      <a:prstDash val="solid"/>
+                    </a:lnBlToTr>
+                  </a:tcPr>
+                </a:tc>
+                <a:tc>
+                  <a:txBody>
+                    <a:bodyPr/>
+                    <a:lstStyle/>
+                    <a:p>
+                      <a:pPr algn="ctr"/>
+                      <a:r>
+                        <a:rPr lang="en-US" dirty="0" smtClean="0"/>
+                        <a:t>3</a:t>
+                      </a:r>
+                      <a:endParaRPr lang="en-US" dirty="0"/>
+                    </a:p>
+                  </a:txBody>
+                  <a:tcPr anchor="ctr">
+                    <a:lnL w="12700" cap="flat" cmpd="sng" algn="ctr">
+                      <a:noFill/>
+                      <a:prstDash val="solid"/>
+                      <a:round/>
+                      <a:headEnd type="none" w="med" len="med"/>
+                      <a:tailEnd type="none" w="med" len="med"/>
+                    </a:lnL>
+                    <a:lnR w="12700" cap="flat" cmpd="sng" algn="ctr">
+                      <a:noFill/>
+                      <a:prstDash val="solid"/>
+                      <a:round/>
+                      <a:headEnd type="none" w="med" len="med"/>
+                      <a:tailEnd type="none" w="med" len="med"/>
+                    </a:lnR>
+                    <a:lnT w="12700" cap="flat" cmpd="sng" algn="ctr">
+                      <a:solidFill>
+                        <a:schemeClr val="tx1"/>
+                      </a:solidFill>
+                      <a:prstDash val="solid"/>
+                      <a:round/>
+                      <a:headEnd type="none" w="med" len="med"/>
+                      <a:tailEnd type="none" w="med" len="med"/>
+                    </a:lnT>
+                    <a:lnB w="12700" cap="flat" cmpd="sng" algn="ctr">
+                      <a:noFill/>
+                      <a:prstDash val="solid"/>
+                      <a:round/>
+                      <a:headEnd type="none" w="med" len="med"/>
+                      <a:tailEnd type="none" w="med" len="med"/>
+                    </a:lnB>
+                    <a:lnTlToBr w="12700" cmpd="sng">
+                      <a:noFill/>
+                      <a:prstDash val="solid"/>
+                    </a:lnTlToBr>
+                    <a:lnBlToTr w="12700" cmpd="sng">
+                      <a:noFill/>
+                      <a:prstDash val="solid"/>
+                    </a:lnBlToTr>
+                  </a:tcPr>
+                </a:tc>
+                <a:tc>
+                  <a:txBody>
+                    <a:bodyPr/>
+                    <a:lstStyle/>
+                    <a:p>
+                      <a:pPr algn="ctr"/>
+                      <a:r>
+                        <a:rPr lang="en-US" dirty="0" smtClean="0"/>
+                        <a:t>4</a:t>
+                      </a:r>
+                      <a:endParaRPr lang="en-US" dirty="0"/>
+                    </a:p>
+                  </a:txBody>
+                  <a:tcPr anchor="ctr">
+                    <a:lnL w="12700" cap="flat" cmpd="sng" algn="ctr">
+                      <a:noFill/>
+                      <a:prstDash val="solid"/>
+                      <a:round/>
+                      <a:headEnd type="none" w="med" len="med"/>
+                      <a:tailEnd type="none" w="med" len="med"/>
+                    </a:lnL>
+                    <a:lnR w="12700" cap="flat" cmpd="sng" algn="ctr">
+                      <a:noFill/>
+                      <a:prstDash val="solid"/>
+                      <a:round/>
+                      <a:headEnd type="none" w="med" len="med"/>
+                      <a:tailEnd type="none" w="med" len="med"/>
+                    </a:lnR>
+                    <a:lnT w="12700" cap="flat" cmpd="sng" algn="ctr">
+                      <a:solidFill>
+                        <a:schemeClr val="tx1"/>
+                      </a:solidFill>
+                      <a:prstDash val="solid"/>
+                      <a:round/>
+                      <a:headEnd type="none" w="med" len="med"/>
+                      <a:tailEnd type="none" w="med" len="med"/>
+                    </a:lnT>
+                    <a:lnB w="12700" cap="flat" cmpd="sng" algn="ctr">
+                      <a:noFill/>
+                      <a:prstDash val="solid"/>
+                      <a:round/>
+                      <a:headEnd type="none" w="med" len="med"/>
+                      <a:tailEnd type="none" w="med" len="med"/>
+                    </a:lnB>
+                    <a:lnTlToBr w="12700" cmpd="sng">
+                      <a:noFill/>
+                      <a:prstDash val="solid"/>
+                    </a:lnTlToBr>
+                    <a:lnBlToTr w="12700" cmpd="sng">
+                      <a:noFill/>
+                      <a:prstDash val="solid"/>
+                    </a:lnBlToTr>
+                  </a:tcPr>
+                </a:tc>
+                <a:tc>
+                  <a:txBody>
+                    <a:bodyPr/>
+                    <a:lstStyle/>
+                    <a:p>
+                      <a:pPr algn="ctr"/>
+                      <a:r>
+                        <a:rPr lang="en-US" dirty="0" smtClean="0"/>
+                        <a:t>5</a:t>
+                      </a:r>
+                      <a:endParaRPr lang="en-US" dirty="0"/>
+                    </a:p>
+                  </a:txBody>
+                  <a:tcPr anchor="ctr">
+                    <a:lnL w="12700" cap="flat" cmpd="sng" algn="ctr">
+                      <a:noFill/>
+                      <a:prstDash val="solid"/>
+                      <a:round/>
+                      <a:headEnd type="none" w="med" len="med"/>
+                      <a:tailEnd type="none" w="med" len="med"/>
+                    </a:lnL>
+                    <a:lnR w="12700" cap="flat" cmpd="sng" algn="ctr">
+                      <a:noFill/>
+                      <a:prstDash val="solid"/>
+                      <a:round/>
+                      <a:headEnd type="none" w="med" len="med"/>
+                      <a:tailEnd type="none" w="med" len="med"/>
+                    </a:lnR>
+                    <a:lnT w="12700" cap="flat" cmpd="sng" algn="ctr">
+                      <a:solidFill>
+                        <a:schemeClr val="tx1"/>
+                      </a:solidFill>
+                      <a:prstDash val="solid"/>
+                      <a:round/>
+                      <a:headEnd type="none" w="med" len="med"/>
+                      <a:tailEnd type="none" w="med" len="med"/>
+                    </a:lnT>
+                    <a:lnB w="12700" cap="flat" cmpd="sng" algn="ctr">
+                      <a:noFill/>
+                      <a:prstDash val="solid"/>
+                      <a:round/>
+                      <a:headEnd type="none" w="med" len="med"/>
+                      <a:tailEnd type="none" w="med" len="med"/>
+                    </a:lnB>
+                    <a:lnTlToBr w="12700" cmpd="sng">
+                      <a:noFill/>
+                      <a:prstDash val="solid"/>
+                    </a:lnTlToBr>
+                    <a:lnBlToTr w="12700" cmpd="sng">
+                      <a:noFill/>
+                      <a:prstDash val="solid"/>
+                    </a:lnBlToTr>
+                  </a:tcPr>
+                </a:tc>
+              </a:tr>
+            </a:tbl>
+          </a:graphicData>
+        </a:graphic>
+      </p:graphicFrame>
+      <p:sp>
+        <p:nvSpPr>
+          <p:cNvPr id="8" name="Text Box 323"/>
+          <p:cNvSpPr txBox="1">
+            <a:spLocks noChangeArrowheads="1"/>
+          </p:cNvSpPr>
+          <p:nvPr/>
+        </p:nvSpPr>
+        <p:spPr bwMode="auto">
+          <a:xfrm>
+            <a:off x="3971924" y="6072981"/>
+            <a:ext cx="1277938" cy="304800"/>
+          </a:xfrm>
+          <a:prstGeom prst="rect">
+            <a:avLst/>
+          </a:prstGeom>
+          <a:noFill/>
+          <a:ln>
+            <a:noFill/>
+          </a:ln>
+          <a:extLst>
+            <a:ext uri="{909E8E84-426E-40DD-AFC4-6F175D3DCCD1}">
+              <a14:hiddenFill xmlns:a14="http://schemas.microsoft.com/office/drawing/2010/main">
+                <a:solidFill>
+                  <a:srgbClr val="FFFFFF"/>
+                </a:solidFill>
+              </a14:hiddenFill>
+            </a:ext>
+            <a:ext uri="{91240B29-F687-4F45-9708-019B960494DF}">
+              <a14:hiddenLine xmlns:a14="http://schemas.microsoft.com/office/drawing/2010/main" w="9525">
+                <a:solidFill>
+                  <a:srgbClr val="000000"/>
+                </a:solidFill>
+                <a:miter lim="800000"/>
+                <a:headEnd/>
+                <a:tailEnd/>
+              </a14:hiddenLine>
+            </a:ext>
+          </a:extLst>
+        </p:spPr>
+        <p:txBody>
+          <a:bodyPr wrap="none">
+            <a:spAutoFit/>
+          </a:bodyPr>
+          <a:lstStyle>
+            <a:lvl1pPr eaLnBrk="0" hangingPunct="0">
+              <a:defRPr>
+                <a:solidFill>
+                  <a:schemeClr val="tx1"/>
+                </a:solidFill>
+                <a:latin typeface="Arial" charset="0"/>
+                <a:cs typeface="Arial" charset="0"/>
+              </a:defRPr>
+            </a:lvl1pPr>
+            <a:lvl2pPr marL="742950" indent="-285750" eaLnBrk="0" hangingPunct="0">
+              <a:defRPr>
+                <a:solidFill>
+                  <a:schemeClr val="tx1"/>
+                </a:solidFill>
+                <a:latin typeface="Arial" charset="0"/>
+                <a:cs typeface="Arial" charset="0"/>
+              </a:defRPr>
+            </a:lvl2pPr>
+            <a:lvl3pPr marL="1143000" indent="-228600" eaLnBrk="0" hangingPunct="0">
+              <a:defRPr>
+                <a:solidFill>
+                  <a:schemeClr val="tx1"/>
+                </a:solidFill>
+                <a:latin typeface="Arial" charset="0"/>
+                <a:cs typeface="Arial" charset="0"/>
+              </a:defRPr>
+            </a:lvl3pPr>
+            <a:lvl4pPr marL="1600200" indent="-228600" eaLnBrk="0" hangingPunct="0">
+              <a:defRPr>
+                <a:solidFill>
+                  <a:schemeClr val="tx1"/>
+                </a:solidFill>
+                <a:latin typeface="Arial" charset="0"/>
+                <a:cs typeface="Arial" charset="0"/>
+              </a:defRPr>
+            </a:lvl4pPr>
+            <a:lvl5pPr marL="2057400" indent="-228600" eaLnBrk="0" hangingPunct="0">
+              <a:defRPr>
+                <a:solidFill>
+                  <a:schemeClr val="tx1"/>
+                </a:solidFill>
+                <a:latin typeface="Arial" charset="0"/>
+                <a:cs typeface="Arial" charset="0"/>
+              </a:defRPr>
+            </a:lvl5pPr>
+            <a:lvl6pPr marL="2514600" indent="-228600" eaLnBrk="0" fontAlgn="base" hangingPunct="0">
+              <a:spcBef>
+                <a:spcPct val="0"/>
+              </a:spcBef>
+              <a:spcAft>
+                <a:spcPct val="0"/>
+              </a:spcAft>
+              <a:defRPr>
+                <a:solidFill>
+                  <a:schemeClr val="tx1"/>
+                </a:solidFill>
+                <a:latin typeface="Arial" charset="0"/>
+                <a:cs typeface="Arial" charset="0"/>
+              </a:defRPr>
+            </a:lvl6pPr>
+            <a:lvl7pPr marL="2971800" indent="-228600" eaLnBrk="0" fontAlgn="base" hangingPunct="0">
+              <a:spcBef>
+                <a:spcPct val="0"/>
+              </a:spcBef>
+              <a:spcAft>
+                <a:spcPct val="0"/>
+              </a:spcAft>
+              <a:defRPr>
+                <a:solidFill>
+                  <a:schemeClr val="tx1"/>
+                </a:solidFill>
+                <a:latin typeface="Arial" charset="0"/>
+                <a:cs typeface="Arial" charset="0"/>
+              </a:defRPr>
+            </a:lvl7pPr>
+            <a:lvl8pPr marL="3429000" indent="-228600" eaLnBrk="0" fontAlgn="base" hangingPunct="0">
+              <a:spcBef>
+                <a:spcPct val="0"/>
+              </a:spcBef>
+              <a:spcAft>
+                <a:spcPct val="0"/>
+              </a:spcAft>
+              <a:defRPr>
+                <a:solidFill>
+                  <a:schemeClr val="tx1"/>
+                </a:solidFill>
+                <a:latin typeface="Arial" charset="0"/>
+                <a:cs typeface="Arial" charset="0"/>
+              </a:defRPr>
+            </a:lvl8pPr>
+            <a:lvl9pPr marL="3886200" indent="-228600" eaLnBrk="0" fontAlgn="base" hangingPunct="0">
+              <a:spcBef>
+                <a:spcPct val="0"/>
+              </a:spcBef>
+              <a:spcAft>
+                <a:spcPct val="0"/>
+              </a:spcAft>
+              <a:defRPr>
+                <a:solidFill>
+                  <a:schemeClr val="tx1"/>
+                </a:solidFill>
+                <a:latin typeface="Arial" charset="0"/>
+                <a:cs typeface="Arial" charset="0"/>
+              </a:defRPr>
+            </a:lvl9pPr>
+          </a:lstStyle>
+          <a:p>
+            <a:pPr eaLnBrk="1" hangingPunct="1"/>
+            <a:r>
+              <a:rPr lang="en-US" altLang="en-US" sz="1400" dirty="0"/>
+              <a:t>Consequence</a:t>
+            </a:r>
+          </a:p>
+        </p:txBody>
+      </p:sp>
+      <p:sp>
+        <p:nvSpPr>
+          <p:cNvPr id="9" name="Text Box 322"/>
+          <p:cNvSpPr txBox="1">
+            <a:spLocks noChangeArrowheads="1"/>
+          </p:cNvSpPr>
+          <p:nvPr/>
+        </p:nvSpPr>
+        <p:spPr bwMode="auto">
+          <a:xfrm rot="16200000">
+            <a:off x="2794792" y="4583112"/>
+            <a:ext cx="982663" cy="304800"/>
+          </a:xfrm>
+          <a:prstGeom prst="rect">
+            <a:avLst/>
+          </a:prstGeom>
+          <a:noFill/>
+          <a:ln>
+            <a:noFill/>
+          </a:ln>
+          <a:extLst>
+            <a:ext uri="{909E8E84-426E-40DD-AFC4-6F175D3DCCD1}">
+              <a14:hiddenFill xmlns:a14="http://schemas.microsoft.com/office/drawing/2010/main">
+                <a:solidFill>
+                  <a:srgbClr val="FFFFFF"/>
+                </a:solidFill>
+              </a14:hiddenFill>
+            </a:ext>
+            <a:ext uri="{91240B29-F687-4F45-9708-019B960494DF}">
+              <a14:hiddenLine xmlns:a14="http://schemas.microsoft.com/office/drawing/2010/main" w="9525">
+                <a:solidFill>
+                  <a:srgbClr val="000000"/>
+                </a:solidFill>
+                <a:miter lim="800000"/>
+                <a:headEnd/>
+                <a:tailEnd/>
+              </a14:hiddenLine>
+            </a:ext>
+          </a:extLst>
+        </p:spPr>
+        <p:txBody>
+          <a:bodyPr wrap="none">
+            <a:spAutoFit/>
+          </a:bodyPr>
+          <a:lstStyle>
+            <a:lvl1pPr eaLnBrk="0" hangingPunct="0">
+              <a:defRPr>
+                <a:solidFill>
+                  <a:schemeClr val="tx1"/>
+                </a:solidFill>
+                <a:latin typeface="Arial" charset="0"/>
+                <a:cs typeface="Arial" charset="0"/>
+              </a:defRPr>
+            </a:lvl1pPr>
+            <a:lvl2pPr marL="742950" indent="-285750" eaLnBrk="0" hangingPunct="0">
+              <a:defRPr>
+                <a:solidFill>
+                  <a:schemeClr val="tx1"/>
+                </a:solidFill>
+                <a:latin typeface="Arial" charset="0"/>
+                <a:cs typeface="Arial" charset="0"/>
+              </a:defRPr>
+            </a:lvl2pPr>
+            <a:lvl3pPr marL="1143000" indent="-228600" eaLnBrk="0" hangingPunct="0">
+              <a:defRPr>
+                <a:solidFill>
+                  <a:schemeClr val="tx1"/>
+                </a:solidFill>
+                <a:latin typeface="Arial" charset="0"/>
+                <a:cs typeface="Arial" charset="0"/>
+              </a:defRPr>
+            </a:lvl3pPr>
+            <a:lvl4pPr marL="1600200" indent="-228600" eaLnBrk="0" hangingPunct="0">
+              <a:defRPr>
+                <a:solidFill>
+                  <a:schemeClr val="tx1"/>
+                </a:solidFill>
+                <a:latin typeface="Arial" charset="0"/>
+                <a:cs typeface="Arial" charset="0"/>
+              </a:defRPr>
+            </a:lvl4pPr>
+            <a:lvl5pPr marL="2057400" indent="-228600" eaLnBrk="0" hangingPunct="0">
+              <a:defRPr>
+                <a:solidFill>
+                  <a:schemeClr val="tx1"/>
+                </a:solidFill>
+                <a:latin typeface="Arial" charset="0"/>
+                <a:cs typeface="Arial" charset="0"/>
+              </a:defRPr>
+            </a:lvl5pPr>
+            <a:lvl6pPr marL="2514600" indent="-228600" eaLnBrk="0" fontAlgn="base" hangingPunct="0">
+              <a:spcBef>
+                <a:spcPct val="0"/>
+              </a:spcBef>
+              <a:spcAft>
+                <a:spcPct val="0"/>
+              </a:spcAft>
+              <a:defRPr>
+                <a:solidFill>
+                  <a:schemeClr val="tx1"/>
+                </a:solidFill>
+                <a:latin typeface="Arial" charset="0"/>
+                <a:cs typeface="Arial" charset="0"/>
+              </a:defRPr>
+            </a:lvl6pPr>
+            <a:lvl7pPr marL="2971800" indent="-228600" eaLnBrk="0" fontAlgn="base" hangingPunct="0">
+              <a:spcBef>
+                <a:spcPct val="0"/>
+              </a:spcBef>
+              <a:spcAft>
+                <a:spcPct val="0"/>
+              </a:spcAft>
+              <a:defRPr>
+                <a:solidFill>
+                  <a:schemeClr val="tx1"/>
+                </a:solidFill>
+                <a:latin typeface="Arial" charset="0"/>
+                <a:cs typeface="Arial" charset="0"/>
+              </a:defRPr>
+            </a:lvl7pPr>
+            <a:lvl8pPr marL="3429000" indent="-228600" eaLnBrk="0" fontAlgn="base" hangingPunct="0">
+              <a:spcBef>
+                <a:spcPct val="0"/>
+              </a:spcBef>
+              <a:spcAft>
+                <a:spcPct val="0"/>
+              </a:spcAft>
+              <a:defRPr>
+                <a:solidFill>
+                  <a:schemeClr val="tx1"/>
+                </a:solidFill>
+                <a:latin typeface="Arial" charset="0"/>
+                <a:cs typeface="Arial" charset="0"/>
+              </a:defRPr>
+            </a:lvl8pPr>
+            <a:lvl9pPr marL="3886200" indent="-228600" eaLnBrk="0" fontAlgn="base" hangingPunct="0">
+              <a:spcBef>
+                <a:spcPct val="0"/>
+              </a:spcBef>
+              <a:spcAft>
+                <a:spcPct val="0"/>
+              </a:spcAft>
+              <a:defRPr>
+                <a:solidFill>
+                  <a:schemeClr val="tx1"/>
+                </a:solidFill>
+                <a:latin typeface="Arial" charset="0"/>
+                <a:cs typeface="Arial" charset="0"/>
+              </a:defRPr>
+            </a:lvl9pPr>
+          </a:lstStyle>
+          <a:p>
+            <a:pPr eaLnBrk="1" hangingPunct="1"/>
+            <a:r>
+              <a:rPr lang="en-US" altLang="en-US" sz="1400" dirty="0"/>
+              <a:t>Likelihood</a:t>
+            </a:r>
+          </a:p>
+        </p:txBody>
+      </p:sp>
+    </p:spTree>
+    <p:extLst>
+      <p:ext uri="{BB962C8B-B14F-4D97-AF65-F5344CB8AC3E}">
+        <p14:creationId xmlns:p14="http://schemas.microsoft.com/office/powerpoint/2010/main" val="2334475791"/>
+      </p:ext>
+    </p:extLst>
+  </p:cSld>
+  <p:clrMapOvr>
+    <a:masterClrMapping/>
+  </p:clrMapOvr>
+  <p:timing>
+    <p:tnLst>
+      <p:par>
+        <p:cTn id="1" dur="indefinite" restart="never" nodeType="tmRoot"/>
+      </p:par>
+    </p:tnLst>
+  </p:timing>
+</p:sld>
+</file>
+
 <file path=ppt/theme/theme1.xml><?xml version="1.0" encoding="utf-8"?>
 <a:theme xmlns:a="http://schemas.openxmlformats.org/drawingml/2006/main" name="Office Theme">
   <a:themeElements>
